--- a/week9/Pixi projection.pptx
+++ b/week9/Pixi projection.pptx
@@ -5,7 +5,7 @@
     <p:sldMasterId id="2147483648" r:id="rId1"/>
   </p:sldMasterIdLst>
   <p:notesMasterIdLst>
-    <p:notesMasterId r:id="rId8"/>
+    <p:notesMasterId r:id="rId14"/>
   </p:notesMasterIdLst>
   <p:sldIdLst>
     <p:sldId id="328" r:id="rId2"/>
@@ -13,7 +13,13 @@
     <p:sldId id="359" r:id="rId4"/>
     <p:sldId id="360" r:id="rId5"/>
     <p:sldId id="361" r:id="rId6"/>
-    <p:sldId id="358" r:id="rId7"/>
+    <p:sldId id="364" r:id="rId7"/>
+    <p:sldId id="365" r:id="rId8"/>
+    <p:sldId id="366" r:id="rId9"/>
+    <p:sldId id="363" r:id="rId10"/>
+    <p:sldId id="362" r:id="rId11"/>
+    <p:sldId id="367" r:id="rId12"/>
+    <p:sldId id="358" r:id="rId13"/>
   </p:sldIdLst>
   <p:sldSz cx="9144000" cy="6858000" type="screen4x3"/>
   <p:notesSz cx="6858000" cy="9144000"/>
@@ -213,7 +219,7 @@
           <a:p>
             <a:fld id="{70882C86-C168-49C1-99FE-D02A644628AD}" type="datetimeFigureOut">
               <a:rPr lang="zh-TW" altLang="en-US" smtClean="0"/>
-              <a:t>2019/2/19</a:t>
+              <a:t>2019/2/20</a:t>
             </a:fld>
             <a:endParaRPr lang="zh-TW" altLang="en-US"/>
           </a:p>
@@ -565,6 +571,174 @@
 </p:notes>
 </file>
 
+<file path=ppt/notesSlides/notesSlide10.xml><?xml version="1.0" encoding="utf-8"?>
+<p:notes xmlns:a="http://schemas.openxmlformats.org/drawingml/2006/main" xmlns:r="http://schemas.openxmlformats.org/officeDocument/2006/relationships" xmlns:p="http://schemas.openxmlformats.org/presentationml/2006/main">
+  <p:cSld>
+    <p:spTree>
+      <p:nvGrpSpPr>
+        <p:cNvPr id="1" name=""/>
+        <p:cNvGrpSpPr/>
+        <p:nvPr/>
+      </p:nvGrpSpPr>
+      <p:grpSpPr>
+        <a:xfrm>
+          <a:off x="0" y="0"/>
+          <a:ext cx="0" cy="0"/>
+          <a:chOff x="0" y="0"/>
+          <a:chExt cx="0" cy="0"/>
+        </a:xfrm>
+      </p:grpSpPr>
+      <p:sp>
+        <p:nvSpPr>
+          <p:cNvPr id="2" name="投影片圖像版面配置區 1"/>
+          <p:cNvSpPr>
+            <a:spLocks noGrp="1" noRot="1" noChangeAspect="1"/>
+          </p:cNvSpPr>
+          <p:nvPr>
+            <p:ph type="sldImg"/>
+          </p:nvPr>
+        </p:nvSpPr>
+        <p:spPr/>
+      </p:sp>
+      <p:sp>
+        <p:nvSpPr>
+          <p:cNvPr id="3" name="備忘稿版面配置區 2"/>
+          <p:cNvSpPr>
+            <a:spLocks noGrp="1"/>
+          </p:cNvSpPr>
+          <p:nvPr>
+            <p:ph type="body" idx="1"/>
+          </p:nvPr>
+        </p:nvSpPr>
+        <p:spPr/>
+        <p:txBody>
+          <a:bodyPr/>
+          <a:lstStyle/>
+          <a:p>
+            <a:endParaRPr lang="zh-TW" altLang="en-US"/>
+          </a:p>
+        </p:txBody>
+      </p:sp>
+      <p:sp>
+        <p:nvSpPr>
+          <p:cNvPr id="4" name="投影片編號版面配置區 3"/>
+          <p:cNvSpPr>
+            <a:spLocks noGrp="1"/>
+          </p:cNvSpPr>
+          <p:nvPr>
+            <p:ph type="sldNum" sz="quarter" idx="10"/>
+          </p:nvPr>
+        </p:nvSpPr>
+        <p:spPr/>
+        <p:txBody>
+          <a:bodyPr/>
+          <a:lstStyle/>
+          <a:p>
+            <a:fld id="{C88A247A-631C-4796-9D8B-9781BEBF5804}" type="slidenum">
+              <a:rPr lang="zh-TW" altLang="en-US" smtClean="0"/>
+              <a:t>11</a:t>
+            </a:fld>
+            <a:endParaRPr lang="zh-TW" altLang="en-US"/>
+          </a:p>
+        </p:txBody>
+      </p:sp>
+    </p:spTree>
+    <p:extLst>
+      <p:ext uri="{BB962C8B-B14F-4D97-AF65-F5344CB8AC3E}">
+        <p14:creationId xmlns:p14="http://schemas.microsoft.com/office/powerpoint/2010/main" val="1084465664"/>
+      </p:ext>
+    </p:extLst>
+  </p:cSld>
+  <p:clrMapOvr>
+    <a:masterClrMapping/>
+  </p:clrMapOvr>
+</p:notes>
+</file>
+
+<file path=ppt/notesSlides/notesSlide11.xml><?xml version="1.0" encoding="utf-8"?>
+<p:notes xmlns:a="http://schemas.openxmlformats.org/drawingml/2006/main" xmlns:r="http://schemas.openxmlformats.org/officeDocument/2006/relationships" xmlns:p="http://schemas.openxmlformats.org/presentationml/2006/main">
+  <p:cSld>
+    <p:spTree>
+      <p:nvGrpSpPr>
+        <p:cNvPr id="1" name=""/>
+        <p:cNvGrpSpPr/>
+        <p:nvPr/>
+      </p:nvGrpSpPr>
+      <p:grpSpPr>
+        <a:xfrm>
+          <a:off x="0" y="0"/>
+          <a:ext cx="0" cy="0"/>
+          <a:chOff x="0" y="0"/>
+          <a:chExt cx="0" cy="0"/>
+        </a:xfrm>
+      </p:grpSpPr>
+      <p:sp>
+        <p:nvSpPr>
+          <p:cNvPr id="2" name="投影片圖像版面配置區 1"/>
+          <p:cNvSpPr>
+            <a:spLocks noGrp="1" noRot="1" noChangeAspect="1"/>
+          </p:cNvSpPr>
+          <p:nvPr>
+            <p:ph type="sldImg"/>
+          </p:nvPr>
+        </p:nvSpPr>
+        <p:spPr/>
+      </p:sp>
+      <p:sp>
+        <p:nvSpPr>
+          <p:cNvPr id="3" name="備忘稿版面配置區 2"/>
+          <p:cNvSpPr>
+            <a:spLocks noGrp="1"/>
+          </p:cNvSpPr>
+          <p:nvPr>
+            <p:ph type="body" idx="1"/>
+          </p:nvPr>
+        </p:nvSpPr>
+        <p:spPr/>
+        <p:txBody>
+          <a:bodyPr/>
+          <a:lstStyle/>
+          <a:p>
+            <a:endParaRPr lang="zh-TW" altLang="en-US"/>
+          </a:p>
+        </p:txBody>
+      </p:sp>
+      <p:sp>
+        <p:nvSpPr>
+          <p:cNvPr id="4" name="投影片編號版面配置區 3"/>
+          <p:cNvSpPr>
+            <a:spLocks noGrp="1"/>
+          </p:cNvSpPr>
+          <p:nvPr>
+            <p:ph type="sldNum" sz="quarter" idx="10"/>
+          </p:nvPr>
+        </p:nvSpPr>
+        <p:spPr/>
+        <p:txBody>
+          <a:bodyPr/>
+          <a:lstStyle/>
+          <a:p>
+            <a:fld id="{C88A247A-631C-4796-9D8B-9781BEBF5804}" type="slidenum">
+              <a:rPr lang="zh-TW" altLang="en-US" smtClean="0"/>
+              <a:t>12</a:t>
+            </a:fld>
+            <a:endParaRPr lang="zh-TW" altLang="en-US"/>
+          </a:p>
+        </p:txBody>
+      </p:sp>
+    </p:spTree>
+    <p:extLst>
+      <p:ext uri="{BB962C8B-B14F-4D97-AF65-F5344CB8AC3E}">
+        <p14:creationId xmlns:p14="http://schemas.microsoft.com/office/powerpoint/2010/main" val="436703699"/>
+      </p:ext>
+    </p:extLst>
+  </p:cSld>
+  <p:clrMapOvr>
+    <a:masterClrMapping/>
+  </p:clrMapOvr>
+</p:notes>
+</file>
+
 <file path=ppt/notesSlides/notesSlide2.xml><?xml version="1.0" encoding="utf-8"?>
 <p:notes xmlns:a="http://schemas.openxmlformats.org/drawingml/2006/main" xmlns:r="http://schemas.openxmlformats.org/officeDocument/2006/relationships" xmlns:p="http://schemas.openxmlformats.org/presentationml/2006/main">
   <p:cSld>
@@ -891,7 +1065,343 @@
     </p:spTree>
     <p:extLst>
       <p:ext uri="{BB962C8B-B14F-4D97-AF65-F5344CB8AC3E}">
-        <p14:creationId xmlns:p14="http://schemas.microsoft.com/office/powerpoint/2010/main" val="436703699"/>
+        <p14:creationId xmlns:p14="http://schemas.microsoft.com/office/powerpoint/2010/main" val="1662638163"/>
+      </p:ext>
+    </p:extLst>
+  </p:cSld>
+  <p:clrMapOvr>
+    <a:masterClrMapping/>
+  </p:clrMapOvr>
+</p:notes>
+</file>
+
+<file path=ppt/notesSlides/notesSlide6.xml><?xml version="1.0" encoding="utf-8"?>
+<p:notes xmlns:a="http://schemas.openxmlformats.org/drawingml/2006/main" xmlns:r="http://schemas.openxmlformats.org/officeDocument/2006/relationships" xmlns:p="http://schemas.openxmlformats.org/presentationml/2006/main">
+  <p:cSld>
+    <p:spTree>
+      <p:nvGrpSpPr>
+        <p:cNvPr id="1" name=""/>
+        <p:cNvGrpSpPr/>
+        <p:nvPr/>
+      </p:nvGrpSpPr>
+      <p:grpSpPr>
+        <a:xfrm>
+          <a:off x="0" y="0"/>
+          <a:ext cx="0" cy="0"/>
+          <a:chOff x="0" y="0"/>
+          <a:chExt cx="0" cy="0"/>
+        </a:xfrm>
+      </p:grpSpPr>
+      <p:sp>
+        <p:nvSpPr>
+          <p:cNvPr id="2" name="投影片圖像版面配置區 1"/>
+          <p:cNvSpPr>
+            <a:spLocks noGrp="1" noRot="1" noChangeAspect="1"/>
+          </p:cNvSpPr>
+          <p:nvPr>
+            <p:ph type="sldImg"/>
+          </p:nvPr>
+        </p:nvSpPr>
+        <p:spPr/>
+      </p:sp>
+      <p:sp>
+        <p:nvSpPr>
+          <p:cNvPr id="3" name="備忘稿版面配置區 2"/>
+          <p:cNvSpPr>
+            <a:spLocks noGrp="1"/>
+          </p:cNvSpPr>
+          <p:nvPr>
+            <p:ph type="body" idx="1"/>
+          </p:nvPr>
+        </p:nvSpPr>
+        <p:spPr/>
+        <p:txBody>
+          <a:bodyPr/>
+          <a:lstStyle/>
+          <a:p>
+            <a:endParaRPr lang="zh-TW" altLang="en-US"/>
+          </a:p>
+        </p:txBody>
+      </p:sp>
+      <p:sp>
+        <p:nvSpPr>
+          <p:cNvPr id="4" name="投影片編號版面配置區 3"/>
+          <p:cNvSpPr>
+            <a:spLocks noGrp="1"/>
+          </p:cNvSpPr>
+          <p:nvPr>
+            <p:ph type="sldNum" sz="quarter" idx="10"/>
+          </p:nvPr>
+        </p:nvSpPr>
+        <p:spPr/>
+        <p:txBody>
+          <a:bodyPr/>
+          <a:lstStyle/>
+          <a:p>
+            <a:fld id="{C88A247A-631C-4796-9D8B-9781BEBF5804}" type="slidenum">
+              <a:rPr lang="zh-TW" altLang="en-US" smtClean="0"/>
+              <a:t>7</a:t>
+            </a:fld>
+            <a:endParaRPr lang="zh-TW" altLang="en-US"/>
+          </a:p>
+        </p:txBody>
+      </p:sp>
+    </p:spTree>
+    <p:extLst>
+      <p:ext uri="{BB962C8B-B14F-4D97-AF65-F5344CB8AC3E}">
+        <p14:creationId xmlns:p14="http://schemas.microsoft.com/office/powerpoint/2010/main" val="3307952100"/>
+      </p:ext>
+    </p:extLst>
+  </p:cSld>
+  <p:clrMapOvr>
+    <a:masterClrMapping/>
+  </p:clrMapOvr>
+</p:notes>
+</file>
+
+<file path=ppt/notesSlides/notesSlide7.xml><?xml version="1.0" encoding="utf-8"?>
+<p:notes xmlns:a="http://schemas.openxmlformats.org/drawingml/2006/main" xmlns:r="http://schemas.openxmlformats.org/officeDocument/2006/relationships" xmlns:p="http://schemas.openxmlformats.org/presentationml/2006/main">
+  <p:cSld>
+    <p:spTree>
+      <p:nvGrpSpPr>
+        <p:cNvPr id="1" name=""/>
+        <p:cNvGrpSpPr/>
+        <p:nvPr/>
+      </p:nvGrpSpPr>
+      <p:grpSpPr>
+        <a:xfrm>
+          <a:off x="0" y="0"/>
+          <a:ext cx="0" cy="0"/>
+          <a:chOff x="0" y="0"/>
+          <a:chExt cx="0" cy="0"/>
+        </a:xfrm>
+      </p:grpSpPr>
+      <p:sp>
+        <p:nvSpPr>
+          <p:cNvPr id="2" name="投影片圖像版面配置區 1"/>
+          <p:cNvSpPr>
+            <a:spLocks noGrp="1" noRot="1" noChangeAspect="1"/>
+          </p:cNvSpPr>
+          <p:nvPr>
+            <p:ph type="sldImg"/>
+          </p:nvPr>
+        </p:nvSpPr>
+        <p:spPr/>
+      </p:sp>
+      <p:sp>
+        <p:nvSpPr>
+          <p:cNvPr id="3" name="備忘稿版面配置區 2"/>
+          <p:cNvSpPr>
+            <a:spLocks noGrp="1"/>
+          </p:cNvSpPr>
+          <p:nvPr>
+            <p:ph type="body" idx="1"/>
+          </p:nvPr>
+        </p:nvSpPr>
+        <p:spPr/>
+        <p:txBody>
+          <a:bodyPr/>
+          <a:lstStyle/>
+          <a:p>
+            <a:endParaRPr lang="zh-TW" altLang="en-US"/>
+          </a:p>
+        </p:txBody>
+      </p:sp>
+      <p:sp>
+        <p:nvSpPr>
+          <p:cNvPr id="4" name="投影片編號版面配置區 3"/>
+          <p:cNvSpPr>
+            <a:spLocks noGrp="1"/>
+          </p:cNvSpPr>
+          <p:nvPr>
+            <p:ph type="sldNum" sz="quarter" idx="10"/>
+          </p:nvPr>
+        </p:nvSpPr>
+        <p:spPr/>
+        <p:txBody>
+          <a:bodyPr/>
+          <a:lstStyle/>
+          <a:p>
+            <a:fld id="{C88A247A-631C-4796-9D8B-9781BEBF5804}" type="slidenum">
+              <a:rPr lang="zh-TW" altLang="en-US" smtClean="0"/>
+              <a:t>8</a:t>
+            </a:fld>
+            <a:endParaRPr lang="zh-TW" altLang="en-US"/>
+          </a:p>
+        </p:txBody>
+      </p:sp>
+    </p:spTree>
+    <p:extLst>
+      <p:ext uri="{BB962C8B-B14F-4D97-AF65-F5344CB8AC3E}">
+        <p14:creationId xmlns:p14="http://schemas.microsoft.com/office/powerpoint/2010/main" val="1346006795"/>
+      </p:ext>
+    </p:extLst>
+  </p:cSld>
+  <p:clrMapOvr>
+    <a:masterClrMapping/>
+  </p:clrMapOvr>
+</p:notes>
+</file>
+
+<file path=ppt/notesSlides/notesSlide8.xml><?xml version="1.0" encoding="utf-8"?>
+<p:notes xmlns:a="http://schemas.openxmlformats.org/drawingml/2006/main" xmlns:r="http://schemas.openxmlformats.org/officeDocument/2006/relationships" xmlns:p="http://schemas.openxmlformats.org/presentationml/2006/main">
+  <p:cSld>
+    <p:spTree>
+      <p:nvGrpSpPr>
+        <p:cNvPr id="1" name=""/>
+        <p:cNvGrpSpPr/>
+        <p:nvPr/>
+      </p:nvGrpSpPr>
+      <p:grpSpPr>
+        <a:xfrm>
+          <a:off x="0" y="0"/>
+          <a:ext cx="0" cy="0"/>
+          <a:chOff x="0" y="0"/>
+          <a:chExt cx="0" cy="0"/>
+        </a:xfrm>
+      </p:grpSpPr>
+      <p:sp>
+        <p:nvSpPr>
+          <p:cNvPr id="2" name="投影片圖像版面配置區 1"/>
+          <p:cNvSpPr>
+            <a:spLocks noGrp="1" noRot="1" noChangeAspect="1"/>
+          </p:cNvSpPr>
+          <p:nvPr>
+            <p:ph type="sldImg"/>
+          </p:nvPr>
+        </p:nvSpPr>
+        <p:spPr/>
+      </p:sp>
+      <p:sp>
+        <p:nvSpPr>
+          <p:cNvPr id="3" name="備忘稿版面配置區 2"/>
+          <p:cNvSpPr>
+            <a:spLocks noGrp="1"/>
+          </p:cNvSpPr>
+          <p:nvPr>
+            <p:ph type="body" idx="1"/>
+          </p:nvPr>
+        </p:nvSpPr>
+        <p:spPr/>
+        <p:txBody>
+          <a:bodyPr/>
+          <a:lstStyle/>
+          <a:p>
+            <a:endParaRPr lang="zh-TW" altLang="en-US"/>
+          </a:p>
+        </p:txBody>
+      </p:sp>
+      <p:sp>
+        <p:nvSpPr>
+          <p:cNvPr id="4" name="投影片編號版面配置區 3"/>
+          <p:cNvSpPr>
+            <a:spLocks noGrp="1"/>
+          </p:cNvSpPr>
+          <p:nvPr>
+            <p:ph type="sldNum" sz="quarter" idx="10"/>
+          </p:nvPr>
+        </p:nvSpPr>
+        <p:spPr/>
+        <p:txBody>
+          <a:bodyPr/>
+          <a:lstStyle/>
+          <a:p>
+            <a:fld id="{C88A247A-631C-4796-9D8B-9781BEBF5804}" type="slidenum">
+              <a:rPr lang="zh-TW" altLang="en-US" smtClean="0"/>
+              <a:t>9</a:t>
+            </a:fld>
+            <a:endParaRPr lang="zh-TW" altLang="en-US"/>
+          </a:p>
+        </p:txBody>
+      </p:sp>
+    </p:spTree>
+    <p:extLst>
+      <p:ext uri="{BB962C8B-B14F-4D97-AF65-F5344CB8AC3E}">
+        <p14:creationId xmlns:p14="http://schemas.microsoft.com/office/powerpoint/2010/main" val="1752875027"/>
+      </p:ext>
+    </p:extLst>
+  </p:cSld>
+  <p:clrMapOvr>
+    <a:masterClrMapping/>
+  </p:clrMapOvr>
+</p:notes>
+</file>
+
+<file path=ppt/notesSlides/notesSlide9.xml><?xml version="1.0" encoding="utf-8"?>
+<p:notes xmlns:a="http://schemas.openxmlformats.org/drawingml/2006/main" xmlns:r="http://schemas.openxmlformats.org/officeDocument/2006/relationships" xmlns:p="http://schemas.openxmlformats.org/presentationml/2006/main">
+  <p:cSld>
+    <p:spTree>
+      <p:nvGrpSpPr>
+        <p:cNvPr id="1" name=""/>
+        <p:cNvGrpSpPr/>
+        <p:nvPr/>
+      </p:nvGrpSpPr>
+      <p:grpSpPr>
+        <a:xfrm>
+          <a:off x="0" y="0"/>
+          <a:ext cx="0" cy="0"/>
+          <a:chOff x="0" y="0"/>
+          <a:chExt cx="0" cy="0"/>
+        </a:xfrm>
+      </p:grpSpPr>
+      <p:sp>
+        <p:nvSpPr>
+          <p:cNvPr id="2" name="投影片圖像版面配置區 1"/>
+          <p:cNvSpPr>
+            <a:spLocks noGrp="1" noRot="1" noChangeAspect="1"/>
+          </p:cNvSpPr>
+          <p:nvPr>
+            <p:ph type="sldImg"/>
+          </p:nvPr>
+        </p:nvSpPr>
+        <p:spPr/>
+      </p:sp>
+      <p:sp>
+        <p:nvSpPr>
+          <p:cNvPr id="3" name="備忘稿版面配置區 2"/>
+          <p:cNvSpPr>
+            <a:spLocks noGrp="1"/>
+          </p:cNvSpPr>
+          <p:nvPr>
+            <p:ph type="body" idx="1"/>
+          </p:nvPr>
+        </p:nvSpPr>
+        <p:spPr/>
+        <p:txBody>
+          <a:bodyPr/>
+          <a:lstStyle/>
+          <a:p>
+            <a:endParaRPr lang="zh-TW" altLang="en-US"/>
+          </a:p>
+        </p:txBody>
+      </p:sp>
+      <p:sp>
+        <p:nvSpPr>
+          <p:cNvPr id="4" name="投影片編號版面配置區 3"/>
+          <p:cNvSpPr>
+            <a:spLocks noGrp="1"/>
+          </p:cNvSpPr>
+          <p:nvPr>
+            <p:ph type="sldNum" sz="quarter" idx="10"/>
+          </p:nvPr>
+        </p:nvSpPr>
+        <p:spPr/>
+        <p:txBody>
+          <a:bodyPr/>
+          <a:lstStyle/>
+          <a:p>
+            <a:fld id="{C88A247A-631C-4796-9D8B-9781BEBF5804}" type="slidenum">
+              <a:rPr lang="zh-TW" altLang="en-US" smtClean="0"/>
+              <a:t>10</a:t>
+            </a:fld>
+            <a:endParaRPr lang="zh-TW" altLang="en-US"/>
+          </a:p>
+        </p:txBody>
+      </p:sp>
+    </p:spTree>
+    <p:extLst>
+      <p:ext uri="{BB962C8B-B14F-4D97-AF65-F5344CB8AC3E}">
+        <p14:creationId xmlns:p14="http://schemas.microsoft.com/office/powerpoint/2010/main" val="2385737788"/>
       </p:ext>
     </p:extLst>
   </p:cSld>
@@ -1082,7 +1592,7 @@
           <a:p>
             <a:fld id="{735A16F5-6607-425B-A8CE-4DF360FC5EF6}" type="datetimeFigureOut">
               <a:rPr lang="zh-TW" altLang="en-US" smtClean="0"/>
-              <a:t>2019/2/19</a:t>
+              <a:t>2019/2/20</a:t>
             </a:fld>
             <a:endParaRPr lang="zh-TW" altLang="en-US"/>
           </a:p>
@@ -1252,7 +1762,7 @@
           <a:p>
             <a:fld id="{735A16F5-6607-425B-A8CE-4DF360FC5EF6}" type="datetimeFigureOut">
               <a:rPr lang="zh-TW" altLang="en-US" smtClean="0"/>
-              <a:t>2019/2/19</a:t>
+              <a:t>2019/2/20</a:t>
             </a:fld>
             <a:endParaRPr lang="zh-TW" altLang="en-US"/>
           </a:p>
@@ -1432,7 +1942,7 @@
           <a:p>
             <a:fld id="{735A16F5-6607-425B-A8CE-4DF360FC5EF6}" type="datetimeFigureOut">
               <a:rPr lang="zh-TW" altLang="en-US" smtClean="0"/>
-              <a:t>2019/2/19</a:t>
+              <a:t>2019/2/20</a:t>
             </a:fld>
             <a:endParaRPr lang="zh-TW" altLang="en-US"/>
           </a:p>
@@ -1602,7 +2112,7 @@
           <a:p>
             <a:fld id="{735A16F5-6607-425B-A8CE-4DF360FC5EF6}" type="datetimeFigureOut">
               <a:rPr lang="zh-TW" altLang="en-US" smtClean="0"/>
-              <a:t>2019/2/19</a:t>
+              <a:t>2019/2/20</a:t>
             </a:fld>
             <a:endParaRPr lang="zh-TW" altLang="en-US"/>
           </a:p>
@@ -1848,7 +2358,7 @@
           <a:p>
             <a:fld id="{735A16F5-6607-425B-A8CE-4DF360FC5EF6}" type="datetimeFigureOut">
               <a:rPr lang="zh-TW" altLang="en-US" smtClean="0"/>
-              <a:t>2019/2/19</a:t>
+              <a:t>2019/2/20</a:t>
             </a:fld>
             <a:endParaRPr lang="zh-TW" altLang="en-US"/>
           </a:p>
@@ -2136,7 +2646,7 @@
           <a:p>
             <a:fld id="{735A16F5-6607-425B-A8CE-4DF360FC5EF6}" type="datetimeFigureOut">
               <a:rPr lang="zh-TW" altLang="en-US" smtClean="0"/>
-              <a:t>2019/2/19</a:t>
+              <a:t>2019/2/20</a:t>
             </a:fld>
             <a:endParaRPr lang="zh-TW" altLang="en-US"/>
           </a:p>
@@ -2558,7 +3068,7 @@
           <a:p>
             <a:fld id="{735A16F5-6607-425B-A8CE-4DF360FC5EF6}" type="datetimeFigureOut">
               <a:rPr lang="zh-TW" altLang="en-US" smtClean="0"/>
-              <a:t>2019/2/19</a:t>
+              <a:t>2019/2/20</a:t>
             </a:fld>
             <a:endParaRPr lang="zh-TW" altLang="en-US"/>
           </a:p>
@@ -2676,7 +3186,7 @@
           <a:p>
             <a:fld id="{735A16F5-6607-425B-A8CE-4DF360FC5EF6}" type="datetimeFigureOut">
               <a:rPr lang="zh-TW" altLang="en-US" smtClean="0"/>
-              <a:t>2019/2/19</a:t>
+              <a:t>2019/2/20</a:t>
             </a:fld>
             <a:endParaRPr lang="zh-TW" altLang="en-US"/>
           </a:p>
@@ -2771,7 +3281,7 @@
           <a:p>
             <a:fld id="{735A16F5-6607-425B-A8CE-4DF360FC5EF6}" type="datetimeFigureOut">
               <a:rPr lang="zh-TW" altLang="en-US" smtClean="0"/>
-              <a:t>2019/2/19</a:t>
+              <a:t>2019/2/20</a:t>
             </a:fld>
             <a:endParaRPr lang="zh-TW" altLang="en-US"/>
           </a:p>
@@ -3048,7 +3558,7 @@
           <a:p>
             <a:fld id="{735A16F5-6607-425B-A8CE-4DF360FC5EF6}" type="datetimeFigureOut">
               <a:rPr lang="zh-TW" altLang="en-US" smtClean="0"/>
-              <a:t>2019/2/19</a:t>
+              <a:t>2019/2/20</a:t>
             </a:fld>
             <a:endParaRPr lang="zh-TW" altLang="en-US"/>
           </a:p>
@@ -3301,7 +3811,7 @@
           <a:p>
             <a:fld id="{735A16F5-6607-425B-A8CE-4DF360FC5EF6}" type="datetimeFigureOut">
               <a:rPr lang="zh-TW" altLang="en-US" smtClean="0"/>
-              <a:t>2019/2/19</a:t>
+              <a:t>2019/2/20</a:t>
             </a:fld>
             <a:endParaRPr lang="zh-TW" altLang="en-US"/>
           </a:p>
@@ -3523,7 +4033,7 @@
           <a:p>
             <a:fld id="{735A16F5-6607-425B-A8CE-4DF360FC5EF6}" type="datetimeFigureOut">
               <a:rPr lang="zh-TW" altLang="en-US" smtClean="0"/>
-              <a:t>2019/2/19</a:t>
+              <a:t>2019/2/20</a:t>
             </a:fld>
             <a:endParaRPr lang="zh-TW" altLang="en-US"/>
           </a:p>
@@ -4050,6 +4560,2652 @@
 </p:sld>
 </file>
 
+<file path=ppt/slides/slide10.xml><?xml version="1.0" encoding="utf-8"?>
+<p:sld xmlns:a="http://schemas.openxmlformats.org/drawingml/2006/main" xmlns:r="http://schemas.openxmlformats.org/officeDocument/2006/relationships" xmlns:p="http://schemas.openxmlformats.org/presentationml/2006/main">
+  <p:cSld>
+    <p:bg>
+      <p:bgPr>
+        <a:blipFill dpi="0" rotWithShape="1">
+          <a:blip r:embed="rId3">
+            <a:lum/>
+          </a:blip>
+          <a:srcRect/>
+          <a:stretch>
+            <a:fillRect/>
+          </a:stretch>
+        </a:blipFill>
+        <a:effectLst/>
+      </p:bgPr>
+    </p:bg>
+    <p:spTree>
+      <p:nvGrpSpPr>
+        <p:cNvPr id="1" name=""/>
+        <p:cNvGrpSpPr/>
+        <p:nvPr/>
+      </p:nvGrpSpPr>
+      <p:grpSpPr>
+        <a:xfrm>
+          <a:off x="0" y="0"/>
+          <a:ext cx="0" cy="0"/>
+          <a:chOff x="0" y="0"/>
+          <a:chExt cx="0" cy="0"/>
+        </a:xfrm>
+      </p:grpSpPr>
+      <p:sp>
+        <p:nvSpPr>
+          <p:cNvPr id="3" name="文字方塊 2"/>
+          <p:cNvSpPr txBox="1"/>
+          <p:nvPr/>
+        </p:nvSpPr>
+        <p:spPr>
+          <a:xfrm>
+            <a:off x="216000" y="417210"/>
+            <a:ext cx="550151" cy="461665"/>
+          </a:xfrm>
+          <a:prstGeom prst="rect">
+            <a:avLst/>
+          </a:prstGeom>
+          <a:noFill/>
+        </p:spPr>
+        <p:txBody>
+          <a:bodyPr wrap="none" rtlCol="0">
+            <a:spAutoFit/>
+          </a:bodyPr>
+          <a:lstStyle/>
+          <a:p>
+            <a:pPr algn="ctr"/>
+            <a:r>
+              <a:rPr lang="en-US" altLang="zh-TW" sz="2400" b="1" i="1" dirty="0" smtClean="0">
+                <a:latin typeface="微軟正黑體" panose="020B0604030504040204" pitchFamily="34" charset="-120"/>
+                <a:ea typeface="微軟正黑體" panose="020B0604030504040204" pitchFamily="34" charset="-120"/>
+              </a:rPr>
+              <a:t>05</a:t>
+            </a:r>
+            <a:endParaRPr lang="zh-TW" altLang="en-US" sz="2400" b="1" i="1" dirty="0">
+              <a:latin typeface="微軟正黑體" panose="020B0604030504040204" pitchFamily="34" charset="-120"/>
+              <a:ea typeface="微軟正黑體" panose="020B0604030504040204" pitchFamily="34" charset="-120"/>
+            </a:endParaRPr>
+          </a:p>
+        </p:txBody>
+      </p:sp>
+      <p:sp>
+        <p:nvSpPr>
+          <p:cNvPr id="9" name="投影片編號版面配置區 7"/>
+          <p:cNvSpPr txBox="1">
+            <a:spLocks/>
+          </p:cNvSpPr>
+          <p:nvPr/>
+        </p:nvSpPr>
+        <p:spPr>
+          <a:xfrm>
+            <a:off x="8684388" y="6381328"/>
+            <a:ext cx="432048" cy="365125"/>
+          </a:xfrm>
+          <a:prstGeom prst="rect">
+            <a:avLst/>
+          </a:prstGeom>
+        </p:spPr>
+        <p:txBody>
+          <a:bodyPr vert="horz" lIns="91440" tIns="45720" rIns="91440" bIns="45720" rtlCol="0" anchor="ctr"/>
+          <a:lstStyle>
+            <a:defPPr>
+              <a:defRPr lang="zh-TW"/>
+            </a:defPPr>
+            <a:lvl1pPr marL="0" algn="r" defTabSz="914400" rtl="0" eaLnBrk="1" latinLnBrk="0" hangingPunct="1">
+              <a:defRPr sz="1200" kern="1200">
+                <a:solidFill>
+                  <a:schemeClr val="tx1">
+                    <a:tint val="75000"/>
+                  </a:schemeClr>
+                </a:solidFill>
+                <a:latin typeface="+mn-lt"/>
+                <a:ea typeface="+mn-ea"/>
+                <a:cs typeface="+mn-cs"/>
+              </a:defRPr>
+            </a:lvl1pPr>
+            <a:lvl2pPr marL="457200" algn="l" defTabSz="914400" rtl="0" eaLnBrk="1" latinLnBrk="0" hangingPunct="1">
+              <a:defRPr sz="1800" kern="1200">
+                <a:solidFill>
+                  <a:schemeClr val="tx1"/>
+                </a:solidFill>
+                <a:latin typeface="+mn-lt"/>
+                <a:ea typeface="+mn-ea"/>
+                <a:cs typeface="+mn-cs"/>
+              </a:defRPr>
+            </a:lvl2pPr>
+            <a:lvl3pPr marL="914400" algn="l" defTabSz="914400" rtl="0" eaLnBrk="1" latinLnBrk="0" hangingPunct="1">
+              <a:defRPr sz="1800" kern="1200">
+                <a:solidFill>
+                  <a:schemeClr val="tx1"/>
+                </a:solidFill>
+                <a:latin typeface="+mn-lt"/>
+                <a:ea typeface="+mn-ea"/>
+                <a:cs typeface="+mn-cs"/>
+              </a:defRPr>
+            </a:lvl3pPr>
+            <a:lvl4pPr marL="1371600" algn="l" defTabSz="914400" rtl="0" eaLnBrk="1" latinLnBrk="0" hangingPunct="1">
+              <a:defRPr sz="1800" kern="1200">
+                <a:solidFill>
+                  <a:schemeClr val="tx1"/>
+                </a:solidFill>
+                <a:latin typeface="+mn-lt"/>
+                <a:ea typeface="+mn-ea"/>
+                <a:cs typeface="+mn-cs"/>
+              </a:defRPr>
+            </a:lvl4pPr>
+            <a:lvl5pPr marL="1828800" algn="l" defTabSz="914400" rtl="0" eaLnBrk="1" latinLnBrk="0" hangingPunct="1">
+              <a:defRPr sz="1800" kern="1200">
+                <a:solidFill>
+                  <a:schemeClr val="tx1"/>
+                </a:solidFill>
+                <a:latin typeface="+mn-lt"/>
+                <a:ea typeface="+mn-ea"/>
+                <a:cs typeface="+mn-cs"/>
+              </a:defRPr>
+            </a:lvl5pPr>
+            <a:lvl6pPr marL="2286000" algn="l" defTabSz="914400" rtl="0" eaLnBrk="1" latinLnBrk="0" hangingPunct="1">
+              <a:defRPr sz="1800" kern="1200">
+                <a:solidFill>
+                  <a:schemeClr val="tx1"/>
+                </a:solidFill>
+                <a:latin typeface="+mn-lt"/>
+                <a:ea typeface="+mn-ea"/>
+                <a:cs typeface="+mn-cs"/>
+              </a:defRPr>
+            </a:lvl6pPr>
+            <a:lvl7pPr marL="2743200" algn="l" defTabSz="914400" rtl="0" eaLnBrk="1" latinLnBrk="0" hangingPunct="1">
+              <a:defRPr sz="1800" kern="1200">
+                <a:solidFill>
+                  <a:schemeClr val="tx1"/>
+                </a:solidFill>
+                <a:latin typeface="+mn-lt"/>
+                <a:ea typeface="+mn-ea"/>
+                <a:cs typeface="+mn-cs"/>
+              </a:defRPr>
+            </a:lvl7pPr>
+            <a:lvl8pPr marL="3200400" algn="l" defTabSz="914400" rtl="0" eaLnBrk="1" latinLnBrk="0" hangingPunct="1">
+              <a:defRPr sz="1800" kern="1200">
+                <a:solidFill>
+                  <a:schemeClr val="tx1"/>
+                </a:solidFill>
+                <a:latin typeface="+mn-lt"/>
+                <a:ea typeface="+mn-ea"/>
+                <a:cs typeface="+mn-cs"/>
+              </a:defRPr>
+            </a:lvl8pPr>
+            <a:lvl9pPr marL="3657600" algn="l" defTabSz="914400" rtl="0" eaLnBrk="1" latinLnBrk="0" hangingPunct="1">
+              <a:defRPr sz="1800" kern="1200">
+                <a:solidFill>
+                  <a:schemeClr val="tx1"/>
+                </a:solidFill>
+                <a:latin typeface="+mn-lt"/>
+                <a:ea typeface="+mn-ea"/>
+                <a:cs typeface="+mn-cs"/>
+              </a:defRPr>
+            </a:lvl9pPr>
+          </a:lstStyle>
+          <a:p>
+            <a:pPr algn="ctr"/>
+            <a:fld id="{9F135CD2-3DB0-4302-AB2B-700846BC90E2}" type="slidenum">
+              <a:rPr lang="zh-TW" altLang="en-US" sz="1600" b="1" smtClean="0">
+                <a:latin typeface="Arial" panose="020B0604020202020204" pitchFamily="34" charset="0"/>
+                <a:ea typeface="微軟正黑體" panose="020B0604030504040204" pitchFamily="34" charset="-120"/>
+                <a:cs typeface="Arial" panose="020B0604020202020204" pitchFamily="34" charset="0"/>
+              </a:rPr>
+              <a:pPr algn="ctr"/>
+              <a:t>10</a:t>
+            </a:fld>
+            <a:endParaRPr lang="zh-TW" altLang="en-US" sz="1600" b="1" dirty="0">
+              <a:latin typeface="Arial" panose="020B0604020202020204" pitchFamily="34" charset="0"/>
+              <a:ea typeface="微軟正黑體" panose="020B0604030504040204" pitchFamily="34" charset="-120"/>
+              <a:cs typeface="Arial" panose="020B0604020202020204" pitchFamily="34" charset="0"/>
+            </a:endParaRPr>
+          </a:p>
+        </p:txBody>
+      </p:sp>
+      <p:sp>
+        <p:nvSpPr>
+          <p:cNvPr id="10" name="文字方塊 9"/>
+          <p:cNvSpPr txBox="1"/>
+          <p:nvPr/>
+        </p:nvSpPr>
+        <p:spPr>
+          <a:xfrm>
+            <a:off x="813962" y="421214"/>
+            <a:ext cx="1261884" cy="415498"/>
+          </a:xfrm>
+          <a:prstGeom prst="rect">
+            <a:avLst/>
+          </a:prstGeom>
+          <a:noFill/>
+        </p:spPr>
+        <p:txBody>
+          <a:bodyPr wrap="none" rtlCol="0">
+            <a:spAutoFit/>
+          </a:bodyPr>
+          <a:lstStyle/>
+          <a:p>
+            <a:r>
+              <a:rPr lang="zh-TW" altLang="en-US" sz="2100" b="1" dirty="0" smtClean="0">
+                <a:solidFill>
+                  <a:srgbClr val="E13763"/>
+                </a:solidFill>
+                <a:latin typeface="微軟正黑體" panose="020B0604030504040204" pitchFamily="34" charset="-120"/>
+                <a:ea typeface="微軟正黑體" panose="020B0604030504040204" pitchFamily="34" charset="-120"/>
+              </a:rPr>
+              <a:t>座標轉換</a:t>
+            </a:r>
+            <a:endParaRPr lang="zh-TW" altLang="en-US" sz="2100" b="1" dirty="0">
+              <a:solidFill>
+                <a:srgbClr val="E13763"/>
+              </a:solidFill>
+              <a:latin typeface="微軟正黑體" panose="020B0604030504040204" pitchFamily="34" charset="-120"/>
+              <a:ea typeface="微軟正黑體" panose="020B0604030504040204" pitchFamily="34" charset="-120"/>
+            </a:endParaRPr>
+          </a:p>
+        </p:txBody>
+      </p:sp>
+      <p:sp>
+        <p:nvSpPr>
+          <p:cNvPr id="12" name="文字方塊 11"/>
+          <p:cNvSpPr txBox="1"/>
+          <p:nvPr/>
+        </p:nvSpPr>
+        <p:spPr>
+          <a:xfrm>
+            <a:off x="816510" y="1470901"/>
+            <a:ext cx="7487058" cy="2585323"/>
+          </a:xfrm>
+          <a:prstGeom prst="rect">
+            <a:avLst/>
+          </a:prstGeom>
+          <a:noFill/>
+        </p:spPr>
+        <p:txBody>
+          <a:bodyPr wrap="square" rtlCol="0">
+            <a:spAutoFit/>
+          </a:bodyPr>
+          <a:lstStyle/>
+          <a:p>
+            <a:pPr marL="342900" indent="-342900">
+              <a:lnSpc>
+                <a:spcPct val="150000"/>
+              </a:lnSpc>
+              <a:buFontTx/>
+              <a:buAutoNum type="arabicPeriod"/>
+            </a:pPr>
+            <a:r>
+              <a:rPr lang="zh-TW" altLang="en-US" dirty="0" smtClean="0">
+                <a:solidFill>
+                  <a:schemeClr val="bg1"/>
+                </a:solidFill>
+                <a:latin typeface="微軟正黑體" panose="020B0604030504040204" pitchFamily="34" charset="-120"/>
+                <a:ea typeface="微軟正黑體" panose="020B0604030504040204" pitchFamily="34" charset="-120"/>
+              </a:rPr>
+              <a:t>使用 </a:t>
+            </a:r>
+            <a:r>
+              <a:rPr lang="en-US" altLang="zh-TW" dirty="0" err="1" smtClean="0">
+                <a:solidFill>
+                  <a:schemeClr val="bg1"/>
+                </a:solidFill>
+                <a:latin typeface="微軟正黑體" panose="020B0604030504040204" pitchFamily="34" charset="-120"/>
+                <a:ea typeface="微軟正黑體" panose="020B0604030504040204" pitchFamily="34" charset="-120"/>
+              </a:rPr>
+              <a:t>proj.setAxisX</a:t>
+            </a:r>
+            <a:r>
+              <a:rPr lang="en-US" altLang="zh-TW" dirty="0">
+                <a:solidFill>
+                  <a:schemeClr val="bg1"/>
+                </a:solidFill>
+                <a:latin typeface="微軟正黑體" panose="020B0604030504040204" pitchFamily="34" charset="-120"/>
+                <a:ea typeface="微軟正黑體" panose="020B0604030504040204" pitchFamily="34" charset="-120"/>
+              </a:rPr>
+              <a:t>( </a:t>
+            </a:r>
+            <a:r>
+              <a:rPr lang="en-US" altLang="zh-TW" dirty="0" err="1">
+                <a:solidFill>
+                  <a:schemeClr val="bg1"/>
+                </a:solidFill>
+                <a:latin typeface="微軟正黑體" panose="020B0604030504040204" pitchFamily="34" charset="-120"/>
+                <a:ea typeface="微軟正黑體" panose="020B0604030504040204" pitchFamily="34" charset="-120"/>
+              </a:rPr>
+              <a:t>pos</a:t>
+            </a:r>
+            <a:r>
+              <a:rPr lang="en-US" altLang="zh-TW" dirty="0">
+                <a:solidFill>
+                  <a:schemeClr val="bg1"/>
+                </a:solidFill>
+                <a:latin typeface="微軟正黑體" panose="020B0604030504040204" pitchFamily="34" charset="-120"/>
+                <a:ea typeface="微軟正黑體" panose="020B0604030504040204" pitchFamily="34" charset="-120"/>
+              </a:rPr>
+              <a:t> , factor</a:t>
+            </a:r>
+            <a:r>
+              <a:rPr lang="en-US" altLang="zh-TW" dirty="0" smtClean="0">
+                <a:solidFill>
+                  <a:schemeClr val="bg1"/>
+                </a:solidFill>
+                <a:latin typeface="微軟正黑體" panose="020B0604030504040204" pitchFamily="34" charset="-120"/>
+                <a:ea typeface="微軟正黑體" panose="020B0604030504040204" pitchFamily="34" charset="-120"/>
+              </a:rPr>
+              <a:t>)</a:t>
+            </a:r>
+            <a:r>
+              <a:rPr lang="zh-TW" altLang="en-US" dirty="0" smtClean="0">
+                <a:solidFill>
+                  <a:schemeClr val="bg1"/>
+                </a:solidFill>
+                <a:latin typeface="微軟正黑體" panose="020B0604030504040204" pitchFamily="34" charset="-120"/>
+                <a:ea typeface="微軟正黑體" panose="020B0604030504040204" pitchFamily="34" charset="-120"/>
+              </a:rPr>
+              <a:t> 或 </a:t>
+            </a:r>
+            <a:r>
+              <a:rPr lang="en-US" altLang="zh-TW" dirty="0" err="1" smtClean="0">
+                <a:solidFill>
+                  <a:schemeClr val="bg1"/>
+                </a:solidFill>
+                <a:latin typeface="微軟正黑體" panose="020B0604030504040204" pitchFamily="34" charset="-120"/>
+                <a:ea typeface="微軟正黑體" panose="020B0604030504040204" pitchFamily="34" charset="-120"/>
+              </a:rPr>
+              <a:t>proj.setAxisY</a:t>
+            </a:r>
+            <a:r>
+              <a:rPr lang="en-US" altLang="zh-TW" dirty="0" smtClean="0">
+                <a:solidFill>
+                  <a:schemeClr val="bg1"/>
+                </a:solidFill>
+                <a:latin typeface="微軟正黑體" panose="020B0604030504040204" pitchFamily="34" charset="-120"/>
+                <a:ea typeface="微軟正黑體" panose="020B0604030504040204" pitchFamily="34" charset="-120"/>
+              </a:rPr>
+              <a:t>( </a:t>
+            </a:r>
+            <a:r>
+              <a:rPr lang="en-US" altLang="zh-TW" dirty="0" err="1">
+                <a:solidFill>
+                  <a:schemeClr val="bg1"/>
+                </a:solidFill>
+                <a:latin typeface="微軟正黑體" panose="020B0604030504040204" pitchFamily="34" charset="-120"/>
+                <a:ea typeface="微軟正黑體" panose="020B0604030504040204" pitchFamily="34" charset="-120"/>
+              </a:rPr>
+              <a:t>pos</a:t>
+            </a:r>
+            <a:r>
+              <a:rPr lang="en-US" altLang="zh-TW" dirty="0">
+                <a:solidFill>
+                  <a:schemeClr val="bg1"/>
+                </a:solidFill>
+                <a:latin typeface="微軟正黑體" panose="020B0604030504040204" pitchFamily="34" charset="-120"/>
+                <a:ea typeface="微軟正黑體" panose="020B0604030504040204" pitchFamily="34" charset="-120"/>
+              </a:rPr>
+              <a:t> , factor</a:t>
+            </a:r>
+            <a:r>
+              <a:rPr lang="en-US" altLang="zh-TW" dirty="0" smtClean="0">
+                <a:solidFill>
+                  <a:schemeClr val="bg1"/>
+                </a:solidFill>
+                <a:latin typeface="微軟正黑體" panose="020B0604030504040204" pitchFamily="34" charset="-120"/>
+                <a:ea typeface="微軟正黑體" panose="020B0604030504040204" pitchFamily="34" charset="-120"/>
+              </a:rPr>
+              <a:t>)</a:t>
+            </a:r>
+            <a:r>
+              <a:rPr lang="zh-TW" altLang="en-US" dirty="0" smtClean="0">
+                <a:solidFill>
+                  <a:schemeClr val="bg1"/>
+                </a:solidFill>
+                <a:latin typeface="微軟正黑體" panose="020B0604030504040204" pitchFamily="34" charset="-120"/>
+                <a:ea typeface="微軟正黑體" panose="020B0604030504040204" pitchFamily="34" charset="-120"/>
+              </a:rPr>
+              <a:t> 時，可能需要取得投影點在區域座標上的位置，而一般用 </a:t>
+            </a:r>
+            <a:r>
+              <a:rPr lang="en-US" altLang="zh-TW" dirty="0" smtClean="0">
+                <a:solidFill>
+                  <a:schemeClr val="bg1"/>
+                </a:solidFill>
+                <a:latin typeface="微軟正黑體" panose="020B0604030504040204" pitchFamily="34" charset="-120"/>
+                <a:ea typeface="微軟正黑體" panose="020B0604030504040204" pitchFamily="34" charset="-120"/>
+              </a:rPr>
+              <a:t>.position</a:t>
+            </a:r>
+            <a:r>
+              <a:rPr lang="zh-TW" altLang="en-US" dirty="0" smtClean="0">
+                <a:solidFill>
+                  <a:schemeClr val="bg1"/>
+                </a:solidFill>
+                <a:latin typeface="微軟正黑體" panose="020B0604030504040204" pitchFamily="34" charset="-120"/>
+                <a:ea typeface="微軟正黑體" panose="020B0604030504040204" pitchFamily="34" charset="-120"/>
+              </a:rPr>
+              <a:t> 取得的是世界座標的</a:t>
+            </a:r>
+            <a:r>
+              <a:rPr lang="en-US" altLang="zh-TW" dirty="0" smtClean="0">
+                <a:solidFill>
+                  <a:schemeClr val="bg1"/>
+                </a:solidFill>
+                <a:latin typeface="微軟正黑體" panose="020B0604030504040204" pitchFamily="34" charset="-120"/>
+                <a:ea typeface="微軟正黑體" panose="020B0604030504040204" pitchFamily="34" charset="-120"/>
+              </a:rPr>
+              <a:t>x</a:t>
+            </a:r>
+            <a:r>
+              <a:rPr lang="zh-TW" altLang="en-US" dirty="0" smtClean="0">
+                <a:solidFill>
+                  <a:schemeClr val="bg1"/>
+                </a:solidFill>
+                <a:latin typeface="微軟正黑體" panose="020B0604030504040204" pitchFamily="34" charset="-120"/>
+                <a:ea typeface="微軟正黑體" panose="020B0604030504040204" pitchFamily="34" charset="-120"/>
+              </a:rPr>
+              <a:t>或</a:t>
+            </a:r>
+            <a:r>
+              <a:rPr lang="en-US" altLang="zh-TW" dirty="0" smtClean="0">
+                <a:solidFill>
+                  <a:schemeClr val="bg1"/>
+                </a:solidFill>
+                <a:latin typeface="微軟正黑體" panose="020B0604030504040204" pitchFamily="34" charset="-120"/>
+                <a:ea typeface="微軟正黑體" panose="020B0604030504040204" pitchFamily="34" charset="-120"/>
+              </a:rPr>
+              <a:t>y</a:t>
+            </a:r>
+            <a:r>
+              <a:rPr lang="zh-TW" altLang="en-US" dirty="0" smtClean="0">
+                <a:solidFill>
+                  <a:schemeClr val="bg1"/>
+                </a:solidFill>
+                <a:latin typeface="微軟正黑體" panose="020B0604030504040204" pitchFamily="34" charset="-120"/>
+                <a:ea typeface="微軟正黑體" panose="020B0604030504040204" pitchFamily="34" charset="-120"/>
+              </a:rPr>
+              <a:t>，轉換為區域座標需要 </a:t>
+            </a:r>
+            <a:r>
+              <a:rPr lang="en-US" altLang="zh-TW" dirty="0" err="1" smtClean="0">
+                <a:solidFill>
+                  <a:schemeClr val="bg1"/>
+                </a:solidFill>
+                <a:latin typeface="微軟正黑體" panose="020B0604030504040204" pitchFamily="34" charset="-120"/>
+                <a:ea typeface="微軟正黑體" panose="020B0604030504040204" pitchFamily="34" charset="-120"/>
+              </a:rPr>
+              <a:t>toLocal</a:t>
+            </a:r>
+            <a:r>
+              <a:rPr lang="zh-TW" altLang="en-US" dirty="0" smtClean="0">
+                <a:solidFill>
+                  <a:schemeClr val="bg1"/>
+                </a:solidFill>
+                <a:latin typeface="微軟正黑體" panose="020B0604030504040204" pitchFamily="34" charset="-120"/>
+                <a:ea typeface="微軟正黑體" panose="020B0604030504040204" pitchFamily="34" charset="-120"/>
+              </a:rPr>
+              <a:t> 的函式，其中第五項必須代入</a:t>
+            </a:r>
+            <a:r>
+              <a:rPr lang="en-US" altLang="zh-TW" dirty="0" err="1" smtClean="0">
+                <a:solidFill>
+                  <a:schemeClr val="bg1"/>
+                </a:solidFill>
+                <a:latin typeface="微軟正黑體" panose="020B0604030504040204" pitchFamily="34" charset="-120"/>
+                <a:ea typeface="微軟正黑體" panose="020B0604030504040204" pitchFamily="34" charset="-120"/>
+              </a:rPr>
+              <a:t>PIXI.projection.TRANSFORM_STEP.BEFORE_PROJ</a:t>
+            </a:r>
+            <a:r>
+              <a:rPr lang="zh-TW" altLang="en-US" dirty="0" smtClean="0">
+                <a:solidFill>
+                  <a:schemeClr val="bg1"/>
+                </a:solidFill>
+                <a:latin typeface="微軟正黑體" panose="020B0604030504040204" pitchFamily="34" charset="-120"/>
+                <a:ea typeface="微軟正黑體" panose="020B0604030504040204" pitchFamily="34" charset="-120"/>
+              </a:rPr>
+              <a:t>，得到的區域座標才會為未投影轉換的區域座標。</a:t>
+            </a:r>
+            <a:endParaRPr lang="en-US" altLang="zh-TW" dirty="0">
+              <a:solidFill>
+                <a:schemeClr val="bg1"/>
+              </a:solidFill>
+              <a:latin typeface="微軟正黑體" panose="020B0604030504040204" pitchFamily="34" charset="-120"/>
+              <a:ea typeface="微軟正黑體" panose="020B0604030504040204" pitchFamily="34" charset="-120"/>
+            </a:endParaRPr>
+          </a:p>
+          <a:p>
+            <a:pPr marL="342900" indent="-342900">
+              <a:lnSpc>
+                <a:spcPct val="150000"/>
+              </a:lnSpc>
+              <a:buAutoNum type="arabicPeriod"/>
+            </a:pPr>
+            <a:endParaRPr lang="en-US" altLang="zh-TW" dirty="0" smtClean="0">
+              <a:solidFill>
+                <a:schemeClr val="bg1"/>
+              </a:solidFill>
+              <a:latin typeface="微軟正黑體" panose="020B0604030504040204" pitchFamily="34" charset="-120"/>
+              <a:ea typeface="微軟正黑體" panose="020B0604030504040204" pitchFamily="34" charset="-120"/>
+            </a:endParaRPr>
+          </a:p>
+        </p:txBody>
+      </p:sp>
+      <p:pic>
+        <p:nvPicPr>
+          <p:cNvPr id="15" name="圖片 14"/>
+          <p:cNvPicPr>
+            <a:picLocks noChangeAspect="1"/>
+          </p:cNvPicPr>
+          <p:nvPr/>
+        </p:nvPicPr>
+        <p:blipFill>
+          <a:blip r:embed="rId4"/>
+          <a:stretch>
+            <a:fillRect/>
+          </a:stretch>
+        </p:blipFill>
+        <p:spPr>
+          <a:xfrm>
+            <a:off x="813962" y="4221088"/>
+            <a:ext cx="7620000" cy="609600"/>
+          </a:xfrm>
+          <a:prstGeom prst="rect">
+            <a:avLst/>
+          </a:prstGeom>
+        </p:spPr>
+      </p:pic>
+    </p:spTree>
+    <p:extLst>
+      <p:ext uri="{BB962C8B-B14F-4D97-AF65-F5344CB8AC3E}">
+        <p14:creationId xmlns:p14="http://schemas.microsoft.com/office/powerpoint/2010/main" val="88122070"/>
+      </p:ext>
+    </p:extLst>
+  </p:cSld>
+  <p:clrMapOvr>
+    <a:masterClrMapping/>
+  </p:clrMapOvr>
+  <mc:AlternateContent xmlns:mc="http://schemas.openxmlformats.org/markup-compatibility/2006" xmlns:p14="http://schemas.microsoft.com/office/powerpoint/2010/main">
+    <mc:Choice Requires="p14">
+      <p:transition spd="med" p14:dur="700">
+        <p:fade/>
+      </p:transition>
+    </mc:Choice>
+    <mc:Fallback xmlns="">
+      <p:transition spd="med">
+        <p:fade/>
+      </p:transition>
+    </mc:Fallback>
+  </mc:AlternateContent>
+  <p:timing>
+    <p:tnLst>
+      <p:par>
+        <p:cTn id="1" dur="indefinite" restart="never" nodeType="tmRoot"/>
+      </p:par>
+    </p:tnLst>
+  </p:timing>
+</p:sld>
+</file>
+
+<file path=ppt/slides/slide11.xml><?xml version="1.0" encoding="utf-8"?>
+<p:sld xmlns:a="http://schemas.openxmlformats.org/drawingml/2006/main" xmlns:r="http://schemas.openxmlformats.org/officeDocument/2006/relationships" xmlns:p="http://schemas.openxmlformats.org/presentationml/2006/main">
+  <p:cSld>
+    <p:bg>
+      <p:bgPr>
+        <a:blipFill dpi="0" rotWithShape="1">
+          <a:blip r:embed="rId3">
+            <a:lum/>
+          </a:blip>
+          <a:srcRect/>
+          <a:stretch>
+            <a:fillRect/>
+          </a:stretch>
+        </a:blipFill>
+        <a:effectLst/>
+      </p:bgPr>
+    </p:bg>
+    <p:spTree>
+      <p:nvGrpSpPr>
+        <p:cNvPr id="1" name=""/>
+        <p:cNvGrpSpPr/>
+        <p:nvPr/>
+      </p:nvGrpSpPr>
+      <p:grpSpPr>
+        <a:xfrm>
+          <a:off x="0" y="0"/>
+          <a:ext cx="0" cy="0"/>
+          <a:chOff x="0" y="0"/>
+          <a:chExt cx="0" cy="0"/>
+        </a:xfrm>
+      </p:grpSpPr>
+      <p:sp>
+        <p:nvSpPr>
+          <p:cNvPr id="3" name="文字方塊 2"/>
+          <p:cNvSpPr txBox="1"/>
+          <p:nvPr/>
+        </p:nvSpPr>
+        <p:spPr>
+          <a:xfrm>
+            <a:off x="216000" y="417210"/>
+            <a:ext cx="550151" cy="461665"/>
+          </a:xfrm>
+          <a:prstGeom prst="rect">
+            <a:avLst/>
+          </a:prstGeom>
+          <a:noFill/>
+        </p:spPr>
+        <p:txBody>
+          <a:bodyPr wrap="none" rtlCol="0">
+            <a:spAutoFit/>
+          </a:bodyPr>
+          <a:lstStyle/>
+          <a:p>
+            <a:pPr algn="ctr"/>
+            <a:r>
+              <a:rPr lang="en-US" altLang="zh-TW" sz="2400" b="1" i="1" dirty="0" smtClean="0">
+                <a:latin typeface="微軟正黑體" panose="020B0604030504040204" pitchFamily="34" charset="-120"/>
+                <a:ea typeface="微軟正黑體" panose="020B0604030504040204" pitchFamily="34" charset="-120"/>
+              </a:rPr>
+              <a:t>06</a:t>
+            </a:r>
+            <a:endParaRPr lang="zh-TW" altLang="en-US" sz="2400" b="1" i="1" dirty="0">
+              <a:latin typeface="微軟正黑體" panose="020B0604030504040204" pitchFamily="34" charset="-120"/>
+              <a:ea typeface="微軟正黑體" panose="020B0604030504040204" pitchFamily="34" charset="-120"/>
+            </a:endParaRPr>
+          </a:p>
+        </p:txBody>
+      </p:sp>
+      <p:sp>
+        <p:nvSpPr>
+          <p:cNvPr id="9" name="投影片編號版面配置區 7"/>
+          <p:cNvSpPr txBox="1">
+            <a:spLocks/>
+          </p:cNvSpPr>
+          <p:nvPr/>
+        </p:nvSpPr>
+        <p:spPr>
+          <a:xfrm>
+            <a:off x="8684388" y="6381328"/>
+            <a:ext cx="432048" cy="365125"/>
+          </a:xfrm>
+          <a:prstGeom prst="rect">
+            <a:avLst/>
+          </a:prstGeom>
+        </p:spPr>
+        <p:txBody>
+          <a:bodyPr vert="horz" lIns="91440" tIns="45720" rIns="91440" bIns="45720" rtlCol="0" anchor="ctr"/>
+          <a:lstStyle>
+            <a:defPPr>
+              <a:defRPr lang="zh-TW"/>
+            </a:defPPr>
+            <a:lvl1pPr marL="0" algn="r" defTabSz="914400" rtl="0" eaLnBrk="1" latinLnBrk="0" hangingPunct="1">
+              <a:defRPr sz="1200" kern="1200">
+                <a:solidFill>
+                  <a:schemeClr val="tx1">
+                    <a:tint val="75000"/>
+                  </a:schemeClr>
+                </a:solidFill>
+                <a:latin typeface="+mn-lt"/>
+                <a:ea typeface="+mn-ea"/>
+                <a:cs typeface="+mn-cs"/>
+              </a:defRPr>
+            </a:lvl1pPr>
+            <a:lvl2pPr marL="457200" algn="l" defTabSz="914400" rtl="0" eaLnBrk="1" latinLnBrk="0" hangingPunct="1">
+              <a:defRPr sz="1800" kern="1200">
+                <a:solidFill>
+                  <a:schemeClr val="tx1"/>
+                </a:solidFill>
+                <a:latin typeface="+mn-lt"/>
+                <a:ea typeface="+mn-ea"/>
+                <a:cs typeface="+mn-cs"/>
+              </a:defRPr>
+            </a:lvl2pPr>
+            <a:lvl3pPr marL="914400" algn="l" defTabSz="914400" rtl="0" eaLnBrk="1" latinLnBrk="0" hangingPunct="1">
+              <a:defRPr sz="1800" kern="1200">
+                <a:solidFill>
+                  <a:schemeClr val="tx1"/>
+                </a:solidFill>
+                <a:latin typeface="+mn-lt"/>
+                <a:ea typeface="+mn-ea"/>
+                <a:cs typeface="+mn-cs"/>
+              </a:defRPr>
+            </a:lvl3pPr>
+            <a:lvl4pPr marL="1371600" algn="l" defTabSz="914400" rtl="0" eaLnBrk="1" latinLnBrk="0" hangingPunct="1">
+              <a:defRPr sz="1800" kern="1200">
+                <a:solidFill>
+                  <a:schemeClr val="tx1"/>
+                </a:solidFill>
+                <a:latin typeface="+mn-lt"/>
+                <a:ea typeface="+mn-ea"/>
+                <a:cs typeface="+mn-cs"/>
+              </a:defRPr>
+            </a:lvl4pPr>
+            <a:lvl5pPr marL="1828800" algn="l" defTabSz="914400" rtl="0" eaLnBrk="1" latinLnBrk="0" hangingPunct="1">
+              <a:defRPr sz="1800" kern="1200">
+                <a:solidFill>
+                  <a:schemeClr val="tx1"/>
+                </a:solidFill>
+                <a:latin typeface="+mn-lt"/>
+                <a:ea typeface="+mn-ea"/>
+                <a:cs typeface="+mn-cs"/>
+              </a:defRPr>
+            </a:lvl5pPr>
+            <a:lvl6pPr marL="2286000" algn="l" defTabSz="914400" rtl="0" eaLnBrk="1" latinLnBrk="0" hangingPunct="1">
+              <a:defRPr sz="1800" kern="1200">
+                <a:solidFill>
+                  <a:schemeClr val="tx1"/>
+                </a:solidFill>
+                <a:latin typeface="+mn-lt"/>
+                <a:ea typeface="+mn-ea"/>
+                <a:cs typeface="+mn-cs"/>
+              </a:defRPr>
+            </a:lvl6pPr>
+            <a:lvl7pPr marL="2743200" algn="l" defTabSz="914400" rtl="0" eaLnBrk="1" latinLnBrk="0" hangingPunct="1">
+              <a:defRPr sz="1800" kern="1200">
+                <a:solidFill>
+                  <a:schemeClr val="tx1"/>
+                </a:solidFill>
+                <a:latin typeface="+mn-lt"/>
+                <a:ea typeface="+mn-ea"/>
+                <a:cs typeface="+mn-cs"/>
+              </a:defRPr>
+            </a:lvl7pPr>
+            <a:lvl8pPr marL="3200400" algn="l" defTabSz="914400" rtl="0" eaLnBrk="1" latinLnBrk="0" hangingPunct="1">
+              <a:defRPr sz="1800" kern="1200">
+                <a:solidFill>
+                  <a:schemeClr val="tx1"/>
+                </a:solidFill>
+                <a:latin typeface="+mn-lt"/>
+                <a:ea typeface="+mn-ea"/>
+                <a:cs typeface="+mn-cs"/>
+              </a:defRPr>
+            </a:lvl8pPr>
+            <a:lvl9pPr marL="3657600" algn="l" defTabSz="914400" rtl="0" eaLnBrk="1" latinLnBrk="0" hangingPunct="1">
+              <a:defRPr sz="1800" kern="1200">
+                <a:solidFill>
+                  <a:schemeClr val="tx1"/>
+                </a:solidFill>
+                <a:latin typeface="+mn-lt"/>
+                <a:ea typeface="+mn-ea"/>
+                <a:cs typeface="+mn-cs"/>
+              </a:defRPr>
+            </a:lvl9pPr>
+          </a:lstStyle>
+          <a:p>
+            <a:pPr algn="ctr"/>
+            <a:fld id="{9F135CD2-3DB0-4302-AB2B-700846BC90E2}" type="slidenum">
+              <a:rPr lang="zh-TW" altLang="en-US" sz="1600" b="1" smtClean="0">
+                <a:latin typeface="Arial" panose="020B0604020202020204" pitchFamily="34" charset="0"/>
+                <a:ea typeface="微軟正黑體" panose="020B0604030504040204" pitchFamily="34" charset="-120"/>
+                <a:cs typeface="Arial" panose="020B0604020202020204" pitchFamily="34" charset="0"/>
+              </a:rPr>
+              <a:pPr algn="ctr"/>
+              <a:t>11</a:t>
+            </a:fld>
+            <a:endParaRPr lang="zh-TW" altLang="en-US" sz="1600" b="1" dirty="0">
+              <a:latin typeface="Arial" panose="020B0604020202020204" pitchFamily="34" charset="0"/>
+              <a:ea typeface="微軟正黑體" panose="020B0604030504040204" pitchFamily="34" charset="-120"/>
+              <a:cs typeface="Arial" panose="020B0604020202020204" pitchFamily="34" charset="0"/>
+            </a:endParaRPr>
+          </a:p>
+        </p:txBody>
+      </p:sp>
+      <p:sp>
+        <p:nvSpPr>
+          <p:cNvPr id="10" name="文字方塊 9"/>
+          <p:cNvSpPr txBox="1"/>
+          <p:nvPr/>
+        </p:nvSpPr>
+        <p:spPr>
+          <a:xfrm>
+            <a:off x="813962" y="421214"/>
+            <a:ext cx="992579" cy="415498"/>
+          </a:xfrm>
+          <a:prstGeom prst="rect">
+            <a:avLst/>
+          </a:prstGeom>
+          <a:noFill/>
+        </p:spPr>
+        <p:txBody>
+          <a:bodyPr wrap="none" rtlCol="0">
+            <a:spAutoFit/>
+          </a:bodyPr>
+          <a:lstStyle/>
+          <a:p>
+            <a:r>
+              <a:rPr lang="zh-TW" altLang="en-US" sz="2100" b="1" dirty="0" smtClean="0">
+                <a:solidFill>
+                  <a:srgbClr val="E13763"/>
+                </a:solidFill>
+                <a:latin typeface="微軟正黑體" panose="020B0604030504040204" pitchFamily="34" charset="-120"/>
+                <a:ea typeface="微軟正黑體" panose="020B0604030504040204" pitchFamily="34" charset="-120"/>
+              </a:rPr>
+              <a:t>延伸</a:t>
+            </a:r>
+            <a:r>
+              <a:rPr lang="zh-TW" altLang="en-US" sz="2100" b="1" dirty="0">
+                <a:solidFill>
+                  <a:srgbClr val="E13763"/>
+                </a:solidFill>
+                <a:latin typeface="微軟正黑體" panose="020B0604030504040204" pitchFamily="34" charset="-120"/>
+                <a:ea typeface="微軟正黑體" panose="020B0604030504040204" pitchFamily="34" charset="-120"/>
+              </a:rPr>
+              <a:t>圖</a:t>
+            </a:r>
+            <a:endParaRPr lang="zh-TW" altLang="en-US" sz="2100" b="1" dirty="0">
+              <a:solidFill>
+                <a:srgbClr val="E13763"/>
+              </a:solidFill>
+              <a:latin typeface="微軟正黑體" panose="020B0604030504040204" pitchFamily="34" charset="-120"/>
+              <a:ea typeface="微軟正黑體" panose="020B0604030504040204" pitchFamily="34" charset="-120"/>
+            </a:endParaRPr>
+          </a:p>
+        </p:txBody>
+      </p:sp>
+      <p:sp>
+        <p:nvSpPr>
+          <p:cNvPr id="2" name="矩形 1"/>
+          <p:cNvSpPr/>
+          <p:nvPr/>
+        </p:nvSpPr>
+        <p:spPr>
+          <a:xfrm>
+            <a:off x="2384125" y="3244334"/>
+            <a:ext cx="4375750" cy="369332"/>
+          </a:xfrm>
+          <a:prstGeom prst="rect">
+            <a:avLst/>
+          </a:prstGeom>
+        </p:spPr>
+        <p:txBody>
+          <a:bodyPr wrap="none">
+            <a:spAutoFit/>
+          </a:bodyPr>
+          <a:lstStyle/>
+          <a:p>
+            <a:r>
+              <a:rPr lang="zh-TW" altLang="en-US" dirty="0">
+                <a:solidFill>
+                  <a:schemeClr val="bg1"/>
+                </a:solidFill>
+              </a:rPr>
+              <a:t>var tiling = new PIXI.projection.TilingSprite2d</a:t>
+            </a:r>
+          </a:p>
+        </p:txBody>
+      </p:sp>
+    </p:spTree>
+    <p:extLst>
+      <p:ext uri="{BB962C8B-B14F-4D97-AF65-F5344CB8AC3E}">
+        <p14:creationId xmlns:p14="http://schemas.microsoft.com/office/powerpoint/2010/main" val="2056608738"/>
+      </p:ext>
+    </p:extLst>
+  </p:cSld>
+  <p:clrMapOvr>
+    <a:masterClrMapping/>
+  </p:clrMapOvr>
+  <mc:AlternateContent xmlns:mc="http://schemas.openxmlformats.org/markup-compatibility/2006" xmlns:p14="http://schemas.microsoft.com/office/powerpoint/2010/main">
+    <mc:Choice Requires="p14">
+      <p:transition spd="med" p14:dur="700">
+        <p:fade/>
+      </p:transition>
+    </mc:Choice>
+    <mc:Fallback xmlns="">
+      <p:transition spd="med">
+        <p:fade/>
+      </p:transition>
+    </mc:Fallback>
+  </mc:AlternateContent>
+  <p:timing>
+    <p:tnLst>
+      <p:par>
+        <p:cTn id="1" dur="indefinite" restart="never" nodeType="tmRoot"/>
+      </p:par>
+    </p:tnLst>
+  </p:timing>
+</p:sld>
+</file>
+
+<file path=ppt/slides/slide12.xml><?xml version="1.0" encoding="utf-8"?>
+<p:sld xmlns:a="http://schemas.openxmlformats.org/drawingml/2006/main" xmlns:r="http://schemas.openxmlformats.org/officeDocument/2006/relationships" xmlns:p="http://schemas.openxmlformats.org/presentationml/2006/main">
+  <p:cSld>
+    <p:bg>
+      <p:bgPr>
+        <a:blipFill dpi="0" rotWithShape="1">
+          <a:blip r:embed="rId3">
+            <a:lum/>
+          </a:blip>
+          <a:srcRect/>
+          <a:stretch>
+            <a:fillRect/>
+          </a:stretch>
+        </a:blipFill>
+        <a:effectLst/>
+      </p:bgPr>
+    </p:bg>
+    <p:spTree>
+      <p:nvGrpSpPr>
+        <p:cNvPr id="1" name=""/>
+        <p:cNvGrpSpPr/>
+        <p:nvPr/>
+      </p:nvGrpSpPr>
+      <p:grpSpPr>
+        <a:xfrm>
+          <a:off x="0" y="0"/>
+          <a:ext cx="0" cy="0"/>
+          <a:chOff x="0" y="0"/>
+          <a:chExt cx="0" cy="0"/>
+        </a:xfrm>
+      </p:grpSpPr>
+      <p:grpSp>
+        <p:nvGrpSpPr>
+          <p:cNvPr id="57" name="群組 56"/>
+          <p:cNvGrpSpPr/>
+          <p:nvPr/>
+        </p:nvGrpSpPr>
+        <p:grpSpPr>
+          <a:xfrm>
+            <a:off x="10641" y="3430419"/>
+            <a:ext cx="9144000" cy="3427581"/>
+            <a:chOff x="10641" y="3430419"/>
+            <a:chExt cx="9144000" cy="3427581"/>
+          </a:xfrm>
+        </p:grpSpPr>
+        <p:sp>
+          <p:nvSpPr>
+            <p:cNvPr id="5" name="矩形 4"/>
+            <p:cNvSpPr>
+              <a:spLocks/>
+            </p:cNvSpPr>
+            <p:nvPr/>
+          </p:nvSpPr>
+          <p:spPr>
+            <a:xfrm>
+              <a:off x="10641" y="3430419"/>
+              <a:ext cx="9144000" cy="3427581"/>
+            </a:xfrm>
+            <a:prstGeom prst="rect">
+              <a:avLst/>
+            </a:prstGeom>
+            <a:gradFill flip="none" rotWithShape="1">
+              <a:gsLst>
+                <a:gs pos="46000">
+                  <a:schemeClr val="accent3">
+                    <a:lumMod val="75000"/>
+                  </a:schemeClr>
+                </a:gs>
+                <a:gs pos="100000">
+                  <a:srgbClr val="BFCC00"/>
+                </a:gs>
+              </a:gsLst>
+              <a:lin ang="5400000" scaled="1"/>
+              <a:tileRect/>
+            </a:gradFill>
+            <a:ln>
+              <a:noFill/>
+            </a:ln>
+          </p:spPr>
+          <p:style>
+            <a:lnRef idx="2">
+              <a:schemeClr val="accent1">
+                <a:shade val="50000"/>
+              </a:schemeClr>
+            </a:lnRef>
+            <a:fillRef idx="1">
+              <a:schemeClr val="accent1"/>
+            </a:fillRef>
+            <a:effectRef idx="0">
+              <a:schemeClr val="accent1"/>
+            </a:effectRef>
+            <a:fontRef idx="minor">
+              <a:schemeClr val="lt1"/>
+            </a:fontRef>
+          </p:style>
+          <p:txBody>
+            <a:bodyPr rtlCol="0" anchor="ctr"/>
+            <a:lstStyle/>
+            <a:p>
+              <a:pPr algn="ctr"/>
+              <a:endParaRPr lang="zh-TW" altLang="en-US"/>
+            </a:p>
+          </p:txBody>
+        </p:sp>
+        <p:grpSp>
+          <p:nvGrpSpPr>
+            <p:cNvPr id="11" name="群組 10"/>
+            <p:cNvGrpSpPr/>
+            <p:nvPr/>
+          </p:nvGrpSpPr>
+          <p:grpSpPr>
+            <a:xfrm>
+              <a:off x="4294641" y="6281936"/>
+              <a:ext cx="576000" cy="576064"/>
+              <a:chOff x="2267744" y="1700808"/>
+              <a:chExt cx="576000" cy="576064"/>
+            </a:xfrm>
+          </p:grpSpPr>
+          <p:sp>
+            <p:nvSpPr>
+              <p:cNvPr id="7" name="矩形 6"/>
+              <p:cNvSpPr/>
+              <p:nvPr/>
+            </p:nvSpPr>
+            <p:spPr>
+              <a:xfrm>
+                <a:off x="2267744" y="1700808"/>
+                <a:ext cx="576000" cy="576064"/>
+              </a:xfrm>
+              <a:prstGeom prst="rect">
+                <a:avLst/>
+              </a:prstGeom>
+              <a:solidFill>
+                <a:srgbClr val="996633"/>
+              </a:solidFill>
+              <a:ln>
+                <a:noFill/>
+              </a:ln>
+            </p:spPr>
+            <p:style>
+              <a:lnRef idx="2">
+                <a:schemeClr val="accent1">
+                  <a:shade val="50000"/>
+                </a:schemeClr>
+              </a:lnRef>
+              <a:fillRef idx="1">
+                <a:schemeClr val="accent1"/>
+              </a:fillRef>
+              <a:effectRef idx="0">
+                <a:schemeClr val="accent1"/>
+              </a:effectRef>
+              <a:fontRef idx="minor">
+                <a:schemeClr val="lt1"/>
+              </a:fontRef>
+            </p:style>
+            <p:txBody>
+              <a:bodyPr rtlCol="0" anchor="ctr"/>
+              <a:lstStyle/>
+              <a:p>
+                <a:pPr algn="ctr"/>
+                <a:endParaRPr lang="zh-TW" altLang="en-US"/>
+              </a:p>
+            </p:txBody>
+          </p:sp>
+          <p:sp>
+            <p:nvSpPr>
+              <p:cNvPr id="8" name="橢圓 7"/>
+              <p:cNvSpPr/>
+              <p:nvPr/>
+            </p:nvSpPr>
+            <p:spPr>
+              <a:xfrm>
+                <a:off x="2339720" y="1772816"/>
+                <a:ext cx="432048" cy="432048"/>
+              </a:xfrm>
+              <a:prstGeom prst="ellipse">
+                <a:avLst/>
+              </a:prstGeom>
+              <a:solidFill>
+                <a:schemeClr val="bg1"/>
+              </a:solidFill>
+              <a:ln>
+                <a:noFill/>
+              </a:ln>
+            </p:spPr>
+            <p:style>
+              <a:lnRef idx="2">
+                <a:schemeClr val="accent1">
+                  <a:shade val="50000"/>
+                </a:schemeClr>
+              </a:lnRef>
+              <a:fillRef idx="1">
+                <a:schemeClr val="accent1"/>
+              </a:fillRef>
+              <a:effectRef idx="0">
+                <a:schemeClr val="accent1"/>
+              </a:effectRef>
+              <a:fontRef idx="minor">
+                <a:schemeClr val="lt1"/>
+              </a:fontRef>
+            </p:style>
+            <p:txBody>
+              <a:bodyPr rtlCol="0" anchor="ctr"/>
+              <a:lstStyle/>
+              <a:p>
+                <a:pPr algn="ctr"/>
+                <a:endParaRPr lang="zh-TW" altLang="en-US"/>
+              </a:p>
+            </p:txBody>
+          </p:sp>
+        </p:grpSp>
+        <p:grpSp>
+          <p:nvGrpSpPr>
+            <p:cNvPr id="14" name="群組 13"/>
+            <p:cNvGrpSpPr/>
+            <p:nvPr/>
+          </p:nvGrpSpPr>
+          <p:grpSpPr>
+            <a:xfrm>
+              <a:off x="3718641" y="6281936"/>
+              <a:ext cx="576000" cy="576064"/>
+              <a:chOff x="2267744" y="1700808"/>
+              <a:chExt cx="576000" cy="576064"/>
+            </a:xfrm>
+          </p:grpSpPr>
+          <p:sp>
+            <p:nvSpPr>
+              <p:cNvPr id="16" name="矩形 15"/>
+              <p:cNvSpPr/>
+              <p:nvPr/>
+            </p:nvSpPr>
+            <p:spPr>
+              <a:xfrm>
+                <a:off x="2267744" y="1700808"/>
+                <a:ext cx="576000" cy="576064"/>
+              </a:xfrm>
+              <a:prstGeom prst="rect">
+                <a:avLst/>
+              </a:prstGeom>
+              <a:solidFill>
+                <a:srgbClr val="996633"/>
+              </a:solidFill>
+              <a:ln>
+                <a:noFill/>
+              </a:ln>
+            </p:spPr>
+            <p:style>
+              <a:lnRef idx="2">
+                <a:schemeClr val="accent1">
+                  <a:shade val="50000"/>
+                </a:schemeClr>
+              </a:lnRef>
+              <a:fillRef idx="1">
+                <a:schemeClr val="accent1"/>
+              </a:fillRef>
+              <a:effectRef idx="0">
+                <a:schemeClr val="accent1"/>
+              </a:effectRef>
+              <a:fontRef idx="minor">
+                <a:schemeClr val="lt1"/>
+              </a:fontRef>
+            </p:style>
+            <p:txBody>
+              <a:bodyPr rtlCol="0" anchor="ctr"/>
+              <a:lstStyle/>
+              <a:p>
+                <a:pPr algn="ctr"/>
+                <a:endParaRPr lang="zh-TW" altLang="en-US"/>
+              </a:p>
+            </p:txBody>
+          </p:sp>
+          <p:sp>
+            <p:nvSpPr>
+              <p:cNvPr id="17" name="橢圓 16"/>
+              <p:cNvSpPr/>
+              <p:nvPr/>
+            </p:nvSpPr>
+            <p:spPr>
+              <a:xfrm>
+                <a:off x="2339720" y="1772816"/>
+                <a:ext cx="432048" cy="432048"/>
+              </a:xfrm>
+              <a:prstGeom prst="ellipse">
+                <a:avLst/>
+              </a:prstGeom>
+              <a:solidFill>
+                <a:schemeClr val="bg1"/>
+              </a:solidFill>
+              <a:ln>
+                <a:noFill/>
+              </a:ln>
+            </p:spPr>
+            <p:style>
+              <a:lnRef idx="2">
+                <a:schemeClr val="accent1">
+                  <a:shade val="50000"/>
+                </a:schemeClr>
+              </a:lnRef>
+              <a:fillRef idx="1">
+                <a:schemeClr val="accent1"/>
+              </a:fillRef>
+              <a:effectRef idx="0">
+                <a:schemeClr val="accent1"/>
+              </a:effectRef>
+              <a:fontRef idx="minor">
+                <a:schemeClr val="lt1"/>
+              </a:fontRef>
+            </p:style>
+            <p:txBody>
+              <a:bodyPr rtlCol="0" anchor="ctr"/>
+              <a:lstStyle/>
+              <a:p>
+                <a:pPr algn="ctr"/>
+                <a:endParaRPr lang="zh-TW" altLang="en-US"/>
+              </a:p>
+            </p:txBody>
+          </p:sp>
+        </p:grpSp>
+        <p:grpSp>
+          <p:nvGrpSpPr>
+            <p:cNvPr id="18" name="群組 17"/>
+            <p:cNvGrpSpPr/>
+            <p:nvPr/>
+          </p:nvGrpSpPr>
+          <p:grpSpPr>
+            <a:xfrm>
+              <a:off x="4870641" y="6281936"/>
+              <a:ext cx="576000" cy="576064"/>
+              <a:chOff x="2267744" y="1700808"/>
+              <a:chExt cx="576000" cy="576064"/>
+            </a:xfrm>
+          </p:grpSpPr>
+          <p:sp>
+            <p:nvSpPr>
+              <p:cNvPr id="19" name="矩形 18"/>
+              <p:cNvSpPr/>
+              <p:nvPr/>
+            </p:nvSpPr>
+            <p:spPr>
+              <a:xfrm>
+                <a:off x="2267744" y="1700808"/>
+                <a:ext cx="576000" cy="576064"/>
+              </a:xfrm>
+              <a:prstGeom prst="rect">
+                <a:avLst/>
+              </a:prstGeom>
+              <a:solidFill>
+                <a:srgbClr val="996633"/>
+              </a:solidFill>
+              <a:ln>
+                <a:noFill/>
+              </a:ln>
+            </p:spPr>
+            <p:style>
+              <a:lnRef idx="2">
+                <a:schemeClr val="accent1">
+                  <a:shade val="50000"/>
+                </a:schemeClr>
+              </a:lnRef>
+              <a:fillRef idx="1">
+                <a:schemeClr val="accent1"/>
+              </a:fillRef>
+              <a:effectRef idx="0">
+                <a:schemeClr val="accent1"/>
+              </a:effectRef>
+              <a:fontRef idx="minor">
+                <a:schemeClr val="lt1"/>
+              </a:fontRef>
+            </p:style>
+            <p:txBody>
+              <a:bodyPr rtlCol="0" anchor="ctr"/>
+              <a:lstStyle/>
+              <a:p>
+                <a:pPr algn="ctr"/>
+                <a:endParaRPr lang="zh-TW" altLang="en-US"/>
+              </a:p>
+            </p:txBody>
+          </p:sp>
+          <p:sp>
+            <p:nvSpPr>
+              <p:cNvPr id="20" name="橢圓 19"/>
+              <p:cNvSpPr/>
+              <p:nvPr/>
+            </p:nvSpPr>
+            <p:spPr>
+              <a:xfrm>
+                <a:off x="2339720" y="1772816"/>
+                <a:ext cx="432048" cy="432048"/>
+              </a:xfrm>
+              <a:prstGeom prst="ellipse">
+                <a:avLst/>
+              </a:prstGeom>
+              <a:solidFill>
+                <a:schemeClr val="bg1"/>
+              </a:solidFill>
+              <a:ln>
+                <a:noFill/>
+              </a:ln>
+            </p:spPr>
+            <p:style>
+              <a:lnRef idx="2">
+                <a:schemeClr val="accent1">
+                  <a:shade val="50000"/>
+                </a:schemeClr>
+              </a:lnRef>
+              <a:fillRef idx="1">
+                <a:schemeClr val="accent1"/>
+              </a:fillRef>
+              <a:effectRef idx="0">
+                <a:schemeClr val="accent1"/>
+              </a:effectRef>
+              <a:fontRef idx="minor">
+                <a:schemeClr val="lt1"/>
+              </a:fontRef>
+            </p:style>
+            <p:txBody>
+              <a:bodyPr rtlCol="0" anchor="ctr"/>
+              <a:lstStyle/>
+              <a:p>
+                <a:pPr algn="ctr"/>
+                <a:endParaRPr lang="zh-TW" altLang="en-US"/>
+              </a:p>
+            </p:txBody>
+          </p:sp>
+        </p:grpSp>
+        <p:grpSp>
+          <p:nvGrpSpPr>
+            <p:cNvPr id="21" name="群組 20"/>
+            <p:cNvGrpSpPr/>
+            <p:nvPr/>
+          </p:nvGrpSpPr>
+          <p:grpSpPr>
+            <a:xfrm>
+              <a:off x="4294641" y="5705872"/>
+              <a:ext cx="576000" cy="576064"/>
+              <a:chOff x="2267744" y="1700808"/>
+              <a:chExt cx="576000" cy="576064"/>
+            </a:xfrm>
+          </p:grpSpPr>
+          <p:sp>
+            <p:nvSpPr>
+              <p:cNvPr id="22" name="矩形 21"/>
+              <p:cNvSpPr/>
+              <p:nvPr/>
+            </p:nvSpPr>
+            <p:spPr>
+              <a:xfrm>
+                <a:off x="2267744" y="1700808"/>
+                <a:ext cx="576000" cy="576064"/>
+              </a:xfrm>
+              <a:prstGeom prst="rect">
+                <a:avLst/>
+              </a:prstGeom>
+              <a:solidFill>
+                <a:srgbClr val="996633"/>
+              </a:solidFill>
+              <a:ln>
+                <a:noFill/>
+              </a:ln>
+            </p:spPr>
+            <p:style>
+              <a:lnRef idx="2">
+                <a:schemeClr val="accent1">
+                  <a:shade val="50000"/>
+                </a:schemeClr>
+              </a:lnRef>
+              <a:fillRef idx="1">
+                <a:schemeClr val="accent1"/>
+              </a:fillRef>
+              <a:effectRef idx="0">
+                <a:schemeClr val="accent1"/>
+              </a:effectRef>
+              <a:fontRef idx="minor">
+                <a:schemeClr val="lt1"/>
+              </a:fontRef>
+            </p:style>
+            <p:txBody>
+              <a:bodyPr rtlCol="0" anchor="ctr"/>
+              <a:lstStyle/>
+              <a:p>
+                <a:pPr algn="ctr"/>
+                <a:endParaRPr lang="zh-TW" altLang="en-US"/>
+              </a:p>
+            </p:txBody>
+          </p:sp>
+          <p:sp>
+            <p:nvSpPr>
+              <p:cNvPr id="23" name="橢圓 22"/>
+              <p:cNvSpPr/>
+              <p:nvPr/>
+            </p:nvSpPr>
+            <p:spPr>
+              <a:xfrm>
+                <a:off x="2339720" y="1772816"/>
+                <a:ext cx="432048" cy="432048"/>
+              </a:xfrm>
+              <a:prstGeom prst="ellipse">
+                <a:avLst/>
+              </a:prstGeom>
+              <a:solidFill>
+                <a:schemeClr val="bg1"/>
+              </a:solidFill>
+              <a:ln>
+                <a:noFill/>
+              </a:ln>
+            </p:spPr>
+            <p:style>
+              <a:lnRef idx="2">
+                <a:schemeClr val="accent1">
+                  <a:shade val="50000"/>
+                </a:schemeClr>
+              </a:lnRef>
+              <a:fillRef idx="1">
+                <a:schemeClr val="accent1"/>
+              </a:fillRef>
+              <a:effectRef idx="0">
+                <a:schemeClr val="accent1"/>
+              </a:effectRef>
+              <a:fontRef idx="minor">
+                <a:schemeClr val="lt1"/>
+              </a:fontRef>
+            </p:style>
+            <p:txBody>
+              <a:bodyPr rtlCol="0" anchor="ctr"/>
+              <a:lstStyle/>
+              <a:p>
+                <a:pPr algn="ctr"/>
+                <a:endParaRPr lang="zh-TW" altLang="en-US"/>
+              </a:p>
+            </p:txBody>
+          </p:sp>
+        </p:grpSp>
+        <p:grpSp>
+          <p:nvGrpSpPr>
+            <p:cNvPr id="24" name="群組 23"/>
+            <p:cNvGrpSpPr/>
+            <p:nvPr/>
+          </p:nvGrpSpPr>
+          <p:grpSpPr>
+            <a:xfrm>
+              <a:off x="4870641" y="5705872"/>
+              <a:ext cx="576000" cy="576064"/>
+              <a:chOff x="2267744" y="1700808"/>
+              <a:chExt cx="576000" cy="576064"/>
+            </a:xfrm>
+          </p:grpSpPr>
+          <p:sp>
+            <p:nvSpPr>
+              <p:cNvPr id="25" name="矩形 24"/>
+              <p:cNvSpPr/>
+              <p:nvPr/>
+            </p:nvSpPr>
+            <p:spPr>
+              <a:xfrm>
+                <a:off x="2267744" y="1700808"/>
+                <a:ext cx="576000" cy="576064"/>
+              </a:xfrm>
+              <a:prstGeom prst="rect">
+                <a:avLst/>
+              </a:prstGeom>
+              <a:solidFill>
+                <a:srgbClr val="996633"/>
+              </a:solidFill>
+              <a:ln>
+                <a:noFill/>
+              </a:ln>
+            </p:spPr>
+            <p:style>
+              <a:lnRef idx="2">
+                <a:schemeClr val="accent1">
+                  <a:shade val="50000"/>
+                </a:schemeClr>
+              </a:lnRef>
+              <a:fillRef idx="1">
+                <a:schemeClr val="accent1"/>
+              </a:fillRef>
+              <a:effectRef idx="0">
+                <a:schemeClr val="accent1"/>
+              </a:effectRef>
+              <a:fontRef idx="minor">
+                <a:schemeClr val="lt1"/>
+              </a:fontRef>
+            </p:style>
+            <p:txBody>
+              <a:bodyPr rtlCol="0" anchor="ctr"/>
+              <a:lstStyle/>
+              <a:p>
+                <a:pPr algn="ctr"/>
+                <a:endParaRPr lang="zh-TW" altLang="en-US"/>
+              </a:p>
+            </p:txBody>
+          </p:sp>
+          <p:sp>
+            <p:nvSpPr>
+              <p:cNvPr id="26" name="橢圓 25"/>
+              <p:cNvSpPr/>
+              <p:nvPr/>
+            </p:nvSpPr>
+            <p:spPr>
+              <a:xfrm>
+                <a:off x="2339720" y="1772816"/>
+                <a:ext cx="432048" cy="432048"/>
+              </a:xfrm>
+              <a:prstGeom prst="ellipse">
+                <a:avLst/>
+              </a:prstGeom>
+              <a:solidFill>
+                <a:schemeClr val="bg1"/>
+              </a:solidFill>
+              <a:ln>
+                <a:noFill/>
+              </a:ln>
+            </p:spPr>
+            <p:style>
+              <a:lnRef idx="2">
+                <a:schemeClr val="accent1">
+                  <a:shade val="50000"/>
+                </a:schemeClr>
+              </a:lnRef>
+              <a:fillRef idx="1">
+                <a:schemeClr val="accent1"/>
+              </a:fillRef>
+              <a:effectRef idx="0">
+                <a:schemeClr val="accent1"/>
+              </a:effectRef>
+              <a:fontRef idx="minor">
+                <a:schemeClr val="lt1"/>
+              </a:fontRef>
+            </p:style>
+            <p:txBody>
+              <a:bodyPr rtlCol="0" anchor="ctr"/>
+              <a:lstStyle/>
+              <a:p>
+                <a:pPr algn="ctr"/>
+                <a:endParaRPr lang="zh-TW" altLang="en-US"/>
+              </a:p>
+            </p:txBody>
+          </p:sp>
+        </p:grpSp>
+        <p:grpSp>
+          <p:nvGrpSpPr>
+            <p:cNvPr id="27" name="群組 26"/>
+            <p:cNvGrpSpPr/>
+            <p:nvPr/>
+          </p:nvGrpSpPr>
+          <p:grpSpPr>
+            <a:xfrm>
+              <a:off x="3718641" y="5705872"/>
+              <a:ext cx="576000" cy="576064"/>
+              <a:chOff x="2267744" y="1700808"/>
+              <a:chExt cx="576000" cy="576064"/>
+            </a:xfrm>
+          </p:grpSpPr>
+          <p:sp>
+            <p:nvSpPr>
+              <p:cNvPr id="28" name="矩形 27"/>
+              <p:cNvSpPr/>
+              <p:nvPr/>
+            </p:nvSpPr>
+            <p:spPr>
+              <a:xfrm>
+                <a:off x="2267744" y="1700808"/>
+                <a:ext cx="576000" cy="576064"/>
+              </a:xfrm>
+              <a:prstGeom prst="rect">
+                <a:avLst/>
+              </a:prstGeom>
+              <a:solidFill>
+                <a:srgbClr val="996633"/>
+              </a:solidFill>
+              <a:ln>
+                <a:noFill/>
+              </a:ln>
+            </p:spPr>
+            <p:style>
+              <a:lnRef idx="2">
+                <a:schemeClr val="accent1">
+                  <a:shade val="50000"/>
+                </a:schemeClr>
+              </a:lnRef>
+              <a:fillRef idx="1">
+                <a:schemeClr val="accent1"/>
+              </a:fillRef>
+              <a:effectRef idx="0">
+                <a:schemeClr val="accent1"/>
+              </a:effectRef>
+              <a:fontRef idx="minor">
+                <a:schemeClr val="lt1"/>
+              </a:fontRef>
+            </p:style>
+            <p:txBody>
+              <a:bodyPr rtlCol="0" anchor="ctr"/>
+              <a:lstStyle/>
+              <a:p>
+                <a:pPr algn="ctr"/>
+                <a:endParaRPr lang="zh-TW" altLang="en-US"/>
+              </a:p>
+            </p:txBody>
+          </p:sp>
+          <p:sp>
+            <p:nvSpPr>
+              <p:cNvPr id="29" name="橢圓 28"/>
+              <p:cNvSpPr/>
+              <p:nvPr/>
+            </p:nvSpPr>
+            <p:spPr>
+              <a:xfrm>
+                <a:off x="2339720" y="1772816"/>
+                <a:ext cx="432048" cy="432048"/>
+              </a:xfrm>
+              <a:prstGeom prst="ellipse">
+                <a:avLst/>
+              </a:prstGeom>
+              <a:solidFill>
+                <a:schemeClr val="bg1"/>
+              </a:solidFill>
+              <a:ln>
+                <a:noFill/>
+              </a:ln>
+            </p:spPr>
+            <p:style>
+              <a:lnRef idx="2">
+                <a:schemeClr val="accent1">
+                  <a:shade val="50000"/>
+                </a:schemeClr>
+              </a:lnRef>
+              <a:fillRef idx="1">
+                <a:schemeClr val="accent1"/>
+              </a:fillRef>
+              <a:effectRef idx="0">
+                <a:schemeClr val="accent1"/>
+              </a:effectRef>
+              <a:fontRef idx="minor">
+                <a:schemeClr val="lt1"/>
+              </a:fontRef>
+            </p:style>
+            <p:txBody>
+              <a:bodyPr rtlCol="0" anchor="ctr"/>
+              <a:lstStyle/>
+              <a:p>
+                <a:pPr algn="ctr"/>
+                <a:endParaRPr lang="zh-TW" altLang="en-US"/>
+              </a:p>
+            </p:txBody>
+          </p:sp>
+        </p:grpSp>
+        <p:grpSp>
+          <p:nvGrpSpPr>
+            <p:cNvPr id="30" name="群組 29"/>
+            <p:cNvGrpSpPr/>
+            <p:nvPr/>
+          </p:nvGrpSpPr>
+          <p:grpSpPr>
+            <a:xfrm>
+              <a:off x="4294641" y="5129808"/>
+              <a:ext cx="576000" cy="576064"/>
+              <a:chOff x="2267744" y="1700808"/>
+              <a:chExt cx="576000" cy="576064"/>
+            </a:xfrm>
+          </p:grpSpPr>
+          <p:sp>
+            <p:nvSpPr>
+              <p:cNvPr id="31" name="矩形 30"/>
+              <p:cNvSpPr/>
+              <p:nvPr/>
+            </p:nvSpPr>
+            <p:spPr>
+              <a:xfrm>
+                <a:off x="2267744" y="1700808"/>
+                <a:ext cx="576000" cy="576064"/>
+              </a:xfrm>
+              <a:prstGeom prst="rect">
+                <a:avLst/>
+              </a:prstGeom>
+              <a:solidFill>
+                <a:srgbClr val="996633"/>
+              </a:solidFill>
+              <a:ln>
+                <a:noFill/>
+              </a:ln>
+            </p:spPr>
+            <p:style>
+              <a:lnRef idx="2">
+                <a:schemeClr val="accent1">
+                  <a:shade val="50000"/>
+                </a:schemeClr>
+              </a:lnRef>
+              <a:fillRef idx="1">
+                <a:schemeClr val="accent1"/>
+              </a:fillRef>
+              <a:effectRef idx="0">
+                <a:schemeClr val="accent1"/>
+              </a:effectRef>
+              <a:fontRef idx="minor">
+                <a:schemeClr val="lt1"/>
+              </a:fontRef>
+            </p:style>
+            <p:txBody>
+              <a:bodyPr rtlCol="0" anchor="ctr"/>
+              <a:lstStyle/>
+              <a:p>
+                <a:pPr algn="ctr"/>
+                <a:endParaRPr lang="zh-TW" altLang="en-US"/>
+              </a:p>
+            </p:txBody>
+          </p:sp>
+          <p:sp>
+            <p:nvSpPr>
+              <p:cNvPr id="32" name="橢圓 31"/>
+              <p:cNvSpPr/>
+              <p:nvPr/>
+            </p:nvSpPr>
+            <p:spPr>
+              <a:xfrm>
+                <a:off x="2339720" y="1772816"/>
+                <a:ext cx="432048" cy="432048"/>
+              </a:xfrm>
+              <a:prstGeom prst="ellipse">
+                <a:avLst/>
+              </a:prstGeom>
+              <a:solidFill>
+                <a:schemeClr val="bg1"/>
+              </a:solidFill>
+              <a:ln>
+                <a:noFill/>
+              </a:ln>
+            </p:spPr>
+            <p:style>
+              <a:lnRef idx="2">
+                <a:schemeClr val="accent1">
+                  <a:shade val="50000"/>
+                </a:schemeClr>
+              </a:lnRef>
+              <a:fillRef idx="1">
+                <a:schemeClr val="accent1"/>
+              </a:fillRef>
+              <a:effectRef idx="0">
+                <a:schemeClr val="accent1"/>
+              </a:effectRef>
+              <a:fontRef idx="minor">
+                <a:schemeClr val="lt1"/>
+              </a:fontRef>
+            </p:style>
+            <p:txBody>
+              <a:bodyPr rtlCol="0" anchor="ctr"/>
+              <a:lstStyle/>
+              <a:p>
+                <a:pPr algn="ctr"/>
+                <a:endParaRPr lang="zh-TW" altLang="en-US"/>
+              </a:p>
+            </p:txBody>
+          </p:sp>
+        </p:grpSp>
+        <p:grpSp>
+          <p:nvGrpSpPr>
+            <p:cNvPr id="33" name="群組 32"/>
+            <p:cNvGrpSpPr/>
+            <p:nvPr/>
+          </p:nvGrpSpPr>
+          <p:grpSpPr>
+            <a:xfrm>
+              <a:off x="4870641" y="5129808"/>
+              <a:ext cx="576000" cy="576064"/>
+              <a:chOff x="2267744" y="1700808"/>
+              <a:chExt cx="576000" cy="576064"/>
+            </a:xfrm>
+          </p:grpSpPr>
+          <p:sp>
+            <p:nvSpPr>
+              <p:cNvPr id="34" name="矩形 33"/>
+              <p:cNvSpPr/>
+              <p:nvPr/>
+            </p:nvSpPr>
+            <p:spPr>
+              <a:xfrm>
+                <a:off x="2267744" y="1700808"/>
+                <a:ext cx="576000" cy="576064"/>
+              </a:xfrm>
+              <a:prstGeom prst="rect">
+                <a:avLst/>
+              </a:prstGeom>
+              <a:solidFill>
+                <a:srgbClr val="996633"/>
+              </a:solidFill>
+              <a:ln>
+                <a:noFill/>
+              </a:ln>
+            </p:spPr>
+            <p:style>
+              <a:lnRef idx="2">
+                <a:schemeClr val="accent1">
+                  <a:shade val="50000"/>
+                </a:schemeClr>
+              </a:lnRef>
+              <a:fillRef idx="1">
+                <a:schemeClr val="accent1"/>
+              </a:fillRef>
+              <a:effectRef idx="0">
+                <a:schemeClr val="accent1"/>
+              </a:effectRef>
+              <a:fontRef idx="minor">
+                <a:schemeClr val="lt1"/>
+              </a:fontRef>
+            </p:style>
+            <p:txBody>
+              <a:bodyPr rtlCol="0" anchor="ctr"/>
+              <a:lstStyle/>
+              <a:p>
+                <a:pPr algn="ctr"/>
+                <a:endParaRPr lang="zh-TW" altLang="en-US"/>
+              </a:p>
+            </p:txBody>
+          </p:sp>
+          <p:sp>
+            <p:nvSpPr>
+              <p:cNvPr id="35" name="橢圓 34"/>
+              <p:cNvSpPr/>
+              <p:nvPr/>
+            </p:nvSpPr>
+            <p:spPr>
+              <a:xfrm>
+                <a:off x="2339720" y="1772816"/>
+                <a:ext cx="432048" cy="432048"/>
+              </a:xfrm>
+              <a:prstGeom prst="ellipse">
+                <a:avLst/>
+              </a:prstGeom>
+              <a:solidFill>
+                <a:schemeClr val="bg1"/>
+              </a:solidFill>
+              <a:ln>
+                <a:noFill/>
+              </a:ln>
+            </p:spPr>
+            <p:style>
+              <a:lnRef idx="2">
+                <a:schemeClr val="accent1">
+                  <a:shade val="50000"/>
+                </a:schemeClr>
+              </a:lnRef>
+              <a:fillRef idx="1">
+                <a:schemeClr val="accent1"/>
+              </a:fillRef>
+              <a:effectRef idx="0">
+                <a:schemeClr val="accent1"/>
+              </a:effectRef>
+              <a:fontRef idx="minor">
+                <a:schemeClr val="lt1"/>
+              </a:fontRef>
+            </p:style>
+            <p:txBody>
+              <a:bodyPr rtlCol="0" anchor="ctr"/>
+              <a:lstStyle/>
+              <a:p>
+                <a:pPr algn="ctr"/>
+                <a:endParaRPr lang="zh-TW" altLang="en-US"/>
+              </a:p>
+            </p:txBody>
+          </p:sp>
+        </p:grpSp>
+        <p:grpSp>
+          <p:nvGrpSpPr>
+            <p:cNvPr id="36" name="群組 35"/>
+            <p:cNvGrpSpPr/>
+            <p:nvPr/>
+          </p:nvGrpSpPr>
+          <p:grpSpPr>
+            <a:xfrm>
+              <a:off x="3718641" y="5129808"/>
+              <a:ext cx="576000" cy="576064"/>
+              <a:chOff x="2267744" y="1700808"/>
+              <a:chExt cx="576000" cy="576064"/>
+            </a:xfrm>
+          </p:grpSpPr>
+          <p:sp>
+            <p:nvSpPr>
+              <p:cNvPr id="37" name="矩形 36"/>
+              <p:cNvSpPr/>
+              <p:nvPr/>
+            </p:nvSpPr>
+            <p:spPr>
+              <a:xfrm>
+                <a:off x="2267744" y="1700808"/>
+                <a:ext cx="576000" cy="576064"/>
+              </a:xfrm>
+              <a:prstGeom prst="rect">
+                <a:avLst/>
+              </a:prstGeom>
+              <a:solidFill>
+                <a:srgbClr val="996633"/>
+              </a:solidFill>
+              <a:ln>
+                <a:noFill/>
+              </a:ln>
+            </p:spPr>
+            <p:style>
+              <a:lnRef idx="2">
+                <a:schemeClr val="accent1">
+                  <a:shade val="50000"/>
+                </a:schemeClr>
+              </a:lnRef>
+              <a:fillRef idx="1">
+                <a:schemeClr val="accent1"/>
+              </a:fillRef>
+              <a:effectRef idx="0">
+                <a:schemeClr val="accent1"/>
+              </a:effectRef>
+              <a:fontRef idx="minor">
+                <a:schemeClr val="lt1"/>
+              </a:fontRef>
+            </p:style>
+            <p:txBody>
+              <a:bodyPr rtlCol="0" anchor="ctr"/>
+              <a:lstStyle/>
+              <a:p>
+                <a:pPr algn="ctr"/>
+                <a:endParaRPr lang="zh-TW" altLang="en-US"/>
+              </a:p>
+            </p:txBody>
+          </p:sp>
+          <p:sp>
+            <p:nvSpPr>
+              <p:cNvPr id="38" name="橢圓 37"/>
+              <p:cNvSpPr/>
+              <p:nvPr/>
+            </p:nvSpPr>
+            <p:spPr>
+              <a:xfrm>
+                <a:off x="2339720" y="1772816"/>
+                <a:ext cx="432048" cy="432048"/>
+              </a:xfrm>
+              <a:prstGeom prst="ellipse">
+                <a:avLst/>
+              </a:prstGeom>
+              <a:solidFill>
+                <a:schemeClr val="bg1"/>
+              </a:solidFill>
+              <a:ln>
+                <a:noFill/>
+              </a:ln>
+            </p:spPr>
+            <p:style>
+              <a:lnRef idx="2">
+                <a:schemeClr val="accent1">
+                  <a:shade val="50000"/>
+                </a:schemeClr>
+              </a:lnRef>
+              <a:fillRef idx="1">
+                <a:schemeClr val="accent1"/>
+              </a:fillRef>
+              <a:effectRef idx="0">
+                <a:schemeClr val="accent1"/>
+              </a:effectRef>
+              <a:fontRef idx="minor">
+                <a:schemeClr val="lt1"/>
+              </a:fontRef>
+            </p:style>
+            <p:txBody>
+              <a:bodyPr rtlCol="0" anchor="ctr"/>
+              <a:lstStyle/>
+              <a:p>
+                <a:pPr algn="ctr"/>
+                <a:endParaRPr lang="zh-TW" altLang="en-US"/>
+              </a:p>
+            </p:txBody>
+          </p:sp>
+        </p:grpSp>
+        <p:grpSp>
+          <p:nvGrpSpPr>
+            <p:cNvPr id="39" name="群組 38"/>
+            <p:cNvGrpSpPr/>
+            <p:nvPr/>
+          </p:nvGrpSpPr>
+          <p:grpSpPr>
+            <a:xfrm>
+              <a:off x="3142641" y="5705872"/>
+              <a:ext cx="576000" cy="576064"/>
+              <a:chOff x="2267744" y="1700808"/>
+              <a:chExt cx="576000" cy="576064"/>
+            </a:xfrm>
+          </p:grpSpPr>
+          <p:sp>
+            <p:nvSpPr>
+              <p:cNvPr id="40" name="矩形 39"/>
+              <p:cNvSpPr/>
+              <p:nvPr/>
+            </p:nvSpPr>
+            <p:spPr>
+              <a:xfrm>
+                <a:off x="2267744" y="1700808"/>
+                <a:ext cx="576000" cy="576064"/>
+              </a:xfrm>
+              <a:prstGeom prst="rect">
+                <a:avLst/>
+              </a:prstGeom>
+              <a:solidFill>
+                <a:srgbClr val="996633"/>
+              </a:solidFill>
+              <a:ln>
+                <a:noFill/>
+              </a:ln>
+            </p:spPr>
+            <p:style>
+              <a:lnRef idx="2">
+                <a:schemeClr val="accent1">
+                  <a:shade val="50000"/>
+                </a:schemeClr>
+              </a:lnRef>
+              <a:fillRef idx="1">
+                <a:schemeClr val="accent1"/>
+              </a:fillRef>
+              <a:effectRef idx="0">
+                <a:schemeClr val="accent1"/>
+              </a:effectRef>
+              <a:fontRef idx="minor">
+                <a:schemeClr val="lt1"/>
+              </a:fontRef>
+            </p:style>
+            <p:txBody>
+              <a:bodyPr rtlCol="0" anchor="ctr"/>
+              <a:lstStyle/>
+              <a:p>
+                <a:pPr algn="ctr"/>
+                <a:endParaRPr lang="zh-TW" altLang="en-US"/>
+              </a:p>
+            </p:txBody>
+          </p:sp>
+          <p:sp>
+            <p:nvSpPr>
+              <p:cNvPr id="41" name="橢圓 40"/>
+              <p:cNvSpPr/>
+              <p:nvPr/>
+            </p:nvSpPr>
+            <p:spPr>
+              <a:xfrm>
+                <a:off x="2339720" y="1772816"/>
+                <a:ext cx="432048" cy="432048"/>
+              </a:xfrm>
+              <a:prstGeom prst="ellipse">
+                <a:avLst/>
+              </a:prstGeom>
+              <a:solidFill>
+                <a:schemeClr val="bg1"/>
+              </a:solidFill>
+              <a:ln>
+                <a:noFill/>
+              </a:ln>
+            </p:spPr>
+            <p:style>
+              <a:lnRef idx="2">
+                <a:schemeClr val="accent1">
+                  <a:shade val="50000"/>
+                </a:schemeClr>
+              </a:lnRef>
+              <a:fillRef idx="1">
+                <a:schemeClr val="accent1"/>
+              </a:fillRef>
+              <a:effectRef idx="0">
+                <a:schemeClr val="accent1"/>
+              </a:effectRef>
+              <a:fontRef idx="minor">
+                <a:schemeClr val="lt1"/>
+              </a:fontRef>
+            </p:style>
+            <p:txBody>
+              <a:bodyPr rtlCol="0" anchor="ctr"/>
+              <a:lstStyle/>
+              <a:p>
+                <a:pPr algn="ctr"/>
+                <a:endParaRPr lang="zh-TW" altLang="en-US"/>
+              </a:p>
+            </p:txBody>
+          </p:sp>
+        </p:grpSp>
+        <p:grpSp>
+          <p:nvGrpSpPr>
+            <p:cNvPr id="42" name="群組 41"/>
+            <p:cNvGrpSpPr/>
+            <p:nvPr/>
+          </p:nvGrpSpPr>
+          <p:grpSpPr>
+            <a:xfrm>
+              <a:off x="5446641" y="5708551"/>
+              <a:ext cx="576000" cy="576064"/>
+              <a:chOff x="2267744" y="1700808"/>
+              <a:chExt cx="576000" cy="576064"/>
+            </a:xfrm>
+          </p:grpSpPr>
+          <p:sp>
+            <p:nvSpPr>
+              <p:cNvPr id="43" name="矩形 42"/>
+              <p:cNvSpPr/>
+              <p:nvPr/>
+            </p:nvSpPr>
+            <p:spPr>
+              <a:xfrm>
+                <a:off x="2267744" y="1700808"/>
+                <a:ext cx="576000" cy="576064"/>
+              </a:xfrm>
+              <a:prstGeom prst="rect">
+                <a:avLst/>
+              </a:prstGeom>
+              <a:solidFill>
+                <a:srgbClr val="996633"/>
+              </a:solidFill>
+              <a:ln>
+                <a:noFill/>
+              </a:ln>
+            </p:spPr>
+            <p:style>
+              <a:lnRef idx="2">
+                <a:schemeClr val="accent1">
+                  <a:shade val="50000"/>
+                </a:schemeClr>
+              </a:lnRef>
+              <a:fillRef idx="1">
+                <a:schemeClr val="accent1"/>
+              </a:fillRef>
+              <a:effectRef idx="0">
+                <a:schemeClr val="accent1"/>
+              </a:effectRef>
+              <a:fontRef idx="minor">
+                <a:schemeClr val="lt1"/>
+              </a:fontRef>
+            </p:style>
+            <p:txBody>
+              <a:bodyPr rtlCol="0" anchor="ctr"/>
+              <a:lstStyle/>
+              <a:p>
+                <a:pPr algn="ctr"/>
+                <a:endParaRPr lang="zh-TW" altLang="en-US"/>
+              </a:p>
+            </p:txBody>
+          </p:sp>
+          <p:sp>
+            <p:nvSpPr>
+              <p:cNvPr id="44" name="橢圓 43"/>
+              <p:cNvSpPr/>
+              <p:nvPr/>
+            </p:nvSpPr>
+            <p:spPr>
+              <a:xfrm>
+                <a:off x="2339720" y="1772816"/>
+                <a:ext cx="432048" cy="432048"/>
+              </a:xfrm>
+              <a:prstGeom prst="ellipse">
+                <a:avLst/>
+              </a:prstGeom>
+              <a:solidFill>
+                <a:schemeClr val="bg1"/>
+              </a:solidFill>
+              <a:ln>
+                <a:noFill/>
+              </a:ln>
+            </p:spPr>
+            <p:style>
+              <a:lnRef idx="2">
+                <a:schemeClr val="accent1">
+                  <a:shade val="50000"/>
+                </a:schemeClr>
+              </a:lnRef>
+              <a:fillRef idx="1">
+                <a:schemeClr val="accent1"/>
+              </a:fillRef>
+              <a:effectRef idx="0">
+                <a:schemeClr val="accent1"/>
+              </a:effectRef>
+              <a:fontRef idx="minor">
+                <a:schemeClr val="lt1"/>
+              </a:fontRef>
+            </p:style>
+            <p:txBody>
+              <a:bodyPr rtlCol="0" anchor="ctr"/>
+              <a:lstStyle/>
+              <a:p>
+                <a:pPr algn="ctr"/>
+                <a:endParaRPr lang="zh-TW" altLang="en-US"/>
+              </a:p>
+            </p:txBody>
+          </p:sp>
+        </p:grpSp>
+        <p:grpSp>
+          <p:nvGrpSpPr>
+            <p:cNvPr id="45" name="群組 44"/>
+            <p:cNvGrpSpPr/>
+            <p:nvPr/>
+          </p:nvGrpSpPr>
+          <p:grpSpPr>
+            <a:xfrm>
+              <a:off x="5446641" y="5129808"/>
+              <a:ext cx="576000" cy="576064"/>
+              <a:chOff x="2267744" y="1700808"/>
+              <a:chExt cx="576000" cy="576064"/>
+            </a:xfrm>
+          </p:grpSpPr>
+          <p:sp>
+            <p:nvSpPr>
+              <p:cNvPr id="46" name="矩形 45"/>
+              <p:cNvSpPr/>
+              <p:nvPr/>
+            </p:nvSpPr>
+            <p:spPr>
+              <a:xfrm>
+                <a:off x="2267744" y="1700808"/>
+                <a:ext cx="576000" cy="576064"/>
+              </a:xfrm>
+              <a:prstGeom prst="rect">
+                <a:avLst/>
+              </a:prstGeom>
+              <a:solidFill>
+                <a:srgbClr val="996633"/>
+              </a:solidFill>
+              <a:ln>
+                <a:noFill/>
+              </a:ln>
+            </p:spPr>
+            <p:style>
+              <a:lnRef idx="2">
+                <a:schemeClr val="accent1">
+                  <a:shade val="50000"/>
+                </a:schemeClr>
+              </a:lnRef>
+              <a:fillRef idx="1">
+                <a:schemeClr val="accent1"/>
+              </a:fillRef>
+              <a:effectRef idx="0">
+                <a:schemeClr val="accent1"/>
+              </a:effectRef>
+              <a:fontRef idx="minor">
+                <a:schemeClr val="lt1"/>
+              </a:fontRef>
+            </p:style>
+            <p:txBody>
+              <a:bodyPr rtlCol="0" anchor="ctr"/>
+              <a:lstStyle/>
+              <a:p>
+                <a:pPr algn="ctr"/>
+                <a:endParaRPr lang="zh-TW" altLang="en-US"/>
+              </a:p>
+            </p:txBody>
+          </p:sp>
+          <p:sp>
+            <p:nvSpPr>
+              <p:cNvPr id="47" name="橢圓 46"/>
+              <p:cNvSpPr/>
+              <p:nvPr/>
+            </p:nvSpPr>
+            <p:spPr>
+              <a:xfrm>
+                <a:off x="2339720" y="1772816"/>
+                <a:ext cx="432048" cy="432048"/>
+              </a:xfrm>
+              <a:prstGeom prst="ellipse">
+                <a:avLst/>
+              </a:prstGeom>
+              <a:solidFill>
+                <a:schemeClr val="bg1"/>
+              </a:solidFill>
+              <a:ln>
+                <a:noFill/>
+              </a:ln>
+            </p:spPr>
+            <p:style>
+              <a:lnRef idx="2">
+                <a:schemeClr val="accent1">
+                  <a:shade val="50000"/>
+                </a:schemeClr>
+              </a:lnRef>
+              <a:fillRef idx="1">
+                <a:schemeClr val="accent1"/>
+              </a:fillRef>
+              <a:effectRef idx="0">
+                <a:schemeClr val="accent1"/>
+              </a:effectRef>
+              <a:fontRef idx="minor">
+                <a:schemeClr val="lt1"/>
+              </a:fontRef>
+            </p:style>
+            <p:txBody>
+              <a:bodyPr rtlCol="0" anchor="ctr"/>
+              <a:lstStyle/>
+              <a:p>
+                <a:pPr algn="ctr"/>
+                <a:endParaRPr lang="zh-TW" altLang="en-US"/>
+              </a:p>
+            </p:txBody>
+          </p:sp>
+        </p:grpSp>
+        <p:grpSp>
+          <p:nvGrpSpPr>
+            <p:cNvPr id="48" name="群組 47"/>
+            <p:cNvGrpSpPr/>
+            <p:nvPr/>
+          </p:nvGrpSpPr>
+          <p:grpSpPr>
+            <a:xfrm>
+              <a:off x="3142641" y="5135116"/>
+              <a:ext cx="576000" cy="576064"/>
+              <a:chOff x="2267744" y="1700808"/>
+              <a:chExt cx="576000" cy="576064"/>
+            </a:xfrm>
+          </p:grpSpPr>
+          <p:sp>
+            <p:nvSpPr>
+              <p:cNvPr id="49" name="矩形 48"/>
+              <p:cNvSpPr/>
+              <p:nvPr/>
+            </p:nvSpPr>
+            <p:spPr>
+              <a:xfrm>
+                <a:off x="2267744" y="1700808"/>
+                <a:ext cx="576000" cy="576064"/>
+              </a:xfrm>
+              <a:prstGeom prst="rect">
+                <a:avLst/>
+              </a:prstGeom>
+              <a:solidFill>
+                <a:srgbClr val="996633"/>
+              </a:solidFill>
+              <a:ln>
+                <a:noFill/>
+              </a:ln>
+            </p:spPr>
+            <p:style>
+              <a:lnRef idx="2">
+                <a:schemeClr val="accent1">
+                  <a:shade val="50000"/>
+                </a:schemeClr>
+              </a:lnRef>
+              <a:fillRef idx="1">
+                <a:schemeClr val="accent1"/>
+              </a:fillRef>
+              <a:effectRef idx="0">
+                <a:schemeClr val="accent1"/>
+              </a:effectRef>
+              <a:fontRef idx="minor">
+                <a:schemeClr val="lt1"/>
+              </a:fontRef>
+            </p:style>
+            <p:txBody>
+              <a:bodyPr rtlCol="0" anchor="ctr"/>
+              <a:lstStyle/>
+              <a:p>
+                <a:pPr algn="ctr"/>
+                <a:endParaRPr lang="zh-TW" altLang="en-US"/>
+              </a:p>
+            </p:txBody>
+          </p:sp>
+          <p:sp>
+            <p:nvSpPr>
+              <p:cNvPr id="50" name="橢圓 49"/>
+              <p:cNvSpPr/>
+              <p:nvPr/>
+            </p:nvSpPr>
+            <p:spPr>
+              <a:xfrm>
+                <a:off x="2339720" y="1772816"/>
+                <a:ext cx="432048" cy="432048"/>
+              </a:xfrm>
+              <a:prstGeom prst="ellipse">
+                <a:avLst/>
+              </a:prstGeom>
+              <a:solidFill>
+                <a:schemeClr val="bg1"/>
+              </a:solidFill>
+              <a:ln>
+                <a:noFill/>
+              </a:ln>
+            </p:spPr>
+            <p:style>
+              <a:lnRef idx="2">
+                <a:schemeClr val="accent1">
+                  <a:shade val="50000"/>
+                </a:schemeClr>
+              </a:lnRef>
+              <a:fillRef idx="1">
+                <a:schemeClr val="accent1"/>
+              </a:fillRef>
+              <a:effectRef idx="0">
+                <a:schemeClr val="accent1"/>
+              </a:effectRef>
+              <a:fontRef idx="minor">
+                <a:schemeClr val="lt1"/>
+              </a:fontRef>
+            </p:style>
+            <p:txBody>
+              <a:bodyPr rtlCol="0" anchor="ctr"/>
+              <a:lstStyle/>
+              <a:p>
+                <a:pPr algn="ctr"/>
+                <a:endParaRPr lang="zh-TW" altLang="en-US"/>
+              </a:p>
+            </p:txBody>
+          </p:sp>
+        </p:grpSp>
+        <p:grpSp>
+          <p:nvGrpSpPr>
+            <p:cNvPr id="51" name="群組 50"/>
+            <p:cNvGrpSpPr/>
+            <p:nvPr/>
+          </p:nvGrpSpPr>
+          <p:grpSpPr>
+            <a:xfrm>
+              <a:off x="2566641" y="5129808"/>
+              <a:ext cx="576000" cy="576064"/>
+              <a:chOff x="2267744" y="1700808"/>
+              <a:chExt cx="576000" cy="576064"/>
+            </a:xfrm>
+          </p:grpSpPr>
+          <p:sp>
+            <p:nvSpPr>
+              <p:cNvPr id="52" name="矩形 51"/>
+              <p:cNvSpPr/>
+              <p:nvPr/>
+            </p:nvSpPr>
+            <p:spPr>
+              <a:xfrm>
+                <a:off x="2267744" y="1700808"/>
+                <a:ext cx="576000" cy="576064"/>
+              </a:xfrm>
+              <a:prstGeom prst="rect">
+                <a:avLst/>
+              </a:prstGeom>
+              <a:solidFill>
+                <a:srgbClr val="996633"/>
+              </a:solidFill>
+              <a:ln>
+                <a:noFill/>
+              </a:ln>
+            </p:spPr>
+            <p:style>
+              <a:lnRef idx="2">
+                <a:schemeClr val="accent1">
+                  <a:shade val="50000"/>
+                </a:schemeClr>
+              </a:lnRef>
+              <a:fillRef idx="1">
+                <a:schemeClr val="accent1"/>
+              </a:fillRef>
+              <a:effectRef idx="0">
+                <a:schemeClr val="accent1"/>
+              </a:effectRef>
+              <a:fontRef idx="minor">
+                <a:schemeClr val="lt1"/>
+              </a:fontRef>
+            </p:style>
+            <p:txBody>
+              <a:bodyPr rtlCol="0" anchor="ctr"/>
+              <a:lstStyle/>
+              <a:p>
+                <a:pPr algn="ctr"/>
+                <a:endParaRPr lang="zh-TW" altLang="en-US"/>
+              </a:p>
+            </p:txBody>
+          </p:sp>
+          <p:sp>
+            <p:nvSpPr>
+              <p:cNvPr id="53" name="橢圓 52"/>
+              <p:cNvSpPr/>
+              <p:nvPr/>
+            </p:nvSpPr>
+            <p:spPr>
+              <a:xfrm>
+                <a:off x="2339720" y="1772816"/>
+                <a:ext cx="432048" cy="432048"/>
+              </a:xfrm>
+              <a:prstGeom prst="ellipse">
+                <a:avLst/>
+              </a:prstGeom>
+              <a:solidFill>
+                <a:schemeClr val="bg1"/>
+              </a:solidFill>
+              <a:ln>
+                <a:noFill/>
+              </a:ln>
+            </p:spPr>
+            <p:style>
+              <a:lnRef idx="2">
+                <a:schemeClr val="accent1">
+                  <a:shade val="50000"/>
+                </a:schemeClr>
+              </a:lnRef>
+              <a:fillRef idx="1">
+                <a:schemeClr val="accent1"/>
+              </a:fillRef>
+              <a:effectRef idx="0">
+                <a:schemeClr val="accent1"/>
+              </a:effectRef>
+              <a:fontRef idx="minor">
+                <a:schemeClr val="lt1"/>
+              </a:fontRef>
+            </p:style>
+            <p:txBody>
+              <a:bodyPr rtlCol="0" anchor="ctr"/>
+              <a:lstStyle/>
+              <a:p>
+                <a:pPr algn="ctr"/>
+                <a:endParaRPr lang="zh-TW" altLang="en-US"/>
+              </a:p>
+            </p:txBody>
+          </p:sp>
+        </p:grpSp>
+        <p:grpSp>
+          <p:nvGrpSpPr>
+            <p:cNvPr id="54" name="群組 53"/>
+            <p:cNvGrpSpPr/>
+            <p:nvPr/>
+          </p:nvGrpSpPr>
+          <p:grpSpPr>
+            <a:xfrm>
+              <a:off x="6022641" y="5129808"/>
+              <a:ext cx="576000" cy="576064"/>
+              <a:chOff x="2267744" y="1700808"/>
+              <a:chExt cx="576000" cy="576064"/>
+            </a:xfrm>
+          </p:grpSpPr>
+          <p:sp>
+            <p:nvSpPr>
+              <p:cNvPr id="55" name="矩形 54"/>
+              <p:cNvSpPr/>
+              <p:nvPr/>
+            </p:nvSpPr>
+            <p:spPr>
+              <a:xfrm>
+                <a:off x="2267744" y="1700808"/>
+                <a:ext cx="576000" cy="576064"/>
+              </a:xfrm>
+              <a:prstGeom prst="rect">
+                <a:avLst/>
+              </a:prstGeom>
+              <a:solidFill>
+                <a:srgbClr val="996633"/>
+              </a:solidFill>
+              <a:ln>
+                <a:noFill/>
+              </a:ln>
+            </p:spPr>
+            <p:style>
+              <a:lnRef idx="2">
+                <a:schemeClr val="accent1">
+                  <a:shade val="50000"/>
+                </a:schemeClr>
+              </a:lnRef>
+              <a:fillRef idx="1">
+                <a:schemeClr val="accent1"/>
+              </a:fillRef>
+              <a:effectRef idx="0">
+                <a:schemeClr val="accent1"/>
+              </a:effectRef>
+              <a:fontRef idx="minor">
+                <a:schemeClr val="lt1"/>
+              </a:fontRef>
+            </p:style>
+            <p:txBody>
+              <a:bodyPr rtlCol="0" anchor="ctr"/>
+              <a:lstStyle/>
+              <a:p>
+                <a:pPr algn="ctr"/>
+                <a:endParaRPr lang="zh-TW" altLang="en-US"/>
+              </a:p>
+            </p:txBody>
+          </p:sp>
+          <p:sp>
+            <p:nvSpPr>
+              <p:cNvPr id="56" name="橢圓 55"/>
+              <p:cNvSpPr/>
+              <p:nvPr/>
+            </p:nvSpPr>
+            <p:spPr>
+              <a:xfrm>
+                <a:off x="2339720" y="1772816"/>
+                <a:ext cx="432048" cy="432048"/>
+              </a:xfrm>
+              <a:prstGeom prst="ellipse">
+                <a:avLst/>
+              </a:prstGeom>
+              <a:solidFill>
+                <a:schemeClr val="bg1"/>
+              </a:solidFill>
+              <a:ln>
+                <a:noFill/>
+              </a:ln>
+            </p:spPr>
+            <p:style>
+              <a:lnRef idx="2">
+                <a:schemeClr val="accent1">
+                  <a:shade val="50000"/>
+                </a:schemeClr>
+              </a:lnRef>
+              <a:fillRef idx="1">
+                <a:schemeClr val="accent1"/>
+              </a:fillRef>
+              <a:effectRef idx="0">
+                <a:schemeClr val="accent1"/>
+              </a:effectRef>
+              <a:fontRef idx="minor">
+                <a:schemeClr val="lt1"/>
+              </a:fontRef>
+            </p:style>
+            <p:txBody>
+              <a:bodyPr rtlCol="0" anchor="ctr"/>
+              <a:lstStyle/>
+              <a:p>
+                <a:pPr algn="ctr"/>
+                <a:endParaRPr lang="zh-TW" altLang="en-US"/>
+              </a:p>
+            </p:txBody>
+          </p:sp>
+        </p:grpSp>
+      </p:grpSp>
+    </p:spTree>
+    <p:extLst>
+      <p:ext uri="{BB962C8B-B14F-4D97-AF65-F5344CB8AC3E}">
+        <p14:creationId xmlns:p14="http://schemas.microsoft.com/office/powerpoint/2010/main" val="1613637021"/>
+      </p:ext>
+    </p:extLst>
+  </p:cSld>
+  <p:clrMapOvr>
+    <a:masterClrMapping/>
+  </p:clrMapOvr>
+  <mc:AlternateContent xmlns:mc="http://schemas.openxmlformats.org/markup-compatibility/2006" xmlns:p14="http://schemas.microsoft.com/office/powerpoint/2010/main">
+    <mc:Choice Requires="p14">
+      <p:transition spd="med" p14:dur="700">
+        <p:fade/>
+      </p:transition>
+    </mc:Choice>
+    <mc:Fallback xmlns="">
+      <p:transition spd="med">
+        <p:fade/>
+      </p:transition>
+    </mc:Fallback>
+  </mc:AlternateContent>
+  <p:timing>
+    <p:tnLst>
+      <p:par>
+        <p:cTn id="1" dur="indefinite" restart="never" nodeType="tmRoot"/>
+      </p:par>
+    </p:tnLst>
+  </p:timing>
+</p:sld>
+</file>
+
 <file path=ppt/slides/slide2.xml><?xml version="1.0" encoding="utf-8"?>
 <p:sld xmlns:a="http://schemas.openxmlformats.org/drawingml/2006/main" xmlns:r="http://schemas.openxmlformats.org/officeDocument/2006/relationships" xmlns:p="http://schemas.openxmlformats.org/presentationml/2006/main">
   <p:cSld>
@@ -4556,13 +7712,6 @@
               </a:rPr>
               <a:t>裝</a:t>
             </a:r>
-            <a:endParaRPr lang="zh-TW" altLang="en-US" sz="2100" b="1" dirty="0">
-              <a:solidFill>
-                <a:srgbClr val="E13763"/>
-              </a:solidFill>
-              <a:latin typeface="微軟正黑體" panose="020B0604030504040204" pitchFamily="34" charset="-120"/>
-              <a:ea typeface="微軟正黑體" panose="020B0604030504040204" pitchFamily="34" charset="-120"/>
-            </a:endParaRPr>
           </a:p>
         </p:txBody>
       </p:sp>
@@ -5103,13 +8252,6 @@
               </a:rPr>
               <a:t>件</a:t>
             </a:r>
-            <a:endParaRPr lang="zh-TW" altLang="en-US" sz="2100" b="1" dirty="0">
-              <a:solidFill>
-                <a:srgbClr val="E13763"/>
-              </a:solidFill>
-              <a:latin typeface="微軟正黑體" panose="020B0604030504040204" pitchFamily="34" charset="-120"/>
-              <a:ea typeface="微軟正黑體" panose="020B0604030504040204" pitchFamily="34" charset="-120"/>
-            </a:endParaRPr>
           </a:p>
         </p:txBody>
       </p:sp>
@@ -6384,17 +9526,7 @@
                 <a:latin typeface="微軟正黑體" panose="020B0604030504040204" pitchFamily="34" charset="-120"/>
                 <a:ea typeface="微軟正黑體" panose="020B0604030504040204" pitchFamily="34" charset="-120"/>
               </a:rPr>
-              <a:t>：</a:t>
-            </a:r>
-            <a:r>
-              <a:rPr lang="zh-TW" altLang="en-US" dirty="0" smtClean="0">
-                <a:solidFill>
-                  <a:srgbClr val="24292E"/>
-                </a:solidFill>
-                <a:latin typeface="微軟正黑體" panose="020B0604030504040204" pitchFamily="34" charset="-120"/>
-                <a:ea typeface="微軟正黑體" panose="020B0604030504040204" pitchFamily="34" charset="-120"/>
-              </a:rPr>
-              <a:t>投影點</a:t>
+              <a:t>：投影點</a:t>
             </a:r>
             <a:endParaRPr lang="en-US" altLang="zh-TW" dirty="0" smtClean="0">
               <a:solidFill>
@@ -6924,7 +10056,7 @@
                 <a:latin typeface="微軟正黑體" panose="020B0604030504040204" pitchFamily="34" charset="-120"/>
                 <a:ea typeface="微軟正黑體" panose="020B0604030504040204" pitchFamily="34" charset="-120"/>
               </a:rPr>
-              <a:t>05</a:t>
+              <a:t>04</a:t>
             </a:r>
             <a:endParaRPr lang="zh-TW" altLang="en-US" sz="2400" b="1" i="1" dirty="0">
               <a:latin typeface="微軟正黑體" panose="020B0604030504040204" pitchFamily="34" charset="-120"/>
@@ -7098,7 +10230,7 @@
                 <a:latin typeface="微軟正黑體" panose="020B0604030504040204" pitchFamily="34" charset="-120"/>
                 <a:ea typeface="微軟正黑體" panose="020B0604030504040204" pitchFamily="34" charset="-120"/>
               </a:rPr>
-              <a:t>座標轉換</a:t>
+              <a:t>投影變形</a:t>
             </a:r>
             <a:endParaRPr lang="zh-TW" altLang="en-US" sz="2100" b="1" dirty="0">
               <a:solidFill>
@@ -7118,8 +10250,8 @@
         </p:nvSpPr>
         <p:spPr>
           <a:xfrm>
-            <a:off x="816510" y="1470901"/>
-            <a:ext cx="7487058" cy="2585323"/>
+            <a:off x="491075" y="1052736"/>
+            <a:ext cx="7787938" cy="507831"/>
           </a:xfrm>
           <a:prstGeom prst="rect">
             <a:avLst/>
@@ -7132,14 +10264,62 @@
           </a:bodyPr>
           <a:lstStyle/>
           <a:p>
-            <a:pPr marL="342900" indent="-342900">
+            <a:pPr>
               <a:lnSpc>
                 <a:spcPct val="150000"/>
               </a:lnSpc>
-              <a:buFontTx/>
-              <a:buAutoNum type="arabicPeriod"/>
             </a:pPr>
             <a:r>
+              <a:rPr lang="en-US" altLang="zh-TW" dirty="0" err="1" smtClean="0">
+                <a:solidFill>
+                  <a:schemeClr val="bg1"/>
+                </a:solidFill>
+                <a:latin typeface="微軟正黑體" panose="020B0604030504040204" pitchFamily="34" charset="-120"/>
+                <a:ea typeface="微軟正黑體" panose="020B0604030504040204" pitchFamily="34" charset="-120"/>
+              </a:rPr>
+              <a:t>proj.setAxisY</a:t>
+            </a:r>
+            <a:r>
+              <a:rPr lang="en-US" altLang="zh-TW" dirty="0" smtClean="0">
+                <a:solidFill>
+                  <a:schemeClr val="bg1"/>
+                </a:solidFill>
+                <a:latin typeface="微軟正黑體" panose="020B0604030504040204" pitchFamily="34" charset="-120"/>
+                <a:ea typeface="微軟正黑體" panose="020B0604030504040204" pitchFamily="34" charset="-120"/>
+              </a:rPr>
+              <a:t>( </a:t>
+            </a:r>
+            <a:r>
+              <a:rPr lang="en-US" altLang="zh-TW" dirty="0" err="1">
+                <a:solidFill>
+                  <a:schemeClr val="bg1"/>
+                </a:solidFill>
+                <a:latin typeface="微軟正黑體" panose="020B0604030504040204" pitchFamily="34" charset="-120"/>
+                <a:ea typeface="微軟正黑體" panose="020B0604030504040204" pitchFamily="34" charset="-120"/>
+              </a:rPr>
+              <a:t>pos</a:t>
+            </a:r>
+            <a:r>
+              <a:rPr lang="en-US" altLang="zh-TW" dirty="0">
+                <a:solidFill>
+                  <a:schemeClr val="bg1"/>
+                </a:solidFill>
+                <a:latin typeface="微軟正黑體" panose="020B0604030504040204" pitchFamily="34" charset="-120"/>
+                <a:ea typeface="微軟正黑體" panose="020B0604030504040204" pitchFamily="34" charset="-120"/>
+              </a:rPr>
+              <a:t> , </a:t>
+            </a:r>
+            <a:r>
+              <a:rPr lang="en-US" altLang="zh-TW" dirty="0" smtClean="0">
+                <a:solidFill>
+                  <a:schemeClr val="bg1"/>
+                </a:solidFill>
+                <a:latin typeface="微軟正黑體" panose="020B0604030504040204" pitchFamily="34" charset="-120"/>
+                <a:ea typeface="微軟正黑體" panose="020B0604030504040204" pitchFamily="34" charset="-120"/>
+              </a:rPr>
+              <a:t>1</a:t>
+            </a:r>
+            <a:r>
               <a:rPr lang="zh-TW" altLang="en-US" dirty="0" smtClean="0">
                 <a:solidFill>
                   <a:schemeClr val="bg1"/>
@@ -7147,7 +10327,37 @@
                 <a:latin typeface="微軟正黑體" panose="020B0604030504040204" pitchFamily="34" charset="-120"/>
                 <a:ea typeface="微軟正黑體" panose="020B0604030504040204" pitchFamily="34" charset="-120"/>
               </a:rPr>
-              <a:t>使用 </a:t>
+              <a:t> </a:t>
+            </a:r>
+            <a:r>
+              <a:rPr lang="en-US" altLang="zh-TW" dirty="0" smtClean="0">
+                <a:solidFill>
+                  <a:schemeClr val="bg1"/>
+                </a:solidFill>
+                <a:latin typeface="微軟正黑體" panose="020B0604030504040204" pitchFamily="34" charset="-120"/>
+                <a:ea typeface="微軟正黑體" panose="020B0604030504040204" pitchFamily="34" charset="-120"/>
+              </a:rPr>
+              <a:t>)</a:t>
+            </a:r>
+            <a:r>
+              <a:rPr lang="zh-TW" altLang="en-US" dirty="0" smtClean="0">
+                <a:solidFill>
+                  <a:schemeClr val="bg1"/>
+                </a:solidFill>
+                <a:latin typeface="微軟正黑體" panose="020B0604030504040204" pitchFamily="34" charset="-120"/>
+                <a:ea typeface="微軟正黑體" panose="020B0604030504040204" pitchFamily="34" charset="-120"/>
+              </a:rPr>
+              <a:t>　　</a:t>
+            </a:r>
+            <a:r>
+              <a:rPr lang="en-US" altLang="zh-TW" dirty="0" smtClean="0">
+                <a:solidFill>
+                  <a:schemeClr val="bg1"/>
+                </a:solidFill>
+                <a:latin typeface="微軟正黑體" panose="020B0604030504040204" pitchFamily="34" charset="-120"/>
+                <a:ea typeface="微軟正黑體" panose="020B0604030504040204" pitchFamily="34" charset="-120"/>
+              </a:rPr>
+              <a:t>//</a:t>
             </a:r>
             <a:r>
               <a:rPr lang="en-US" altLang="zh-TW" dirty="0" err="1" smtClean="0">
@@ -7157,7 +10367,37 @@
                 <a:latin typeface="微軟正黑體" panose="020B0604030504040204" pitchFamily="34" charset="-120"/>
                 <a:ea typeface="微軟正黑體" panose="020B0604030504040204" pitchFamily="34" charset="-120"/>
               </a:rPr>
-              <a:t>proj.setAxisX</a:t>
+              <a:t>pos.x</a:t>
+            </a:r>
+            <a:r>
+              <a:rPr lang="en-US" altLang="zh-TW" dirty="0" smtClean="0">
+                <a:solidFill>
+                  <a:schemeClr val="bg1"/>
+                </a:solidFill>
+                <a:latin typeface="微軟正黑體" panose="020B0604030504040204" pitchFamily="34" charset="-120"/>
+                <a:ea typeface="微軟正黑體" panose="020B0604030504040204" pitchFamily="34" charset="-120"/>
+              </a:rPr>
+              <a:t>, </a:t>
+            </a:r>
+            <a:r>
+              <a:rPr lang="en-US" altLang="zh-TW" dirty="0" err="1" smtClean="0">
+                <a:solidFill>
+                  <a:schemeClr val="bg1"/>
+                </a:solidFill>
+                <a:latin typeface="微軟正黑體" panose="020B0604030504040204" pitchFamily="34" charset="-120"/>
+                <a:ea typeface="微軟正黑體" panose="020B0604030504040204" pitchFamily="34" charset="-120"/>
+              </a:rPr>
+              <a:t>pos.y</a:t>
+            </a:r>
+            <a:r>
+              <a:rPr lang="zh-TW" altLang="en-US" dirty="0" smtClean="0">
+                <a:solidFill>
+                  <a:schemeClr val="bg1"/>
+                </a:solidFill>
+                <a:latin typeface="微軟正黑體" panose="020B0604030504040204" pitchFamily="34" charset="-120"/>
+                <a:ea typeface="微軟正黑體" panose="020B0604030504040204" pitchFamily="34" charset="-120"/>
+              </a:rPr>
+              <a:t>為紅點</a:t>
             </a:r>
             <a:r>
               <a:rPr lang="en-US" altLang="zh-TW" dirty="0">
@@ -7167,17 +10407,17 @@
                 <a:latin typeface="微軟正黑體" panose="020B0604030504040204" pitchFamily="34" charset="-120"/>
                 <a:ea typeface="微軟正黑體" panose="020B0604030504040204" pitchFamily="34" charset="-120"/>
               </a:rPr>
-              <a:t>( </a:t>
-            </a:r>
-            <a:r>
-              <a:rPr lang="en-US" altLang="zh-TW" dirty="0" err="1">
-                <a:solidFill>
-                  <a:schemeClr val="bg1"/>
-                </a:solidFill>
-                <a:latin typeface="微軟正黑體" panose="020B0604030504040204" pitchFamily="34" charset="-120"/>
-                <a:ea typeface="微軟正黑體" panose="020B0604030504040204" pitchFamily="34" charset="-120"/>
-              </a:rPr>
-              <a:t>pos</a:t>
+              <a:t>(</a:t>
+            </a:r>
+            <a:r>
+              <a:rPr lang="zh-TW" altLang="en-US" dirty="0">
+                <a:solidFill>
+                  <a:schemeClr val="bg1"/>
+                </a:solidFill>
+                <a:latin typeface="微軟正黑體" panose="020B0604030504040204" pitchFamily="34" charset="-120"/>
+                <a:ea typeface="微軟正黑體" panose="020B0604030504040204" pitchFamily="34" charset="-120"/>
+              </a:rPr>
+              <a:t>投影點</a:t>
             </a:r>
             <a:r>
               <a:rPr lang="en-US" altLang="zh-TW" dirty="0">
@@ -7187,16 +10427,6 @@
                 <a:latin typeface="微軟正黑體" panose="020B0604030504040204" pitchFamily="34" charset="-120"/>
                 <a:ea typeface="微軟正黑體" panose="020B0604030504040204" pitchFamily="34" charset="-120"/>
               </a:rPr>
-              <a:t> , factor</a:t>
-            </a:r>
-            <a:r>
-              <a:rPr lang="en-US" altLang="zh-TW" dirty="0" smtClean="0">
-                <a:solidFill>
-                  <a:schemeClr val="bg1"/>
-                </a:solidFill>
-                <a:latin typeface="微軟正黑體" panose="020B0604030504040204" pitchFamily="34" charset="-120"/>
-                <a:ea typeface="微軟正黑體" panose="020B0604030504040204" pitchFamily="34" charset="-120"/>
-              </a:rPr>
               <a:t>)</a:t>
             </a:r>
             <a:r>
@@ -7207,190 +10437,1870 @@
                 <a:latin typeface="微軟正黑體" panose="020B0604030504040204" pitchFamily="34" charset="-120"/>
                 <a:ea typeface="微軟正黑體" panose="020B0604030504040204" pitchFamily="34" charset="-120"/>
               </a:rPr>
-              <a:t> 或 </a:t>
-            </a:r>
-            <a:r>
-              <a:rPr lang="en-US" altLang="zh-TW" dirty="0" err="1" smtClean="0">
-                <a:solidFill>
-                  <a:schemeClr val="bg1"/>
-                </a:solidFill>
-                <a:latin typeface="微軟正黑體" panose="020B0604030504040204" pitchFamily="34" charset="-120"/>
-                <a:ea typeface="微軟正黑體" panose="020B0604030504040204" pitchFamily="34" charset="-120"/>
-              </a:rPr>
-              <a:t>proj.setAxisY</a:t>
-            </a:r>
-            <a:r>
-              <a:rPr lang="en-US" altLang="zh-TW" dirty="0" smtClean="0">
-                <a:solidFill>
-                  <a:schemeClr val="bg1"/>
-                </a:solidFill>
-                <a:latin typeface="微軟正黑體" panose="020B0604030504040204" pitchFamily="34" charset="-120"/>
-                <a:ea typeface="微軟正黑體" panose="020B0604030504040204" pitchFamily="34" charset="-120"/>
-              </a:rPr>
-              <a:t>( </a:t>
-            </a:r>
-            <a:r>
-              <a:rPr lang="en-US" altLang="zh-TW" dirty="0" err="1">
-                <a:solidFill>
-                  <a:schemeClr val="bg1"/>
-                </a:solidFill>
-                <a:latin typeface="微軟正黑體" panose="020B0604030504040204" pitchFamily="34" charset="-120"/>
-                <a:ea typeface="微軟正黑體" panose="020B0604030504040204" pitchFamily="34" charset="-120"/>
-              </a:rPr>
-              <a:t>pos</a:t>
-            </a:r>
-            <a:r>
-              <a:rPr lang="en-US" altLang="zh-TW" dirty="0">
-                <a:solidFill>
-                  <a:schemeClr val="bg1"/>
-                </a:solidFill>
-                <a:latin typeface="微軟正黑體" panose="020B0604030504040204" pitchFamily="34" charset="-120"/>
-                <a:ea typeface="微軟正黑體" panose="020B0604030504040204" pitchFamily="34" charset="-120"/>
-              </a:rPr>
-              <a:t> , factor</a:t>
-            </a:r>
-            <a:r>
-              <a:rPr lang="en-US" altLang="zh-TW" dirty="0" smtClean="0">
-                <a:solidFill>
-                  <a:schemeClr val="bg1"/>
-                </a:solidFill>
-                <a:latin typeface="微軟正黑體" panose="020B0604030504040204" pitchFamily="34" charset="-120"/>
-                <a:ea typeface="微軟正黑體" panose="020B0604030504040204" pitchFamily="34" charset="-120"/>
-              </a:rPr>
-              <a:t>)</a:t>
-            </a:r>
-            <a:r>
-              <a:rPr lang="zh-TW" altLang="en-US" dirty="0" smtClean="0">
-                <a:solidFill>
-                  <a:schemeClr val="bg1"/>
-                </a:solidFill>
-                <a:latin typeface="微軟正黑體" panose="020B0604030504040204" pitchFamily="34" charset="-120"/>
-                <a:ea typeface="微軟正黑體" panose="020B0604030504040204" pitchFamily="34" charset="-120"/>
-              </a:rPr>
-              <a:t> 時，可能需要取得投影點在區域座標上的位置，而一般用 </a:t>
-            </a:r>
-            <a:r>
-              <a:rPr lang="en-US" altLang="zh-TW" dirty="0" smtClean="0">
-                <a:solidFill>
-                  <a:schemeClr val="bg1"/>
-                </a:solidFill>
-                <a:latin typeface="微軟正黑體" panose="020B0604030504040204" pitchFamily="34" charset="-120"/>
-                <a:ea typeface="微軟正黑體" panose="020B0604030504040204" pitchFamily="34" charset="-120"/>
-              </a:rPr>
-              <a:t>.position</a:t>
-            </a:r>
-            <a:r>
-              <a:rPr lang="zh-TW" altLang="en-US" dirty="0" smtClean="0">
-                <a:solidFill>
-                  <a:schemeClr val="bg1"/>
-                </a:solidFill>
-                <a:latin typeface="微軟正黑體" panose="020B0604030504040204" pitchFamily="34" charset="-120"/>
-                <a:ea typeface="微軟正黑體" panose="020B0604030504040204" pitchFamily="34" charset="-120"/>
-              </a:rPr>
-              <a:t> 取得的是世界座標的</a:t>
-            </a:r>
-            <a:r>
-              <a:rPr lang="en-US" altLang="zh-TW" dirty="0" smtClean="0">
-                <a:solidFill>
-                  <a:schemeClr val="bg1"/>
-                </a:solidFill>
-                <a:latin typeface="微軟正黑體" panose="020B0604030504040204" pitchFamily="34" charset="-120"/>
-                <a:ea typeface="微軟正黑體" panose="020B0604030504040204" pitchFamily="34" charset="-120"/>
-              </a:rPr>
-              <a:t>x</a:t>
-            </a:r>
-            <a:r>
-              <a:rPr lang="zh-TW" altLang="en-US" dirty="0" smtClean="0">
-                <a:solidFill>
-                  <a:schemeClr val="bg1"/>
-                </a:solidFill>
-                <a:latin typeface="微軟正黑體" panose="020B0604030504040204" pitchFamily="34" charset="-120"/>
-                <a:ea typeface="微軟正黑體" panose="020B0604030504040204" pitchFamily="34" charset="-120"/>
-              </a:rPr>
-              <a:t>或</a:t>
-            </a:r>
-            <a:r>
-              <a:rPr lang="en-US" altLang="zh-TW" dirty="0" smtClean="0">
-                <a:solidFill>
-                  <a:schemeClr val="bg1"/>
-                </a:solidFill>
-                <a:latin typeface="微軟正黑體" panose="020B0604030504040204" pitchFamily="34" charset="-120"/>
-                <a:ea typeface="微軟正黑體" panose="020B0604030504040204" pitchFamily="34" charset="-120"/>
-              </a:rPr>
-              <a:t>y</a:t>
-            </a:r>
-            <a:r>
-              <a:rPr lang="zh-TW" altLang="en-US" dirty="0" smtClean="0">
-                <a:solidFill>
-                  <a:schemeClr val="bg1"/>
-                </a:solidFill>
-                <a:latin typeface="微軟正黑體" panose="020B0604030504040204" pitchFamily="34" charset="-120"/>
-                <a:ea typeface="微軟正黑體" panose="020B0604030504040204" pitchFamily="34" charset="-120"/>
-              </a:rPr>
-              <a:t>，轉換為區域座標需要 </a:t>
-            </a:r>
-            <a:r>
-              <a:rPr lang="en-US" altLang="zh-TW" dirty="0" err="1" smtClean="0">
-                <a:solidFill>
-                  <a:schemeClr val="bg1"/>
-                </a:solidFill>
-                <a:latin typeface="微軟正黑體" panose="020B0604030504040204" pitchFamily="34" charset="-120"/>
-                <a:ea typeface="微軟正黑體" panose="020B0604030504040204" pitchFamily="34" charset="-120"/>
-              </a:rPr>
-              <a:t>toLocal</a:t>
-            </a:r>
-            <a:r>
-              <a:rPr lang="zh-TW" altLang="en-US" dirty="0" smtClean="0">
-                <a:solidFill>
-                  <a:schemeClr val="bg1"/>
-                </a:solidFill>
-                <a:latin typeface="微軟正黑體" panose="020B0604030504040204" pitchFamily="34" charset="-120"/>
-                <a:ea typeface="微軟正黑體" panose="020B0604030504040204" pitchFamily="34" charset="-120"/>
-              </a:rPr>
-              <a:t> 的函式，其中第五項必須代入</a:t>
-            </a:r>
-            <a:r>
-              <a:rPr lang="en-US" altLang="zh-TW" dirty="0" err="1" smtClean="0">
-                <a:solidFill>
-                  <a:schemeClr val="bg1"/>
-                </a:solidFill>
-                <a:latin typeface="微軟正黑體" panose="020B0604030504040204" pitchFamily="34" charset="-120"/>
-                <a:ea typeface="微軟正黑體" panose="020B0604030504040204" pitchFamily="34" charset="-120"/>
-              </a:rPr>
-              <a:t>PIXI.projection.TRANSFORM_STEP.BEFORE_PROJ</a:t>
-            </a:r>
-            <a:r>
-              <a:rPr lang="zh-TW" altLang="en-US" dirty="0" smtClean="0">
-                <a:solidFill>
-                  <a:schemeClr val="bg1"/>
-                </a:solidFill>
-                <a:latin typeface="微軟正黑體" panose="020B0604030504040204" pitchFamily="34" charset="-120"/>
-                <a:ea typeface="微軟正黑體" panose="020B0604030504040204" pitchFamily="34" charset="-120"/>
-              </a:rPr>
-              <a:t>，得到的區域座標才會為未投影轉換的區域座標。</a:t>
+              <a:t>中心座標</a:t>
             </a:r>
             <a:endParaRPr lang="en-US" altLang="zh-TW" dirty="0">
               <a:solidFill>
-                <a:schemeClr val="bg1"/>
+                <a:srgbClr val="24292E"/>
               </a:solidFill>
               <a:latin typeface="微軟正黑體" panose="020B0604030504040204" pitchFamily="34" charset="-120"/>
               <a:ea typeface="微軟正黑體" panose="020B0604030504040204" pitchFamily="34" charset="-120"/>
             </a:endParaRPr>
           </a:p>
-          <a:p>
-            <a:pPr marL="342900" indent="-342900">
-              <a:lnSpc>
-                <a:spcPct val="150000"/>
-              </a:lnSpc>
-              <a:buAutoNum type="arabicPeriod"/>
-            </a:pPr>
-            <a:endParaRPr lang="en-US" altLang="zh-TW" dirty="0" smtClean="0">
+        </p:txBody>
+      </p:sp>
+      <p:pic>
+        <p:nvPicPr>
+          <p:cNvPr id="2" name="圖片 1"/>
+          <p:cNvPicPr>
+            <a:picLocks noChangeAspect="1"/>
+          </p:cNvPicPr>
+          <p:nvPr/>
+        </p:nvPicPr>
+        <p:blipFill>
+          <a:blip r:embed="rId4">
+            <a:extLst>
+              <a:ext uri="{28A0092B-C50C-407E-A947-70E740481C1C}">
+                <a14:useLocalDpi xmlns:a14="http://schemas.microsoft.com/office/drawing/2010/main" val="0"/>
+              </a:ext>
+            </a:extLst>
+          </a:blip>
+          <a:stretch>
+            <a:fillRect/>
+          </a:stretch>
+        </p:blipFill>
+        <p:spPr>
+          <a:xfrm>
+            <a:off x="395536" y="1700808"/>
+            <a:ext cx="3696216" cy="4525006"/>
+          </a:xfrm>
+          <a:prstGeom prst="rect">
+            <a:avLst/>
+          </a:prstGeom>
+        </p:spPr>
+      </p:pic>
+      <p:pic>
+        <p:nvPicPr>
+          <p:cNvPr id="5" name="圖片 4"/>
+          <p:cNvPicPr>
+            <a:picLocks noChangeAspect="1"/>
+          </p:cNvPicPr>
+          <p:nvPr/>
+        </p:nvPicPr>
+        <p:blipFill>
+          <a:blip r:embed="rId5">
+            <a:extLst>
+              <a:ext uri="{28A0092B-C50C-407E-A947-70E740481C1C}">
+                <a14:useLocalDpi xmlns:a14="http://schemas.microsoft.com/office/drawing/2010/main" val="0"/>
+              </a:ext>
+            </a:extLst>
+          </a:blip>
+          <a:stretch>
+            <a:fillRect/>
+          </a:stretch>
+        </p:blipFill>
+        <p:spPr>
+          <a:xfrm>
+            <a:off x="4860032" y="2072334"/>
+            <a:ext cx="3667637" cy="4153480"/>
+          </a:xfrm>
+          <a:prstGeom prst="rect">
+            <a:avLst/>
+          </a:prstGeom>
+        </p:spPr>
+      </p:pic>
+      <p:sp>
+        <p:nvSpPr>
+          <p:cNvPr id="11" name="向右箭號 10"/>
+          <p:cNvSpPr/>
+          <p:nvPr/>
+        </p:nvSpPr>
+        <p:spPr>
+          <a:xfrm>
+            <a:off x="4295872" y="4005058"/>
+            <a:ext cx="360040" cy="288032"/>
+          </a:xfrm>
+          <a:prstGeom prst="rightArrow">
+            <a:avLst/>
+          </a:prstGeom>
+          <a:solidFill>
+            <a:srgbClr val="FF0000"/>
+          </a:solidFill>
+          <a:ln>
+            <a:noFill/>
+          </a:ln>
+        </p:spPr>
+        <p:style>
+          <a:lnRef idx="2">
+            <a:schemeClr val="accent1">
+              <a:shade val="50000"/>
+            </a:schemeClr>
+          </a:lnRef>
+          <a:fillRef idx="1">
+            <a:schemeClr val="accent1"/>
+          </a:fillRef>
+          <a:effectRef idx="0">
+            <a:schemeClr val="accent1"/>
+          </a:effectRef>
+          <a:fontRef idx="minor">
+            <a:schemeClr val="lt1"/>
+          </a:fontRef>
+        </p:style>
+        <p:txBody>
+          <a:bodyPr rtlCol="0" anchor="ctr"/>
+          <a:lstStyle/>
+          <a:p>
+            <a:pPr algn="ctr"/>
+            <a:endParaRPr lang="zh-TW" altLang="en-US"/>
+          </a:p>
+        </p:txBody>
+      </p:sp>
+    </p:spTree>
+    <p:extLst>
+      <p:ext uri="{BB962C8B-B14F-4D97-AF65-F5344CB8AC3E}">
+        <p14:creationId xmlns:p14="http://schemas.microsoft.com/office/powerpoint/2010/main" val="3657438184"/>
+      </p:ext>
+    </p:extLst>
+  </p:cSld>
+  <p:clrMapOvr>
+    <a:masterClrMapping/>
+  </p:clrMapOvr>
+  <mc:AlternateContent xmlns:mc="http://schemas.openxmlformats.org/markup-compatibility/2006" xmlns:p14="http://schemas.microsoft.com/office/powerpoint/2010/main">
+    <mc:Choice Requires="p14">
+      <p:transition spd="med" p14:dur="700">
+        <p:fade/>
+      </p:transition>
+    </mc:Choice>
+    <mc:Fallback xmlns="">
+      <p:transition spd="med">
+        <p:fade/>
+      </p:transition>
+    </mc:Fallback>
+  </mc:AlternateContent>
+  <p:timing>
+    <p:tnLst>
+      <p:par>
+        <p:cTn id="1" dur="indefinite" restart="never" nodeType="tmRoot"/>
+      </p:par>
+    </p:tnLst>
+  </p:timing>
+</p:sld>
+</file>
+
+<file path=ppt/slides/slide7.xml><?xml version="1.0" encoding="utf-8"?>
+<p:sld xmlns:a="http://schemas.openxmlformats.org/drawingml/2006/main" xmlns:r="http://schemas.openxmlformats.org/officeDocument/2006/relationships" xmlns:p="http://schemas.openxmlformats.org/presentationml/2006/main">
+  <p:cSld>
+    <p:bg>
+      <p:bgPr>
+        <a:blipFill dpi="0" rotWithShape="1">
+          <a:blip r:embed="rId3">
+            <a:lum/>
+          </a:blip>
+          <a:srcRect/>
+          <a:stretch>
+            <a:fillRect/>
+          </a:stretch>
+        </a:blipFill>
+        <a:effectLst/>
+      </p:bgPr>
+    </p:bg>
+    <p:spTree>
+      <p:nvGrpSpPr>
+        <p:cNvPr id="1" name=""/>
+        <p:cNvGrpSpPr/>
+        <p:nvPr/>
+      </p:nvGrpSpPr>
+      <p:grpSpPr>
+        <a:xfrm>
+          <a:off x="0" y="0"/>
+          <a:ext cx="0" cy="0"/>
+          <a:chOff x="0" y="0"/>
+          <a:chExt cx="0" cy="0"/>
+        </a:xfrm>
+      </p:grpSpPr>
+      <p:sp>
+        <p:nvSpPr>
+          <p:cNvPr id="3" name="文字方塊 2"/>
+          <p:cNvSpPr txBox="1"/>
+          <p:nvPr/>
+        </p:nvSpPr>
+        <p:spPr>
+          <a:xfrm>
+            <a:off x="216000" y="417210"/>
+            <a:ext cx="550151" cy="461665"/>
+          </a:xfrm>
+          <a:prstGeom prst="rect">
+            <a:avLst/>
+          </a:prstGeom>
+          <a:noFill/>
+        </p:spPr>
+        <p:txBody>
+          <a:bodyPr wrap="none" rtlCol="0">
+            <a:spAutoFit/>
+          </a:bodyPr>
+          <a:lstStyle/>
+          <a:p>
+            <a:pPr algn="ctr"/>
+            <a:r>
+              <a:rPr lang="en-US" altLang="zh-TW" sz="2400" b="1" i="1" dirty="0" smtClean="0">
+                <a:latin typeface="微軟正黑體" panose="020B0604030504040204" pitchFamily="34" charset="-120"/>
+                <a:ea typeface="微軟正黑體" panose="020B0604030504040204" pitchFamily="34" charset="-120"/>
+              </a:rPr>
+              <a:t>04</a:t>
+            </a:r>
+            <a:endParaRPr lang="zh-TW" altLang="en-US" sz="2400" b="1" i="1" dirty="0">
+              <a:latin typeface="微軟正黑體" panose="020B0604030504040204" pitchFamily="34" charset="-120"/>
+              <a:ea typeface="微軟正黑體" panose="020B0604030504040204" pitchFamily="34" charset="-120"/>
+            </a:endParaRPr>
+          </a:p>
+        </p:txBody>
+      </p:sp>
+      <p:sp>
+        <p:nvSpPr>
+          <p:cNvPr id="9" name="投影片編號版面配置區 7"/>
+          <p:cNvSpPr txBox="1">
+            <a:spLocks/>
+          </p:cNvSpPr>
+          <p:nvPr/>
+        </p:nvSpPr>
+        <p:spPr>
+          <a:xfrm>
+            <a:off x="8684388" y="6381328"/>
+            <a:ext cx="432048" cy="365125"/>
+          </a:xfrm>
+          <a:prstGeom prst="rect">
+            <a:avLst/>
+          </a:prstGeom>
+        </p:spPr>
+        <p:txBody>
+          <a:bodyPr vert="horz" lIns="91440" tIns="45720" rIns="91440" bIns="45720" rtlCol="0" anchor="ctr"/>
+          <a:lstStyle>
+            <a:defPPr>
+              <a:defRPr lang="zh-TW"/>
+            </a:defPPr>
+            <a:lvl1pPr marL="0" algn="r" defTabSz="914400" rtl="0" eaLnBrk="1" latinLnBrk="0" hangingPunct="1">
+              <a:defRPr sz="1200" kern="1200">
+                <a:solidFill>
+                  <a:schemeClr val="tx1">
+                    <a:tint val="75000"/>
+                  </a:schemeClr>
+                </a:solidFill>
+                <a:latin typeface="+mn-lt"/>
+                <a:ea typeface="+mn-ea"/>
+                <a:cs typeface="+mn-cs"/>
+              </a:defRPr>
+            </a:lvl1pPr>
+            <a:lvl2pPr marL="457200" algn="l" defTabSz="914400" rtl="0" eaLnBrk="1" latinLnBrk="0" hangingPunct="1">
+              <a:defRPr sz="1800" kern="1200">
+                <a:solidFill>
+                  <a:schemeClr val="tx1"/>
+                </a:solidFill>
+                <a:latin typeface="+mn-lt"/>
+                <a:ea typeface="+mn-ea"/>
+                <a:cs typeface="+mn-cs"/>
+              </a:defRPr>
+            </a:lvl2pPr>
+            <a:lvl3pPr marL="914400" algn="l" defTabSz="914400" rtl="0" eaLnBrk="1" latinLnBrk="0" hangingPunct="1">
+              <a:defRPr sz="1800" kern="1200">
+                <a:solidFill>
+                  <a:schemeClr val="tx1"/>
+                </a:solidFill>
+                <a:latin typeface="+mn-lt"/>
+                <a:ea typeface="+mn-ea"/>
+                <a:cs typeface="+mn-cs"/>
+              </a:defRPr>
+            </a:lvl3pPr>
+            <a:lvl4pPr marL="1371600" algn="l" defTabSz="914400" rtl="0" eaLnBrk="1" latinLnBrk="0" hangingPunct="1">
+              <a:defRPr sz="1800" kern="1200">
+                <a:solidFill>
+                  <a:schemeClr val="tx1"/>
+                </a:solidFill>
+                <a:latin typeface="+mn-lt"/>
+                <a:ea typeface="+mn-ea"/>
+                <a:cs typeface="+mn-cs"/>
+              </a:defRPr>
+            </a:lvl4pPr>
+            <a:lvl5pPr marL="1828800" algn="l" defTabSz="914400" rtl="0" eaLnBrk="1" latinLnBrk="0" hangingPunct="1">
+              <a:defRPr sz="1800" kern="1200">
+                <a:solidFill>
+                  <a:schemeClr val="tx1"/>
+                </a:solidFill>
+                <a:latin typeface="+mn-lt"/>
+                <a:ea typeface="+mn-ea"/>
+                <a:cs typeface="+mn-cs"/>
+              </a:defRPr>
+            </a:lvl5pPr>
+            <a:lvl6pPr marL="2286000" algn="l" defTabSz="914400" rtl="0" eaLnBrk="1" latinLnBrk="0" hangingPunct="1">
+              <a:defRPr sz="1800" kern="1200">
+                <a:solidFill>
+                  <a:schemeClr val="tx1"/>
+                </a:solidFill>
+                <a:latin typeface="+mn-lt"/>
+                <a:ea typeface="+mn-ea"/>
+                <a:cs typeface="+mn-cs"/>
+              </a:defRPr>
+            </a:lvl6pPr>
+            <a:lvl7pPr marL="2743200" algn="l" defTabSz="914400" rtl="0" eaLnBrk="1" latinLnBrk="0" hangingPunct="1">
+              <a:defRPr sz="1800" kern="1200">
+                <a:solidFill>
+                  <a:schemeClr val="tx1"/>
+                </a:solidFill>
+                <a:latin typeface="+mn-lt"/>
+                <a:ea typeface="+mn-ea"/>
+                <a:cs typeface="+mn-cs"/>
+              </a:defRPr>
+            </a:lvl7pPr>
+            <a:lvl8pPr marL="3200400" algn="l" defTabSz="914400" rtl="0" eaLnBrk="1" latinLnBrk="0" hangingPunct="1">
+              <a:defRPr sz="1800" kern="1200">
+                <a:solidFill>
+                  <a:schemeClr val="tx1"/>
+                </a:solidFill>
+                <a:latin typeface="+mn-lt"/>
+                <a:ea typeface="+mn-ea"/>
+                <a:cs typeface="+mn-cs"/>
+              </a:defRPr>
+            </a:lvl8pPr>
+            <a:lvl9pPr marL="3657600" algn="l" defTabSz="914400" rtl="0" eaLnBrk="1" latinLnBrk="0" hangingPunct="1">
+              <a:defRPr sz="1800" kern="1200">
+                <a:solidFill>
+                  <a:schemeClr val="tx1"/>
+                </a:solidFill>
+                <a:latin typeface="+mn-lt"/>
+                <a:ea typeface="+mn-ea"/>
+                <a:cs typeface="+mn-cs"/>
+              </a:defRPr>
+            </a:lvl9pPr>
+          </a:lstStyle>
+          <a:p>
+            <a:pPr algn="ctr"/>
+            <a:fld id="{9F135CD2-3DB0-4302-AB2B-700846BC90E2}" type="slidenum">
+              <a:rPr lang="zh-TW" altLang="en-US" sz="1600" b="1" smtClean="0">
+                <a:latin typeface="Arial" panose="020B0604020202020204" pitchFamily="34" charset="0"/>
+                <a:ea typeface="微軟正黑體" panose="020B0604030504040204" pitchFamily="34" charset="-120"/>
+                <a:cs typeface="Arial" panose="020B0604020202020204" pitchFamily="34" charset="0"/>
+              </a:rPr>
+              <a:pPr algn="ctr"/>
+              <a:t>7</a:t>
+            </a:fld>
+            <a:endParaRPr lang="zh-TW" altLang="en-US" sz="1600" b="1" dirty="0">
+              <a:latin typeface="Arial" panose="020B0604020202020204" pitchFamily="34" charset="0"/>
+              <a:ea typeface="微軟正黑體" panose="020B0604030504040204" pitchFamily="34" charset="-120"/>
+              <a:cs typeface="Arial" panose="020B0604020202020204" pitchFamily="34" charset="0"/>
+            </a:endParaRPr>
+          </a:p>
+        </p:txBody>
+      </p:sp>
+      <p:sp>
+        <p:nvSpPr>
+          <p:cNvPr id="10" name="文字方塊 9"/>
+          <p:cNvSpPr txBox="1"/>
+          <p:nvPr/>
+        </p:nvSpPr>
+        <p:spPr>
+          <a:xfrm>
+            <a:off x="813962" y="421214"/>
+            <a:ext cx="1261884" cy="415498"/>
+          </a:xfrm>
+          <a:prstGeom prst="rect">
+            <a:avLst/>
+          </a:prstGeom>
+          <a:noFill/>
+        </p:spPr>
+        <p:txBody>
+          <a:bodyPr wrap="none" rtlCol="0">
+            <a:spAutoFit/>
+          </a:bodyPr>
+          <a:lstStyle/>
+          <a:p>
+            <a:r>
+              <a:rPr lang="zh-TW" altLang="en-US" sz="2100" b="1" dirty="0" smtClean="0">
+                <a:solidFill>
+                  <a:srgbClr val="E13763"/>
+                </a:solidFill>
+                <a:latin typeface="微軟正黑體" panose="020B0604030504040204" pitchFamily="34" charset="-120"/>
+                <a:ea typeface="微軟正黑體" panose="020B0604030504040204" pitchFamily="34" charset="-120"/>
+              </a:rPr>
+              <a:t>投影變形</a:t>
+            </a:r>
+            <a:endParaRPr lang="zh-TW" altLang="en-US" sz="2100" b="1" dirty="0">
               <a:solidFill>
-                <a:schemeClr val="bg1"/>
+                <a:srgbClr val="E13763"/>
               </a:solidFill>
               <a:latin typeface="微軟正黑體" panose="020B0604030504040204" pitchFamily="34" charset="-120"/>
               <a:ea typeface="微軟正黑體" panose="020B0604030504040204" pitchFamily="34" charset="-120"/>
             </a:endParaRPr>
+          </a:p>
+        </p:txBody>
+      </p:sp>
+      <p:sp>
+        <p:nvSpPr>
+          <p:cNvPr id="12" name="文字方塊 11"/>
+          <p:cNvSpPr txBox="1"/>
+          <p:nvPr/>
+        </p:nvSpPr>
+        <p:spPr>
+          <a:xfrm>
+            <a:off x="491075" y="1052736"/>
+            <a:ext cx="7787938" cy="507831"/>
+          </a:xfrm>
+          <a:prstGeom prst="rect">
+            <a:avLst/>
+          </a:prstGeom>
+          <a:noFill/>
+        </p:spPr>
+        <p:txBody>
+          <a:bodyPr wrap="square" rtlCol="0">
+            <a:spAutoFit/>
+          </a:bodyPr>
+          <a:lstStyle/>
+          <a:p>
+            <a:pPr>
+              <a:lnSpc>
+                <a:spcPct val="150000"/>
+              </a:lnSpc>
+            </a:pPr>
+            <a:r>
+              <a:rPr lang="en-US" altLang="zh-TW" dirty="0" err="1" smtClean="0">
+                <a:solidFill>
+                  <a:schemeClr val="bg1"/>
+                </a:solidFill>
+                <a:latin typeface="微軟正黑體" panose="020B0604030504040204" pitchFamily="34" charset="-120"/>
+                <a:ea typeface="微軟正黑體" panose="020B0604030504040204" pitchFamily="34" charset="-120"/>
+              </a:rPr>
+              <a:t>proj.setAxisY</a:t>
+            </a:r>
+            <a:r>
+              <a:rPr lang="en-US" altLang="zh-TW" dirty="0" smtClean="0">
+                <a:solidFill>
+                  <a:schemeClr val="bg1"/>
+                </a:solidFill>
+                <a:latin typeface="微軟正黑體" panose="020B0604030504040204" pitchFamily="34" charset="-120"/>
+                <a:ea typeface="微軟正黑體" panose="020B0604030504040204" pitchFamily="34" charset="-120"/>
+              </a:rPr>
+              <a:t>( </a:t>
+            </a:r>
+            <a:r>
+              <a:rPr lang="en-US" altLang="zh-TW" dirty="0" err="1">
+                <a:solidFill>
+                  <a:schemeClr val="bg1"/>
+                </a:solidFill>
+                <a:latin typeface="微軟正黑體" panose="020B0604030504040204" pitchFamily="34" charset="-120"/>
+                <a:ea typeface="微軟正黑體" panose="020B0604030504040204" pitchFamily="34" charset="-120"/>
+              </a:rPr>
+              <a:t>pos</a:t>
+            </a:r>
+            <a:r>
+              <a:rPr lang="en-US" altLang="zh-TW" dirty="0">
+                <a:solidFill>
+                  <a:schemeClr val="bg1"/>
+                </a:solidFill>
+                <a:latin typeface="微軟正黑體" panose="020B0604030504040204" pitchFamily="34" charset="-120"/>
+                <a:ea typeface="微軟正黑體" panose="020B0604030504040204" pitchFamily="34" charset="-120"/>
+              </a:rPr>
+              <a:t> , </a:t>
+            </a:r>
+            <a:r>
+              <a:rPr lang="en-US" altLang="zh-TW" dirty="0" smtClean="0">
+                <a:solidFill>
+                  <a:schemeClr val="bg1"/>
+                </a:solidFill>
+                <a:latin typeface="微軟正黑體" panose="020B0604030504040204" pitchFamily="34" charset="-120"/>
+                <a:ea typeface="微軟正黑體" panose="020B0604030504040204" pitchFamily="34" charset="-120"/>
+              </a:rPr>
+              <a:t>-1</a:t>
+            </a:r>
+            <a:r>
+              <a:rPr lang="zh-TW" altLang="en-US" dirty="0" smtClean="0">
+                <a:solidFill>
+                  <a:schemeClr val="bg1"/>
+                </a:solidFill>
+                <a:latin typeface="微軟正黑體" panose="020B0604030504040204" pitchFamily="34" charset="-120"/>
+                <a:ea typeface="微軟正黑體" panose="020B0604030504040204" pitchFamily="34" charset="-120"/>
+              </a:rPr>
+              <a:t> </a:t>
+            </a:r>
+            <a:r>
+              <a:rPr lang="en-US" altLang="zh-TW" dirty="0" smtClean="0">
+                <a:solidFill>
+                  <a:schemeClr val="bg1"/>
+                </a:solidFill>
+                <a:latin typeface="微軟正黑體" panose="020B0604030504040204" pitchFamily="34" charset="-120"/>
+                <a:ea typeface="微軟正黑體" panose="020B0604030504040204" pitchFamily="34" charset="-120"/>
+              </a:rPr>
+              <a:t>)</a:t>
+            </a:r>
+            <a:r>
+              <a:rPr lang="zh-TW" altLang="en-US" dirty="0">
+                <a:solidFill>
+                  <a:schemeClr val="bg1"/>
+                </a:solidFill>
+                <a:latin typeface="微軟正黑體" panose="020B0604030504040204" pitchFamily="34" charset="-120"/>
+                <a:ea typeface="微軟正黑體" panose="020B0604030504040204" pitchFamily="34" charset="-120"/>
+              </a:rPr>
+              <a:t> 　　</a:t>
+            </a:r>
+            <a:r>
+              <a:rPr lang="en-US" altLang="zh-TW" dirty="0">
+                <a:solidFill>
+                  <a:schemeClr val="bg1"/>
+                </a:solidFill>
+                <a:latin typeface="微軟正黑體" panose="020B0604030504040204" pitchFamily="34" charset="-120"/>
+                <a:ea typeface="微軟正黑體" panose="020B0604030504040204" pitchFamily="34" charset="-120"/>
+              </a:rPr>
+              <a:t>//</a:t>
+            </a:r>
+            <a:r>
+              <a:rPr lang="en-US" altLang="zh-TW" dirty="0" err="1">
+                <a:solidFill>
+                  <a:schemeClr val="bg1"/>
+                </a:solidFill>
+                <a:latin typeface="微軟正黑體" panose="020B0604030504040204" pitchFamily="34" charset="-120"/>
+                <a:ea typeface="微軟正黑體" panose="020B0604030504040204" pitchFamily="34" charset="-120"/>
+              </a:rPr>
+              <a:t>pos.x</a:t>
+            </a:r>
+            <a:r>
+              <a:rPr lang="en-US" altLang="zh-TW" dirty="0">
+                <a:solidFill>
+                  <a:schemeClr val="bg1"/>
+                </a:solidFill>
+                <a:latin typeface="微軟正黑體" panose="020B0604030504040204" pitchFamily="34" charset="-120"/>
+                <a:ea typeface="微軟正黑體" panose="020B0604030504040204" pitchFamily="34" charset="-120"/>
+              </a:rPr>
+              <a:t>, </a:t>
+            </a:r>
+            <a:r>
+              <a:rPr lang="en-US" altLang="zh-TW" dirty="0" err="1">
+                <a:solidFill>
+                  <a:schemeClr val="bg1"/>
+                </a:solidFill>
+                <a:latin typeface="微軟正黑體" panose="020B0604030504040204" pitchFamily="34" charset="-120"/>
+                <a:ea typeface="微軟正黑體" panose="020B0604030504040204" pitchFamily="34" charset="-120"/>
+              </a:rPr>
+              <a:t>pos.y</a:t>
+            </a:r>
+            <a:r>
+              <a:rPr lang="zh-TW" altLang="en-US" dirty="0">
+                <a:solidFill>
+                  <a:schemeClr val="bg1"/>
+                </a:solidFill>
+                <a:latin typeface="微軟正黑體" panose="020B0604030504040204" pitchFamily="34" charset="-120"/>
+                <a:ea typeface="微軟正黑體" panose="020B0604030504040204" pitchFamily="34" charset="-120"/>
+              </a:rPr>
+              <a:t>為紅</a:t>
+            </a:r>
+            <a:r>
+              <a:rPr lang="zh-TW" altLang="en-US" dirty="0" smtClean="0">
+                <a:solidFill>
+                  <a:schemeClr val="bg1"/>
+                </a:solidFill>
+                <a:latin typeface="微軟正黑體" panose="020B0604030504040204" pitchFamily="34" charset="-120"/>
+                <a:ea typeface="微軟正黑體" panose="020B0604030504040204" pitchFamily="34" charset="-120"/>
+              </a:rPr>
+              <a:t>點</a:t>
+            </a:r>
+            <a:r>
+              <a:rPr lang="en-US" altLang="zh-TW" dirty="0" smtClean="0">
+                <a:solidFill>
+                  <a:schemeClr val="bg1"/>
+                </a:solidFill>
+                <a:latin typeface="微軟正黑體" panose="020B0604030504040204" pitchFamily="34" charset="-120"/>
+                <a:ea typeface="微軟正黑體" panose="020B0604030504040204" pitchFamily="34" charset="-120"/>
+              </a:rPr>
+              <a:t>(</a:t>
+            </a:r>
+            <a:r>
+              <a:rPr lang="zh-TW" altLang="en-US" dirty="0" smtClean="0">
+                <a:solidFill>
+                  <a:schemeClr val="bg1"/>
+                </a:solidFill>
+                <a:latin typeface="微軟正黑體" panose="020B0604030504040204" pitchFamily="34" charset="-120"/>
+                <a:ea typeface="微軟正黑體" panose="020B0604030504040204" pitchFamily="34" charset="-120"/>
+              </a:rPr>
+              <a:t>投影點</a:t>
+            </a:r>
+            <a:r>
+              <a:rPr lang="en-US" altLang="zh-TW" dirty="0" smtClean="0">
+                <a:solidFill>
+                  <a:schemeClr val="bg1"/>
+                </a:solidFill>
+                <a:latin typeface="微軟正黑體" panose="020B0604030504040204" pitchFamily="34" charset="-120"/>
+                <a:ea typeface="微軟正黑體" panose="020B0604030504040204" pitchFamily="34" charset="-120"/>
+              </a:rPr>
+              <a:t>)</a:t>
+            </a:r>
+            <a:r>
+              <a:rPr lang="zh-TW" altLang="en-US" dirty="0" smtClean="0">
+                <a:solidFill>
+                  <a:schemeClr val="bg1"/>
+                </a:solidFill>
+                <a:latin typeface="微軟正黑體" panose="020B0604030504040204" pitchFamily="34" charset="-120"/>
+                <a:ea typeface="微軟正黑體" panose="020B0604030504040204" pitchFamily="34" charset="-120"/>
+              </a:rPr>
+              <a:t>中心座標</a:t>
+            </a:r>
+            <a:endParaRPr lang="en-US" altLang="zh-TW" dirty="0">
+              <a:solidFill>
+                <a:srgbClr val="24292E"/>
+              </a:solidFill>
+              <a:latin typeface="微軟正黑體" panose="020B0604030504040204" pitchFamily="34" charset="-120"/>
+              <a:ea typeface="微軟正黑體" panose="020B0604030504040204" pitchFamily="34" charset="-120"/>
+            </a:endParaRPr>
+          </a:p>
+        </p:txBody>
+      </p:sp>
+      <p:pic>
+        <p:nvPicPr>
+          <p:cNvPr id="2" name="圖片 1"/>
+          <p:cNvPicPr>
+            <a:picLocks noChangeAspect="1"/>
+          </p:cNvPicPr>
+          <p:nvPr/>
+        </p:nvPicPr>
+        <p:blipFill>
+          <a:blip r:embed="rId4">
+            <a:extLst>
+              <a:ext uri="{28A0092B-C50C-407E-A947-70E740481C1C}">
+                <a14:useLocalDpi xmlns:a14="http://schemas.microsoft.com/office/drawing/2010/main" val="0"/>
+              </a:ext>
+            </a:extLst>
+          </a:blip>
+          <a:stretch>
+            <a:fillRect/>
+          </a:stretch>
+        </p:blipFill>
+        <p:spPr>
+          <a:xfrm>
+            <a:off x="395536" y="1700808"/>
+            <a:ext cx="3696216" cy="4525006"/>
+          </a:xfrm>
+          <a:prstGeom prst="rect">
+            <a:avLst/>
+          </a:prstGeom>
+        </p:spPr>
+      </p:pic>
+      <p:sp>
+        <p:nvSpPr>
+          <p:cNvPr id="11" name="向右箭號 10"/>
+          <p:cNvSpPr/>
+          <p:nvPr/>
+        </p:nvSpPr>
+        <p:spPr>
+          <a:xfrm>
+            <a:off x="4295872" y="4005058"/>
+            <a:ext cx="360040" cy="288032"/>
+          </a:xfrm>
+          <a:prstGeom prst="rightArrow">
+            <a:avLst/>
+          </a:prstGeom>
+          <a:solidFill>
+            <a:srgbClr val="FF0000"/>
+          </a:solidFill>
+          <a:ln>
+            <a:noFill/>
+          </a:ln>
+        </p:spPr>
+        <p:style>
+          <a:lnRef idx="2">
+            <a:schemeClr val="accent1">
+              <a:shade val="50000"/>
+            </a:schemeClr>
+          </a:lnRef>
+          <a:fillRef idx="1">
+            <a:schemeClr val="accent1"/>
+          </a:fillRef>
+          <a:effectRef idx="0">
+            <a:schemeClr val="accent1"/>
+          </a:effectRef>
+          <a:fontRef idx="minor">
+            <a:schemeClr val="lt1"/>
+          </a:fontRef>
+        </p:style>
+        <p:txBody>
+          <a:bodyPr rtlCol="0" anchor="ctr"/>
+          <a:lstStyle/>
+          <a:p>
+            <a:pPr algn="ctr"/>
+            <a:endParaRPr lang="zh-TW" altLang="en-US"/>
+          </a:p>
+        </p:txBody>
+      </p:sp>
+      <p:pic>
+        <p:nvPicPr>
+          <p:cNvPr id="13" name="圖片 12"/>
+          <p:cNvPicPr>
+            <a:picLocks noChangeAspect="1"/>
+          </p:cNvPicPr>
+          <p:nvPr/>
+        </p:nvPicPr>
+        <p:blipFill>
+          <a:blip r:embed="rId5">
+            <a:extLst>
+              <a:ext uri="{28A0092B-C50C-407E-A947-70E740481C1C}">
+                <a14:useLocalDpi xmlns:a14="http://schemas.microsoft.com/office/drawing/2010/main" val="0"/>
+              </a:ext>
+            </a:extLst>
+          </a:blip>
+          <a:stretch>
+            <a:fillRect/>
+          </a:stretch>
+        </p:blipFill>
+        <p:spPr>
+          <a:xfrm>
+            <a:off x="4860032" y="1977071"/>
+            <a:ext cx="3591426" cy="4248743"/>
+          </a:xfrm>
+          <a:prstGeom prst="rect">
+            <a:avLst/>
+          </a:prstGeom>
+        </p:spPr>
+      </p:pic>
+    </p:spTree>
+    <p:extLst>
+      <p:ext uri="{BB962C8B-B14F-4D97-AF65-F5344CB8AC3E}">
+        <p14:creationId xmlns:p14="http://schemas.microsoft.com/office/powerpoint/2010/main" val="1780271982"/>
+      </p:ext>
+    </p:extLst>
+  </p:cSld>
+  <p:clrMapOvr>
+    <a:masterClrMapping/>
+  </p:clrMapOvr>
+  <mc:AlternateContent xmlns:mc="http://schemas.openxmlformats.org/markup-compatibility/2006" xmlns:p14="http://schemas.microsoft.com/office/powerpoint/2010/main">
+    <mc:Choice Requires="p14">
+      <p:transition spd="med" p14:dur="700">
+        <p:fade/>
+      </p:transition>
+    </mc:Choice>
+    <mc:Fallback xmlns="">
+      <p:transition spd="med">
+        <p:fade/>
+      </p:transition>
+    </mc:Fallback>
+  </mc:AlternateContent>
+  <p:timing>
+    <p:tnLst>
+      <p:par>
+        <p:cTn id="1" dur="indefinite" restart="never" nodeType="tmRoot"/>
+      </p:par>
+    </p:tnLst>
+  </p:timing>
+</p:sld>
+</file>
+
+<file path=ppt/slides/slide8.xml><?xml version="1.0" encoding="utf-8"?>
+<p:sld xmlns:a="http://schemas.openxmlformats.org/drawingml/2006/main" xmlns:r="http://schemas.openxmlformats.org/officeDocument/2006/relationships" xmlns:p="http://schemas.openxmlformats.org/presentationml/2006/main">
+  <p:cSld>
+    <p:bg>
+      <p:bgPr>
+        <a:blipFill dpi="0" rotWithShape="1">
+          <a:blip r:embed="rId3">
+            <a:lum/>
+          </a:blip>
+          <a:srcRect/>
+          <a:stretch>
+            <a:fillRect/>
+          </a:stretch>
+        </a:blipFill>
+        <a:effectLst/>
+      </p:bgPr>
+    </p:bg>
+    <p:spTree>
+      <p:nvGrpSpPr>
+        <p:cNvPr id="1" name=""/>
+        <p:cNvGrpSpPr/>
+        <p:nvPr/>
+      </p:nvGrpSpPr>
+      <p:grpSpPr>
+        <a:xfrm>
+          <a:off x="0" y="0"/>
+          <a:ext cx="0" cy="0"/>
+          <a:chOff x="0" y="0"/>
+          <a:chExt cx="0" cy="0"/>
+        </a:xfrm>
+      </p:grpSpPr>
+      <p:sp>
+        <p:nvSpPr>
+          <p:cNvPr id="3" name="文字方塊 2"/>
+          <p:cNvSpPr txBox="1"/>
+          <p:nvPr/>
+        </p:nvSpPr>
+        <p:spPr>
+          <a:xfrm>
+            <a:off x="216000" y="417210"/>
+            <a:ext cx="550151" cy="461665"/>
+          </a:xfrm>
+          <a:prstGeom prst="rect">
+            <a:avLst/>
+          </a:prstGeom>
+          <a:noFill/>
+        </p:spPr>
+        <p:txBody>
+          <a:bodyPr wrap="none" rtlCol="0">
+            <a:spAutoFit/>
+          </a:bodyPr>
+          <a:lstStyle/>
+          <a:p>
+            <a:pPr algn="ctr"/>
+            <a:r>
+              <a:rPr lang="en-US" altLang="zh-TW" sz="2400" b="1" i="1" dirty="0" smtClean="0">
+                <a:latin typeface="微軟正黑體" panose="020B0604030504040204" pitchFamily="34" charset="-120"/>
+                <a:ea typeface="微軟正黑體" panose="020B0604030504040204" pitchFamily="34" charset="-120"/>
+              </a:rPr>
+              <a:t>04</a:t>
+            </a:r>
+            <a:endParaRPr lang="zh-TW" altLang="en-US" sz="2400" b="1" i="1" dirty="0">
+              <a:latin typeface="微軟正黑體" panose="020B0604030504040204" pitchFamily="34" charset="-120"/>
+              <a:ea typeface="微軟正黑體" panose="020B0604030504040204" pitchFamily="34" charset="-120"/>
+            </a:endParaRPr>
+          </a:p>
+        </p:txBody>
+      </p:sp>
+      <p:sp>
+        <p:nvSpPr>
+          <p:cNvPr id="9" name="投影片編號版面配置區 7"/>
+          <p:cNvSpPr txBox="1">
+            <a:spLocks/>
+          </p:cNvSpPr>
+          <p:nvPr/>
+        </p:nvSpPr>
+        <p:spPr>
+          <a:xfrm>
+            <a:off x="8684388" y="6381328"/>
+            <a:ext cx="432048" cy="365125"/>
+          </a:xfrm>
+          <a:prstGeom prst="rect">
+            <a:avLst/>
+          </a:prstGeom>
+        </p:spPr>
+        <p:txBody>
+          <a:bodyPr vert="horz" lIns="91440" tIns="45720" rIns="91440" bIns="45720" rtlCol="0" anchor="ctr"/>
+          <a:lstStyle>
+            <a:defPPr>
+              <a:defRPr lang="zh-TW"/>
+            </a:defPPr>
+            <a:lvl1pPr marL="0" algn="r" defTabSz="914400" rtl="0" eaLnBrk="1" latinLnBrk="0" hangingPunct="1">
+              <a:defRPr sz="1200" kern="1200">
+                <a:solidFill>
+                  <a:schemeClr val="tx1">
+                    <a:tint val="75000"/>
+                  </a:schemeClr>
+                </a:solidFill>
+                <a:latin typeface="+mn-lt"/>
+                <a:ea typeface="+mn-ea"/>
+                <a:cs typeface="+mn-cs"/>
+              </a:defRPr>
+            </a:lvl1pPr>
+            <a:lvl2pPr marL="457200" algn="l" defTabSz="914400" rtl="0" eaLnBrk="1" latinLnBrk="0" hangingPunct="1">
+              <a:defRPr sz="1800" kern="1200">
+                <a:solidFill>
+                  <a:schemeClr val="tx1"/>
+                </a:solidFill>
+                <a:latin typeface="+mn-lt"/>
+                <a:ea typeface="+mn-ea"/>
+                <a:cs typeface="+mn-cs"/>
+              </a:defRPr>
+            </a:lvl2pPr>
+            <a:lvl3pPr marL="914400" algn="l" defTabSz="914400" rtl="0" eaLnBrk="1" latinLnBrk="0" hangingPunct="1">
+              <a:defRPr sz="1800" kern="1200">
+                <a:solidFill>
+                  <a:schemeClr val="tx1"/>
+                </a:solidFill>
+                <a:latin typeface="+mn-lt"/>
+                <a:ea typeface="+mn-ea"/>
+                <a:cs typeface="+mn-cs"/>
+              </a:defRPr>
+            </a:lvl3pPr>
+            <a:lvl4pPr marL="1371600" algn="l" defTabSz="914400" rtl="0" eaLnBrk="1" latinLnBrk="0" hangingPunct="1">
+              <a:defRPr sz="1800" kern="1200">
+                <a:solidFill>
+                  <a:schemeClr val="tx1"/>
+                </a:solidFill>
+                <a:latin typeface="+mn-lt"/>
+                <a:ea typeface="+mn-ea"/>
+                <a:cs typeface="+mn-cs"/>
+              </a:defRPr>
+            </a:lvl4pPr>
+            <a:lvl5pPr marL="1828800" algn="l" defTabSz="914400" rtl="0" eaLnBrk="1" latinLnBrk="0" hangingPunct="1">
+              <a:defRPr sz="1800" kern="1200">
+                <a:solidFill>
+                  <a:schemeClr val="tx1"/>
+                </a:solidFill>
+                <a:latin typeface="+mn-lt"/>
+                <a:ea typeface="+mn-ea"/>
+                <a:cs typeface="+mn-cs"/>
+              </a:defRPr>
+            </a:lvl5pPr>
+            <a:lvl6pPr marL="2286000" algn="l" defTabSz="914400" rtl="0" eaLnBrk="1" latinLnBrk="0" hangingPunct="1">
+              <a:defRPr sz="1800" kern="1200">
+                <a:solidFill>
+                  <a:schemeClr val="tx1"/>
+                </a:solidFill>
+                <a:latin typeface="+mn-lt"/>
+                <a:ea typeface="+mn-ea"/>
+                <a:cs typeface="+mn-cs"/>
+              </a:defRPr>
+            </a:lvl6pPr>
+            <a:lvl7pPr marL="2743200" algn="l" defTabSz="914400" rtl="0" eaLnBrk="1" latinLnBrk="0" hangingPunct="1">
+              <a:defRPr sz="1800" kern="1200">
+                <a:solidFill>
+                  <a:schemeClr val="tx1"/>
+                </a:solidFill>
+                <a:latin typeface="+mn-lt"/>
+                <a:ea typeface="+mn-ea"/>
+                <a:cs typeface="+mn-cs"/>
+              </a:defRPr>
+            </a:lvl7pPr>
+            <a:lvl8pPr marL="3200400" algn="l" defTabSz="914400" rtl="0" eaLnBrk="1" latinLnBrk="0" hangingPunct="1">
+              <a:defRPr sz="1800" kern="1200">
+                <a:solidFill>
+                  <a:schemeClr val="tx1"/>
+                </a:solidFill>
+                <a:latin typeface="+mn-lt"/>
+                <a:ea typeface="+mn-ea"/>
+                <a:cs typeface="+mn-cs"/>
+              </a:defRPr>
+            </a:lvl8pPr>
+            <a:lvl9pPr marL="3657600" algn="l" defTabSz="914400" rtl="0" eaLnBrk="1" latinLnBrk="0" hangingPunct="1">
+              <a:defRPr sz="1800" kern="1200">
+                <a:solidFill>
+                  <a:schemeClr val="tx1"/>
+                </a:solidFill>
+                <a:latin typeface="+mn-lt"/>
+                <a:ea typeface="+mn-ea"/>
+                <a:cs typeface="+mn-cs"/>
+              </a:defRPr>
+            </a:lvl9pPr>
+          </a:lstStyle>
+          <a:p>
+            <a:pPr algn="ctr"/>
+            <a:fld id="{9F135CD2-3DB0-4302-AB2B-700846BC90E2}" type="slidenum">
+              <a:rPr lang="zh-TW" altLang="en-US" sz="1600" b="1" smtClean="0">
+                <a:latin typeface="Arial" panose="020B0604020202020204" pitchFamily="34" charset="0"/>
+                <a:ea typeface="微軟正黑體" panose="020B0604030504040204" pitchFamily="34" charset="-120"/>
+                <a:cs typeface="Arial" panose="020B0604020202020204" pitchFamily="34" charset="0"/>
+              </a:rPr>
+              <a:pPr algn="ctr"/>
+              <a:t>8</a:t>
+            </a:fld>
+            <a:endParaRPr lang="zh-TW" altLang="en-US" sz="1600" b="1" dirty="0">
+              <a:latin typeface="Arial" panose="020B0604020202020204" pitchFamily="34" charset="0"/>
+              <a:ea typeface="微軟正黑體" panose="020B0604030504040204" pitchFamily="34" charset="-120"/>
+              <a:cs typeface="Arial" panose="020B0604020202020204" pitchFamily="34" charset="0"/>
+            </a:endParaRPr>
+          </a:p>
+        </p:txBody>
+      </p:sp>
+      <p:sp>
+        <p:nvSpPr>
+          <p:cNvPr id="10" name="文字方塊 9"/>
+          <p:cNvSpPr txBox="1"/>
+          <p:nvPr/>
+        </p:nvSpPr>
+        <p:spPr>
+          <a:xfrm>
+            <a:off x="813962" y="421214"/>
+            <a:ext cx="1261884" cy="415498"/>
+          </a:xfrm>
+          <a:prstGeom prst="rect">
+            <a:avLst/>
+          </a:prstGeom>
+          <a:noFill/>
+        </p:spPr>
+        <p:txBody>
+          <a:bodyPr wrap="none" rtlCol="0">
+            <a:spAutoFit/>
+          </a:bodyPr>
+          <a:lstStyle/>
+          <a:p>
+            <a:r>
+              <a:rPr lang="zh-TW" altLang="en-US" sz="2100" b="1" dirty="0" smtClean="0">
+                <a:solidFill>
+                  <a:srgbClr val="E13763"/>
+                </a:solidFill>
+                <a:latin typeface="微軟正黑體" panose="020B0604030504040204" pitchFamily="34" charset="-120"/>
+                <a:ea typeface="微軟正黑體" panose="020B0604030504040204" pitchFamily="34" charset="-120"/>
+              </a:rPr>
+              <a:t>投影變形</a:t>
+            </a:r>
+            <a:endParaRPr lang="zh-TW" altLang="en-US" sz="2100" b="1" dirty="0">
+              <a:solidFill>
+                <a:srgbClr val="E13763"/>
+              </a:solidFill>
+              <a:latin typeface="微軟正黑體" panose="020B0604030504040204" pitchFamily="34" charset="-120"/>
+              <a:ea typeface="微軟正黑體" panose="020B0604030504040204" pitchFamily="34" charset="-120"/>
+            </a:endParaRPr>
+          </a:p>
+        </p:txBody>
+      </p:sp>
+      <p:sp>
+        <p:nvSpPr>
+          <p:cNvPr id="12" name="文字方塊 11"/>
+          <p:cNvSpPr txBox="1"/>
+          <p:nvPr/>
+        </p:nvSpPr>
+        <p:spPr>
+          <a:xfrm>
+            <a:off x="491075" y="1052736"/>
+            <a:ext cx="7787938" cy="507831"/>
+          </a:xfrm>
+          <a:prstGeom prst="rect">
+            <a:avLst/>
+          </a:prstGeom>
+          <a:noFill/>
+        </p:spPr>
+        <p:txBody>
+          <a:bodyPr wrap="square" rtlCol="0">
+            <a:spAutoFit/>
+          </a:bodyPr>
+          <a:lstStyle/>
+          <a:p>
+            <a:pPr>
+              <a:lnSpc>
+                <a:spcPct val="150000"/>
+              </a:lnSpc>
+            </a:pPr>
+            <a:r>
+              <a:rPr lang="en-US" altLang="zh-TW" dirty="0" err="1" smtClean="0">
+                <a:solidFill>
+                  <a:schemeClr val="bg1"/>
+                </a:solidFill>
+                <a:latin typeface="微軟正黑體" panose="020B0604030504040204" pitchFamily="34" charset="-120"/>
+                <a:ea typeface="微軟正黑體" panose="020B0604030504040204" pitchFamily="34" charset="-120"/>
+              </a:rPr>
+              <a:t>proj.setAxisY</a:t>
+            </a:r>
+            <a:r>
+              <a:rPr lang="en-US" altLang="zh-TW" dirty="0" smtClean="0">
+                <a:solidFill>
+                  <a:schemeClr val="bg1"/>
+                </a:solidFill>
+                <a:latin typeface="微軟正黑體" panose="020B0604030504040204" pitchFamily="34" charset="-120"/>
+                <a:ea typeface="微軟正黑體" panose="020B0604030504040204" pitchFamily="34" charset="-120"/>
+              </a:rPr>
+              <a:t>( -</a:t>
+            </a:r>
+            <a:r>
+              <a:rPr lang="en-US" altLang="zh-TW" dirty="0" err="1" smtClean="0">
+                <a:solidFill>
+                  <a:schemeClr val="bg1"/>
+                </a:solidFill>
+                <a:latin typeface="微軟正黑體" panose="020B0604030504040204" pitchFamily="34" charset="-120"/>
+                <a:ea typeface="微軟正黑體" panose="020B0604030504040204" pitchFamily="34" charset="-120"/>
+              </a:rPr>
+              <a:t>pos</a:t>
+            </a:r>
+            <a:r>
+              <a:rPr lang="en-US" altLang="zh-TW" dirty="0" smtClean="0">
+                <a:solidFill>
+                  <a:schemeClr val="bg1"/>
+                </a:solidFill>
+                <a:latin typeface="微軟正黑體" panose="020B0604030504040204" pitchFamily="34" charset="-120"/>
+                <a:ea typeface="微軟正黑體" panose="020B0604030504040204" pitchFamily="34" charset="-120"/>
+              </a:rPr>
+              <a:t> </a:t>
+            </a:r>
+            <a:r>
+              <a:rPr lang="en-US" altLang="zh-TW" dirty="0">
+                <a:solidFill>
+                  <a:schemeClr val="bg1"/>
+                </a:solidFill>
+                <a:latin typeface="微軟正黑體" panose="020B0604030504040204" pitchFamily="34" charset="-120"/>
+                <a:ea typeface="微軟正黑體" panose="020B0604030504040204" pitchFamily="34" charset="-120"/>
+              </a:rPr>
+              <a:t>, </a:t>
+            </a:r>
+            <a:r>
+              <a:rPr lang="en-US" altLang="zh-TW" dirty="0" smtClean="0">
+                <a:solidFill>
+                  <a:schemeClr val="bg1"/>
+                </a:solidFill>
+                <a:latin typeface="微軟正黑體" panose="020B0604030504040204" pitchFamily="34" charset="-120"/>
+                <a:ea typeface="微軟正黑體" panose="020B0604030504040204" pitchFamily="34" charset="-120"/>
+              </a:rPr>
+              <a:t>1</a:t>
+            </a:r>
+            <a:r>
+              <a:rPr lang="zh-TW" altLang="en-US" dirty="0" smtClean="0">
+                <a:solidFill>
+                  <a:schemeClr val="bg1"/>
+                </a:solidFill>
+                <a:latin typeface="微軟正黑體" panose="020B0604030504040204" pitchFamily="34" charset="-120"/>
+                <a:ea typeface="微軟正黑體" panose="020B0604030504040204" pitchFamily="34" charset="-120"/>
+              </a:rPr>
+              <a:t> </a:t>
+            </a:r>
+            <a:r>
+              <a:rPr lang="en-US" altLang="zh-TW" dirty="0" smtClean="0">
+                <a:solidFill>
+                  <a:schemeClr val="bg1"/>
+                </a:solidFill>
+                <a:latin typeface="微軟正黑體" panose="020B0604030504040204" pitchFamily="34" charset="-120"/>
+                <a:ea typeface="微軟正黑體" panose="020B0604030504040204" pitchFamily="34" charset="-120"/>
+              </a:rPr>
+              <a:t>)</a:t>
+            </a:r>
+            <a:r>
+              <a:rPr lang="zh-TW" altLang="en-US" dirty="0">
+                <a:solidFill>
+                  <a:schemeClr val="bg1"/>
+                </a:solidFill>
+                <a:latin typeface="微軟正黑體" panose="020B0604030504040204" pitchFamily="34" charset="-120"/>
+                <a:ea typeface="微軟正黑體" panose="020B0604030504040204" pitchFamily="34" charset="-120"/>
+              </a:rPr>
+              <a:t> 　　</a:t>
+            </a:r>
+            <a:r>
+              <a:rPr lang="en-US" altLang="zh-TW" dirty="0" smtClean="0">
+                <a:solidFill>
+                  <a:schemeClr val="bg1"/>
+                </a:solidFill>
+                <a:latin typeface="微軟正黑體" panose="020B0604030504040204" pitchFamily="34" charset="-120"/>
+                <a:ea typeface="微軟正黑體" panose="020B0604030504040204" pitchFamily="34" charset="-120"/>
+              </a:rPr>
+              <a:t>//-</a:t>
+            </a:r>
+            <a:r>
+              <a:rPr lang="en-US" altLang="zh-TW" dirty="0" err="1" smtClean="0">
+                <a:solidFill>
+                  <a:schemeClr val="bg1"/>
+                </a:solidFill>
+                <a:latin typeface="微軟正黑體" panose="020B0604030504040204" pitchFamily="34" charset="-120"/>
+                <a:ea typeface="微軟正黑體" panose="020B0604030504040204" pitchFamily="34" charset="-120"/>
+              </a:rPr>
+              <a:t>pos</a:t>
+            </a:r>
+            <a:r>
+              <a:rPr lang="zh-TW" altLang="en-US" dirty="0" smtClean="0">
+                <a:solidFill>
+                  <a:schemeClr val="bg1"/>
+                </a:solidFill>
+                <a:latin typeface="微軟正黑體" panose="020B0604030504040204" pitchFamily="34" charset="-120"/>
+                <a:ea typeface="微軟正黑體" panose="020B0604030504040204" pitchFamily="34" charset="-120"/>
+              </a:rPr>
+              <a:t>實際為</a:t>
+            </a:r>
+            <a:r>
+              <a:rPr lang="en-US" altLang="zh-TW" dirty="0" smtClean="0">
+                <a:solidFill>
+                  <a:schemeClr val="bg1"/>
+                </a:solidFill>
+                <a:latin typeface="微軟正黑體" panose="020B0604030504040204" pitchFamily="34" charset="-120"/>
+                <a:ea typeface="微軟正黑體" panose="020B0604030504040204" pitchFamily="34" charset="-120"/>
+              </a:rPr>
+              <a:t>-</a:t>
+            </a:r>
+            <a:r>
+              <a:rPr lang="en-US" altLang="zh-TW" dirty="0" err="1" smtClean="0">
+                <a:solidFill>
+                  <a:schemeClr val="bg1"/>
+                </a:solidFill>
+                <a:latin typeface="微軟正黑體" panose="020B0604030504040204" pitchFamily="34" charset="-120"/>
+                <a:ea typeface="微軟正黑體" panose="020B0604030504040204" pitchFamily="34" charset="-120"/>
+              </a:rPr>
+              <a:t>pos.x</a:t>
+            </a:r>
+            <a:r>
+              <a:rPr lang="en-US" altLang="zh-TW" dirty="0">
+                <a:solidFill>
+                  <a:schemeClr val="bg1"/>
+                </a:solidFill>
+                <a:latin typeface="微軟正黑體" panose="020B0604030504040204" pitchFamily="34" charset="-120"/>
+                <a:ea typeface="微軟正黑體" panose="020B0604030504040204" pitchFamily="34" charset="-120"/>
+              </a:rPr>
+              <a:t>, </a:t>
+            </a:r>
+            <a:r>
+              <a:rPr lang="en-US" altLang="zh-TW" dirty="0" smtClean="0">
+                <a:solidFill>
+                  <a:schemeClr val="bg1"/>
+                </a:solidFill>
+                <a:latin typeface="微軟正黑體" panose="020B0604030504040204" pitchFamily="34" charset="-120"/>
+                <a:ea typeface="微軟正黑體" panose="020B0604030504040204" pitchFamily="34" charset="-120"/>
+              </a:rPr>
+              <a:t>-</a:t>
+            </a:r>
+            <a:r>
+              <a:rPr lang="en-US" altLang="zh-TW" dirty="0" err="1" smtClean="0">
+                <a:solidFill>
+                  <a:schemeClr val="bg1"/>
+                </a:solidFill>
+                <a:latin typeface="微軟正黑體" panose="020B0604030504040204" pitchFamily="34" charset="-120"/>
+                <a:ea typeface="微軟正黑體" panose="020B0604030504040204" pitchFamily="34" charset="-120"/>
+              </a:rPr>
+              <a:t>pos.y</a:t>
+            </a:r>
+            <a:endParaRPr lang="en-US" altLang="zh-TW" dirty="0">
+              <a:solidFill>
+                <a:srgbClr val="24292E"/>
+              </a:solidFill>
+              <a:latin typeface="微軟正黑體" panose="020B0604030504040204" pitchFamily="34" charset="-120"/>
+              <a:ea typeface="微軟正黑體" panose="020B0604030504040204" pitchFamily="34" charset="-120"/>
+            </a:endParaRPr>
+          </a:p>
+        </p:txBody>
+      </p:sp>
+      <p:pic>
+        <p:nvPicPr>
+          <p:cNvPr id="2" name="圖片 1"/>
+          <p:cNvPicPr>
+            <a:picLocks noChangeAspect="1"/>
+          </p:cNvPicPr>
+          <p:nvPr/>
+        </p:nvPicPr>
+        <p:blipFill>
+          <a:blip r:embed="rId4">
+            <a:extLst>
+              <a:ext uri="{28A0092B-C50C-407E-A947-70E740481C1C}">
+                <a14:useLocalDpi xmlns:a14="http://schemas.microsoft.com/office/drawing/2010/main" val="0"/>
+              </a:ext>
+            </a:extLst>
+          </a:blip>
+          <a:stretch>
+            <a:fillRect/>
+          </a:stretch>
+        </p:blipFill>
+        <p:spPr>
+          <a:xfrm>
+            <a:off x="395536" y="1700808"/>
+            <a:ext cx="3696216" cy="4525006"/>
+          </a:xfrm>
+          <a:prstGeom prst="rect">
+            <a:avLst/>
+          </a:prstGeom>
+        </p:spPr>
+      </p:pic>
+      <p:sp>
+        <p:nvSpPr>
+          <p:cNvPr id="11" name="向右箭號 10"/>
+          <p:cNvSpPr/>
+          <p:nvPr/>
+        </p:nvSpPr>
+        <p:spPr>
+          <a:xfrm>
+            <a:off x="4295872" y="4005058"/>
+            <a:ext cx="360040" cy="288032"/>
+          </a:xfrm>
+          <a:prstGeom prst="rightArrow">
+            <a:avLst/>
+          </a:prstGeom>
+          <a:solidFill>
+            <a:srgbClr val="FF0000"/>
+          </a:solidFill>
+          <a:ln>
+            <a:noFill/>
+          </a:ln>
+        </p:spPr>
+        <p:style>
+          <a:lnRef idx="2">
+            <a:schemeClr val="accent1">
+              <a:shade val="50000"/>
+            </a:schemeClr>
+          </a:lnRef>
+          <a:fillRef idx="1">
+            <a:schemeClr val="accent1"/>
+          </a:fillRef>
+          <a:effectRef idx="0">
+            <a:schemeClr val="accent1"/>
+          </a:effectRef>
+          <a:fontRef idx="minor">
+            <a:schemeClr val="lt1"/>
+          </a:fontRef>
+        </p:style>
+        <p:txBody>
+          <a:bodyPr rtlCol="0" anchor="ctr"/>
+          <a:lstStyle/>
+          <a:p>
+            <a:pPr algn="ctr"/>
+            <a:endParaRPr lang="zh-TW" altLang="en-US"/>
+          </a:p>
+        </p:txBody>
+      </p:sp>
+      <p:pic>
+        <p:nvPicPr>
+          <p:cNvPr id="14" name="圖片 13"/>
+          <p:cNvPicPr>
+            <a:picLocks noChangeAspect="1"/>
+          </p:cNvPicPr>
+          <p:nvPr/>
+        </p:nvPicPr>
+        <p:blipFill rotWithShape="1">
+          <a:blip r:embed="rId5">
+            <a:extLst>
+              <a:ext uri="{28A0092B-C50C-407E-A947-70E740481C1C}">
+                <a14:useLocalDpi xmlns:a14="http://schemas.microsoft.com/office/drawing/2010/main" val="0"/>
+              </a:ext>
+            </a:extLst>
+          </a:blip>
+          <a:srcRect l="11248" t="4907" r="13012"/>
+          <a:stretch/>
+        </p:blipFill>
+        <p:spPr>
+          <a:xfrm>
+            <a:off x="4802084" y="1506161"/>
+            <a:ext cx="3600401" cy="4719653"/>
+          </a:xfrm>
+          <a:prstGeom prst="rect">
+            <a:avLst/>
+          </a:prstGeom>
+        </p:spPr>
+      </p:pic>
+    </p:spTree>
+    <p:extLst>
+      <p:ext uri="{BB962C8B-B14F-4D97-AF65-F5344CB8AC3E}">
+        <p14:creationId xmlns:p14="http://schemas.microsoft.com/office/powerpoint/2010/main" val="921413111"/>
+      </p:ext>
+    </p:extLst>
+  </p:cSld>
+  <p:clrMapOvr>
+    <a:masterClrMapping/>
+  </p:clrMapOvr>
+  <mc:AlternateContent xmlns:mc="http://schemas.openxmlformats.org/markup-compatibility/2006" xmlns:p14="http://schemas.microsoft.com/office/powerpoint/2010/main">
+    <mc:Choice Requires="p14">
+      <p:transition spd="med" p14:dur="700">
+        <p:fade/>
+      </p:transition>
+    </mc:Choice>
+    <mc:Fallback xmlns="">
+      <p:transition spd="med">
+        <p:fade/>
+      </p:transition>
+    </mc:Fallback>
+  </mc:AlternateContent>
+  <p:timing>
+    <p:tnLst>
+      <p:par>
+        <p:cTn id="1" dur="indefinite" restart="never" nodeType="tmRoot"/>
+      </p:par>
+    </p:tnLst>
+  </p:timing>
+</p:sld>
+</file>
+
+<file path=ppt/slides/slide9.xml><?xml version="1.0" encoding="utf-8"?>
+<p:sld xmlns:a="http://schemas.openxmlformats.org/drawingml/2006/main" xmlns:r="http://schemas.openxmlformats.org/officeDocument/2006/relationships" xmlns:p="http://schemas.openxmlformats.org/presentationml/2006/main">
+  <p:cSld>
+    <p:bg>
+      <p:bgPr>
+        <a:blipFill dpi="0" rotWithShape="1">
+          <a:blip r:embed="rId3">
+            <a:lum/>
+          </a:blip>
+          <a:srcRect/>
+          <a:stretch>
+            <a:fillRect/>
+          </a:stretch>
+        </a:blipFill>
+        <a:effectLst/>
+      </p:bgPr>
+    </p:bg>
+    <p:spTree>
+      <p:nvGrpSpPr>
+        <p:cNvPr id="1" name=""/>
+        <p:cNvGrpSpPr/>
+        <p:nvPr/>
+      </p:nvGrpSpPr>
+      <p:grpSpPr>
+        <a:xfrm>
+          <a:off x="0" y="0"/>
+          <a:ext cx="0" cy="0"/>
+          <a:chOff x="0" y="0"/>
+          <a:chExt cx="0" cy="0"/>
+        </a:xfrm>
+      </p:grpSpPr>
+      <p:sp>
+        <p:nvSpPr>
+          <p:cNvPr id="3" name="文字方塊 2"/>
+          <p:cNvSpPr txBox="1"/>
+          <p:nvPr/>
+        </p:nvSpPr>
+        <p:spPr>
+          <a:xfrm>
+            <a:off x="216000" y="417210"/>
+            <a:ext cx="550151" cy="461665"/>
+          </a:xfrm>
+          <a:prstGeom prst="rect">
+            <a:avLst/>
+          </a:prstGeom>
+          <a:noFill/>
+        </p:spPr>
+        <p:txBody>
+          <a:bodyPr wrap="none" rtlCol="0">
+            <a:spAutoFit/>
+          </a:bodyPr>
+          <a:lstStyle/>
+          <a:p>
+            <a:pPr algn="ctr"/>
+            <a:r>
+              <a:rPr lang="en-US" altLang="zh-TW" sz="2400" b="1" i="1" dirty="0" smtClean="0">
+                <a:latin typeface="微軟正黑體" panose="020B0604030504040204" pitchFamily="34" charset="-120"/>
+                <a:ea typeface="微軟正黑體" panose="020B0604030504040204" pitchFamily="34" charset="-120"/>
+              </a:rPr>
+              <a:t>04</a:t>
+            </a:r>
+            <a:endParaRPr lang="zh-TW" altLang="en-US" sz="2400" b="1" i="1" dirty="0">
+              <a:latin typeface="微軟正黑體" panose="020B0604030504040204" pitchFamily="34" charset="-120"/>
+              <a:ea typeface="微軟正黑體" panose="020B0604030504040204" pitchFamily="34" charset="-120"/>
+            </a:endParaRPr>
+          </a:p>
+        </p:txBody>
+      </p:sp>
+      <p:sp>
+        <p:nvSpPr>
+          <p:cNvPr id="9" name="投影片編號版面配置區 7"/>
+          <p:cNvSpPr txBox="1">
+            <a:spLocks/>
+          </p:cNvSpPr>
+          <p:nvPr/>
+        </p:nvSpPr>
+        <p:spPr>
+          <a:xfrm>
+            <a:off x="8684388" y="6381328"/>
+            <a:ext cx="432048" cy="365125"/>
+          </a:xfrm>
+          <a:prstGeom prst="rect">
+            <a:avLst/>
+          </a:prstGeom>
+        </p:spPr>
+        <p:txBody>
+          <a:bodyPr vert="horz" lIns="91440" tIns="45720" rIns="91440" bIns="45720" rtlCol="0" anchor="ctr"/>
+          <a:lstStyle>
+            <a:defPPr>
+              <a:defRPr lang="zh-TW"/>
+            </a:defPPr>
+            <a:lvl1pPr marL="0" algn="r" defTabSz="914400" rtl="0" eaLnBrk="1" latinLnBrk="0" hangingPunct="1">
+              <a:defRPr sz="1200" kern="1200">
+                <a:solidFill>
+                  <a:schemeClr val="tx1">
+                    <a:tint val="75000"/>
+                  </a:schemeClr>
+                </a:solidFill>
+                <a:latin typeface="+mn-lt"/>
+                <a:ea typeface="+mn-ea"/>
+                <a:cs typeface="+mn-cs"/>
+              </a:defRPr>
+            </a:lvl1pPr>
+            <a:lvl2pPr marL="457200" algn="l" defTabSz="914400" rtl="0" eaLnBrk="1" latinLnBrk="0" hangingPunct="1">
+              <a:defRPr sz="1800" kern="1200">
+                <a:solidFill>
+                  <a:schemeClr val="tx1"/>
+                </a:solidFill>
+                <a:latin typeface="+mn-lt"/>
+                <a:ea typeface="+mn-ea"/>
+                <a:cs typeface="+mn-cs"/>
+              </a:defRPr>
+            </a:lvl2pPr>
+            <a:lvl3pPr marL="914400" algn="l" defTabSz="914400" rtl="0" eaLnBrk="1" latinLnBrk="0" hangingPunct="1">
+              <a:defRPr sz="1800" kern="1200">
+                <a:solidFill>
+                  <a:schemeClr val="tx1"/>
+                </a:solidFill>
+                <a:latin typeface="+mn-lt"/>
+                <a:ea typeface="+mn-ea"/>
+                <a:cs typeface="+mn-cs"/>
+              </a:defRPr>
+            </a:lvl3pPr>
+            <a:lvl4pPr marL="1371600" algn="l" defTabSz="914400" rtl="0" eaLnBrk="1" latinLnBrk="0" hangingPunct="1">
+              <a:defRPr sz="1800" kern="1200">
+                <a:solidFill>
+                  <a:schemeClr val="tx1"/>
+                </a:solidFill>
+                <a:latin typeface="+mn-lt"/>
+                <a:ea typeface="+mn-ea"/>
+                <a:cs typeface="+mn-cs"/>
+              </a:defRPr>
+            </a:lvl4pPr>
+            <a:lvl5pPr marL="1828800" algn="l" defTabSz="914400" rtl="0" eaLnBrk="1" latinLnBrk="0" hangingPunct="1">
+              <a:defRPr sz="1800" kern="1200">
+                <a:solidFill>
+                  <a:schemeClr val="tx1"/>
+                </a:solidFill>
+                <a:latin typeface="+mn-lt"/>
+                <a:ea typeface="+mn-ea"/>
+                <a:cs typeface="+mn-cs"/>
+              </a:defRPr>
+            </a:lvl5pPr>
+            <a:lvl6pPr marL="2286000" algn="l" defTabSz="914400" rtl="0" eaLnBrk="1" latinLnBrk="0" hangingPunct="1">
+              <a:defRPr sz="1800" kern="1200">
+                <a:solidFill>
+                  <a:schemeClr val="tx1"/>
+                </a:solidFill>
+                <a:latin typeface="+mn-lt"/>
+                <a:ea typeface="+mn-ea"/>
+                <a:cs typeface="+mn-cs"/>
+              </a:defRPr>
+            </a:lvl6pPr>
+            <a:lvl7pPr marL="2743200" algn="l" defTabSz="914400" rtl="0" eaLnBrk="1" latinLnBrk="0" hangingPunct="1">
+              <a:defRPr sz="1800" kern="1200">
+                <a:solidFill>
+                  <a:schemeClr val="tx1"/>
+                </a:solidFill>
+                <a:latin typeface="+mn-lt"/>
+                <a:ea typeface="+mn-ea"/>
+                <a:cs typeface="+mn-cs"/>
+              </a:defRPr>
+            </a:lvl7pPr>
+            <a:lvl8pPr marL="3200400" algn="l" defTabSz="914400" rtl="0" eaLnBrk="1" latinLnBrk="0" hangingPunct="1">
+              <a:defRPr sz="1800" kern="1200">
+                <a:solidFill>
+                  <a:schemeClr val="tx1"/>
+                </a:solidFill>
+                <a:latin typeface="+mn-lt"/>
+                <a:ea typeface="+mn-ea"/>
+                <a:cs typeface="+mn-cs"/>
+              </a:defRPr>
+            </a:lvl8pPr>
+            <a:lvl9pPr marL="3657600" algn="l" defTabSz="914400" rtl="0" eaLnBrk="1" latinLnBrk="0" hangingPunct="1">
+              <a:defRPr sz="1800" kern="1200">
+                <a:solidFill>
+                  <a:schemeClr val="tx1"/>
+                </a:solidFill>
+                <a:latin typeface="+mn-lt"/>
+                <a:ea typeface="+mn-ea"/>
+                <a:cs typeface="+mn-cs"/>
+              </a:defRPr>
+            </a:lvl9pPr>
+          </a:lstStyle>
+          <a:p>
+            <a:pPr algn="ctr"/>
+            <a:fld id="{9F135CD2-3DB0-4302-AB2B-700846BC90E2}" type="slidenum">
+              <a:rPr lang="zh-TW" altLang="en-US" sz="1600" b="1" smtClean="0">
+                <a:latin typeface="Arial" panose="020B0604020202020204" pitchFamily="34" charset="0"/>
+                <a:ea typeface="微軟正黑體" panose="020B0604030504040204" pitchFamily="34" charset="-120"/>
+                <a:cs typeface="Arial" panose="020B0604020202020204" pitchFamily="34" charset="0"/>
+              </a:rPr>
+              <a:pPr algn="ctr"/>
+              <a:t>9</a:t>
+            </a:fld>
+            <a:endParaRPr lang="zh-TW" altLang="en-US" sz="1600" b="1" dirty="0">
+              <a:latin typeface="Arial" panose="020B0604020202020204" pitchFamily="34" charset="0"/>
+              <a:ea typeface="微軟正黑體" panose="020B0604030504040204" pitchFamily="34" charset="-120"/>
+              <a:cs typeface="Arial" panose="020B0604020202020204" pitchFamily="34" charset="0"/>
+            </a:endParaRPr>
+          </a:p>
+        </p:txBody>
+      </p:sp>
+      <p:sp>
+        <p:nvSpPr>
+          <p:cNvPr id="10" name="文字方塊 9"/>
+          <p:cNvSpPr txBox="1"/>
+          <p:nvPr/>
+        </p:nvSpPr>
+        <p:spPr>
+          <a:xfrm>
+            <a:off x="813962" y="421214"/>
+            <a:ext cx="1261884" cy="415498"/>
+          </a:xfrm>
+          <a:prstGeom prst="rect">
+            <a:avLst/>
+          </a:prstGeom>
+          <a:noFill/>
+        </p:spPr>
+        <p:txBody>
+          <a:bodyPr wrap="none" rtlCol="0">
+            <a:spAutoFit/>
+          </a:bodyPr>
+          <a:lstStyle/>
+          <a:p>
+            <a:r>
+              <a:rPr lang="zh-TW" altLang="en-US" sz="2100" b="1" dirty="0" smtClean="0">
+                <a:solidFill>
+                  <a:srgbClr val="E13763"/>
+                </a:solidFill>
+                <a:latin typeface="微軟正黑體" panose="020B0604030504040204" pitchFamily="34" charset="-120"/>
+                <a:ea typeface="微軟正黑體" panose="020B0604030504040204" pitchFamily="34" charset="-120"/>
+              </a:rPr>
+              <a:t>投影變形</a:t>
+            </a:r>
+            <a:endParaRPr lang="zh-TW" altLang="en-US" sz="2100" b="1" dirty="0">
+              <a:solidFill>
+                <a:srgbClr val="E13763"/>
+              </a:solidFill>
+              <a:latin typeface="微軟正黑體" panose="020B0604030504040204" pitchFamily="34" charset="-120"/>
+              <a:ea typeface="微軟正黑體" panose="020B0604030504040204" pitchFamily="34" charset="-120"/>
+            </a:endParaRPr>
+          </a:p>
+        </p:txBody>
+      </p:sp>
+      <p:sp>
+        <p:nvSpPr>
+          <p:cNvPr id="12" name="文字方塊 11"/>
+          <p:cNvSpPr txBox="1"/>
+          <p:nvPr/>
+        </p:nvSpPr>
+        <p:spPr>
+          <a:xfrm>
+            <a:off x="491075" y="1052736"/>
+            <a:ext cx="7787938" cy="507831"/>
+          </a:xfrm>
+          <a:prstGeom prst="rect">
+            <a:avLst/>
+          </a:prstGeom>
+          <a:noFill/>
+        </p:spPr>
+        <p:txBody>
+          <a:bodyPr wrap="square" rtlCol="0">
+            <a:spAutoFit/>
+          </a:bodyPr>
+          <a:lstStyle/>
+          <a:p>
+            <a:pPr>
+              <a:lnSpc>
+                <a:spcPct val="150000"/>
+              </a:lnSpc>
+            </a:pPr>
+            <a:r>
+              <a:rPr lang="en-US" altLang="zh-TW" dirty="0" err="1" smtClean="0">
+                <a:solidFill>
+                  <a:schemeClr val="bg1"/>
+                </a:solidFill>
+                <a:latin typeface="微軟正黑體" panose="020B0604030504040204" pitchFamily="34" charset="-120"/>
+                <a:ea typeface="微軟正黑體" panose="020B0604030504040204" pitchFamily="34" charset="-120"/>
+              </a:rPr>
+              <a:t>proj.setAxisY</a:t>
+            </a:r>
+            <a:r>
+              <a:rPr lang="en-US" altLang="zh-TW" dirty="0" smtClean="0">
+                <a:solidFill>
+                  <a:schemeClr val="bg1"/>
+                </a:solidFill>
+                <a:latin typeface="微軟正黑體" panose="020B0604030504040204" pitchFamily="34" charset="-120"/>
+                <a:ea typeface="微軟正黑體" panose="020B0604030504040204" pitchFamily="34" charset="-120"/>
+              </a:rPr>
+              <a:t>( -</a:t>
+            </a:r>
+            <a:r>
+              <a:rPr lang="en-US" altLang="zh-TW" dirty="0" err="1" smtClean="0">
+                <a:solidFill>
+                  <a:schemeClr val="bg1"/>
+                </a:solidFill>
+                <a:latin typeface="微軟正黑體" panose="020B0604030504040204" pitchFamily="34" charset="-120"/>
+                <a:ea typeface="微軟正黑體" panose="020B0604030504040204" pitchFamily="34" charset="-120"/>
+              </a:rPr>
+              <a:t>pos</a:t>
+            </a:r>
+            <a:r>
+              <a:rPr lang="en-US" altLang="zh-TW" dirty="0" smtClean="0">
+                <a:solidFill>
+                  <a:schemeClr val="bg1"/>
+                </a:solidFill>
+                <a:latin typeface="微軟正黑體" panose="020B0604030504040204" pitchFamily="34" charset="-120"/>
+                <a:ea typeface="微軟正黑體" panose="020B0604030504040204" pitchFamily="34" charset="-120"/>
+              </a:rPr>
+              <a:t> </a:t>
+            </a:r>
+            <a:r>
+              <a:rPr lang="en-US" altLang="zh-TW" dirty="0">
+                <a:solidFill>
+                  <a:schemeClr val="bg1"/>
+                </a:solidFill>
+                <a:latin typeface="微軟正黑體" panose="020B0604030504040204" pitchFamily="34" charset="-120"/>
+                <a:ea typeface="微軟正黑體" panose="020B0604030504040204" pitchFamily="34" charset="-120"/>
+              </a:rPr>
+              <a:t>, </a:t>
+            </a:r>
+            <a:r>
+              <a:rPr lang="en-US" altLang="zh-TW" dirty="0" smtClean="0">
+                <a:solidFill>
+                  <a:schemeClr val="bg1"/>
+                </a:solidFill>
+                <a:latin typeface="微軟正黑體" panose="020B0604030504040204" pitchFamily="34" charset="-120"/>
+                <a:ea typeface="微軟正黑體" panose="020B0604030504040204" pitchFamily="34" charset="-120"/>
+              </a:rPr>
+              <a:t>-1</a:t>
+            </a:r>
+            <a:r>
+              <a:rPr lang="zh-TW" altLang="en-US" dirty="0" smtClean="0">
+                <a:solidFill>
+                  <a:schemeClr val="bg1"/>
+                </a:solidFill>
+                <a:latin typeface="微軟正黑體" panose="020B0604030504040204" pitchFamily="34" charset="-120"/>
+                <a:ea typeface="微軟正黑體" panose="020B0604030504040204" pitchFamily="34" charset="-120"/>
+              </a:rPr>
+              <a:t> </a:t>
+            </a:r>
+            <a:r>
+              <a:rPr lang="en-US" altLang="zh-TW" dirty="0" smtClean="0">
+                <a:solidFill>
+                  <a:schemeClr val="bg1"/>
+                </a:solidFill>
+                <a:latin typeface="微軟正黑體" panose="020B0604030504040204" pitchFamily="34" charset="-120"/>
+                <a:ea typeface="微軟正黑體" panose="020B0604030504040204" pitchFamily="34" charset="-120"/>
+              </a:rPr>
+              <a:t>)</a:t>
+            </a:r>
+            <a:r>
+              <a:rPr lang="zh-TW" altLang="en-US" dirty="0">
+                <a:solidFill>
+                  <a:schemeClr val="bg1"/>
+                </a:solidFill>
+                <a:latin typeface="微軟正黑體" panose="020B0604030504040204" pitchFamily="34" charset="-120"/>
+                <a:ea typeface="微軟正黑體" panose="020B0604030504040204" pitchFamily="34" charset="-120"/>
+              </a:rPr>
+              <a:t> 　　</a:t>
+            </a:r>
+            <a:r>
+              <a:rPr lang="en-US" altLang="zh-TW" dirty="0" smtClean="0">
+                <a:solidFill>
+                  <a:schemeClr val="bg1"/>
+                </a:solidFill>
+                <a:latin typeface="微軟正黑體" panose="020B0604030504040204" pitchFamily="34" charset="-120"/>
+                <a:ea typeface="微軟正黑體" panose="020B0604030504040204" pitchFamily="34" charset="-120"/>
+              </a:rPr>
+              <a:t>//-</a:t>
+            </a:r>
+            <a:r>
+              <a:rPr lang="en-US" altLang="zh-TW" dirty="0" err="1" smtClean="0">
+                <a:solidFill>
+                  <a:schemeClr val="bg1"/>
+                </a:solidFill>
+                <a:latin typeface="微軟正黑體" panose="020B0604030504040204" pitchFamily="34" charset="-120"/>
+                <a:ea typeface="微軟正黑體" panose="020B0604030504040204" pitchFamily="34" charset="-120"/>
+              </a:rPr>
+              <a:t>pos</a:t>
+            </a:r>
+            <a:r>
+              <a:rPr lang="zh-TW" altLang="en-US" dirty="0" smtClean="0">
+                <a:solidFill>
+                  <a:schemeClr val="bg1"/>
+                </a:solidFill>
+                <a:latin typeface="微軟正黑體" panose="020B0604030504040204" pitchFamily="34" charset="-120"/>
+                <a:ea typeface="微軟正黑體" panose="020B0604030504040204" pitchFamily="34" charset="-120"/>
+              </a:rPr>
+              <a:t>實際為</a:t>
+            </a:r>
+            <a:r>
+              <a:rPr lang="en-US" altLang="zh-TW" dirty="0" smtClean="0">
+                <a:solidFill>
+                  <a:schemeClr val="bg1"/>
+                </a:solidFill>
+                <a:latin typeface="微軟正黑體" panose="020B0604030504040204" pitchFamily="34" charset="-120"/>
+                <a:ea typeface="微軟正黑體" panose="020B0604030504040204" pitchFamily="34" charset="-120"/>
+              </a:rPr>
+              <a:t>-</a:t>
+            </a:r>
+            <a:r>
+              <a:rPr lang="en-US" altLang="zh-TW" dirty="0" err="1" smtClean="0">
+                <a:solidFill>
+                  <a:schemeClr val="bg1"/>
+                </a:solidFill>
+                <a:latin typeface="微軟正黑體" panose="020B0604030504040204" pitchFamily="34" charset="-120"/>
+                <a:ea typeface="微軟正黑體" panose="020B0604030504040204" pitchFamily="34" charset="-120"/>
+              </a:rPr>
+              <a:t>pos.x</a:t>
+            </a:r>
+            <a:r>
+              <a:rPr lang="en-US" altLang="zh-TW" dirty="0">
+                <a:solidFill>
+                  <a:schemeClr val="bg1"/>
+                </a:solidFill>
+                <a:latin typeface="微軟正黑體" panose="020B0604030504040204" pitchFamily="34" charset="-120"/>
+                <a:ea typeface="微軟正黑體" panose="020B0604030504040204" pitchFamily="34" charset="-120"/>
+              </a:rPr>
+              <a:t>, </a:t>
+            </a:r>
+            <a:r>
+              <a:rPr lang="en-US" altLang="zh-TW" dirty="0" smtClean="0">
+                <a:solidFill>
+                  <a:schemeClr val="bg1"/>
+                </a:solidFill>
+                <a:latin typeface="微軟正黑體" panose="020B0604030504040204" pitchFamily="34" charset="-120"/>
+                <a:ea typeface="微軟正黑體" panose="020B0604030504040204" pitchFamily="34" charset="-120"/>
+              </a:rPr>
+              <a:t>-</a:t>
+            </a:r>
+            <a:r>
+              <a:rPr lang="en-US" altLang="zh-TW" dirty="0" err="1" smtClean="0">
+                <a:solidFill>
+                  <a:schemeClr val="bg1"/>
+                </a:solidFill>
+                <a:latin typeface="微軟正黑體" panose="020B0604030504040204" pitchFamily="34" charset="-120"/>
+                <a:ea typeface="微軟正黑體" panose="020B0604030504040204" pitchFamily="34" charset="-120"/>
+              </a:rPr>
+              <a:t>pos.y</a:t>
+            </a:r>
+            <a:endParaRPr lang="en-US" altLang="zh-TW" dirty="0">
+              <a:solidFill>
+                <a:srgbClr val="24292E"/>
+              </a:solidFill>
+              <a:latin typeface="微軟正黑體" panose="020B0604030504040204" pitchFamily="34" charset="-120"/>
+              <a:ea typeface="微軟正黑體" panose="020B0604030504040204" pitchFamily="34" charset="-120"/>
+            </a:endParaRPr>
+          </a:p>
+        </p:txBody>
+      </p:sp>
+      <p:pic>
+        <p:nvPicPr>
+          <p:cNvPr id="2" name="圖片 1"/>
+          <p:cNvPicPr>
+            <a:picLocks noChangeAspect="1"/>
+          </p:cNvPicPr>
+          <p:nvPr/>
+        </p:nvPicPr>
+        <p:blipFill>
+          <a:blip r:embed="rId4">
+            <a:extLst>
+              <a:ext uri="{28A0092B-C50C-407E-A947-70E740481C1C}">
+                <a14:useLocalDpi xmlns:a14="http://schemas.microsoft.com/office/drawing/2010/main" val="0"/>
+              </a:ext>
+            </a:extLst>
+          </a:blip>
+          <a:stretch>
+            <a:fillRect/>
+          </a:stretch>
+        </p:blipFill>
+        <p:spPr>
+          <a:xfrm>
+            <a:off x="395536" y="1700808"/>
+            <a:ext cx="3696216" cy="4525006"/>
+          </a:xfrm>
+          <a:prstGeom prst="rect">
+            <a:avLst/>
+          </a:prstGeom>
+        </p:spPr>
+      </p:pic>
+      <p:sp>
+        <p:nvSpPr>
+          <p:cNvPr id="11" name="向右箭號 10"/>
+          <p:cNvSpPr/>
+          <p:nvPr/>
+        </p:nvSpPr>
+        <p:spPr>
+          <a:xfrm>
+            <a:off x="4295872" y="4005058"/>
+            <a:ext cx="360040" cy="288032"/>
+          </a:xfrm>
+          <a:prstGeom prst="rightArrow">
+            <a:avLst/>
+          </a:prstGeom>
+          <a:solidFill>
+            <a:srgbClr val="FF0000"/>
+          </a:solidFill>
+          <a:ln>
+            <a:noFill/>
+          </a:ln>
+        </p:spPr>
+        <p:style>
+          <a:lnRef idx="2">
+            <a:schemeClr val="accent1">
+              <a:shade val="50000"/>
+            </a:schemeClr>
+          </a:lnRef>
+          <a:fillRef idx="1">
+            <a:schemeClr val="accent1"/>
+          </a:fillRef>
+          <a:effectRef idx="0">
+            <a:schemeClr val="accent1"/>
+          </a:effectRef>
+          <a:fontRef idx="minor">
+            <a:schemeClr val="lt1"/>
+          </a:fontRef>
+        </p:style>
+        <p:txBody>
+          <a:bodyPr rtlCol="0" anchor="ctr"/>
+          <a:lstStyle/>
+          <a:p>
+            <a:pPr algn="ctr"/>
+            <a:endParaRPr lang="zh-TW" altLang="en-US"/>
           </a:p>
         </p:txBody>
       </p:sp>
@@ -7403,15 +12313,21 @@
           <p:nvPr/>
         </p:nvPicPr>
         <p:blipFill>
-          <a:blip r:embed="rId4"/>
+          <a:blip r:embed="rId5">
+            <a:extLst>
+              <a:ext uri="{28A0092B-C50C-407E-A947-70E740481C1C}">
+                <a14:useLocalDpi xmlns:a14="http://schemas.microsoft.com/office/drawing/2010/main" val="0"/>
+              </a:ext>
+            </a:extLst>
+          </a:blip>
           <a:stretch>
             <a:fillRect/>
           </a:stretch>
         </p:blipFill>
         <p:spPr>
           <a:xfrm>
-            <a:off x="813962" y="4221088"/>
-            <a:ext cx="7620000" cy="609600"/>
+            <a:off x="5131067" y="1929439"/>
+            <a:ext cx="3553321" cy="4296375"/>
           </a:xfrm>
           <a:prstGeom prst="rect">
             <a:avLst/>
@@ -7421,7 +12337,7 @@
     </p:spTree>
     <p:extLst>
       <p:ext uri="{BB962C8B-B14F-4D97-AF65-F5344CB8AC3E}">
-        <p14:creationId xmlns:p14="http://schemas.microsoft.com/office/powerpoint/2010/main" val="1613637021"/>
+        <p14:creationId xmlns:p14="http://schemas.microsoft.com/office/powerpoint/2010/main" val="167816694"/>
       </p:ext>
     </p:extLst>
   </p:cSld>
